--- a/projectPPT/3차 발표.pptx
+++ b/projectPPT/3차 발표.pptx
@@ -2,11 +2,11 @@
 <file path=ppt/presentation.xml><?xml version="1.0" encoding="utf-8"?>
 <p:presentation xmlns:a="http://schemas.openxmlformats.org/drawingml/2006/main" xmlns:r="http://schemas.openxmlformats.org/officeDocument/2006/relationships" xmlns:p="http://schemas.openxmlformats.org/presentationml/2006/main" saveSubsetFonts="1">
   <p:sldMasterIdLst>
-    <p:sldMasterId id="2147483664" r:id="rId1"/>
+    <p:sldMasterId id="2147483665" r:id="rId13"/>
   </p:sldMasterIdLst>
   <p:sldIdLst>
-    <p:sldId id="256" r:id="rId2"/>
-    <p:sldId id="257" r:id="rId3"/>
+    <p:sldId id="256" r:id="rId15"/>
+    <p:sldId id="257" r:id="rId16"/>
   </p:sldIdLst>
   <p:sldSz cx="9144000" cy="6858000"/>
   <p:notesSz cx="6858000" cy="9144000"/>
@@ -7013,7 +7013,7 @@
 </file>
 
 <file path=ppt/slides/slide2.xml><?xml version="1.0" encoding="utf-8"?>
-<p:sld xmlns:a="http://schemas.openxmlformats.org/drawingml/2006/main" xmlns:r="http://schemas.openxmlformats.org/officeDocument/2006/relationships" xmlns:p="http://schemas.openxmlformats.org/presentationml/2006/main" show="1">
+<p:sld xmlns:a="http://schemas.openxmlformats.org/drawingml/2006/main" xmlns:r="http://schemas.openxmlformats.org/officeDocument/2006/relationships" xmlns:p="http://schemas.openxmlformats.org/presentationml/2006/main">
   <p:cSld>
     <p:spTree>
       <p:nvGrpSpPr>
@@ -7038,8 +7038,8 @@
           <p:nvPr/>
         </p:nvGraphicFramePr>
         <p:xfrm>
-          <a:off x="-29845" y="-20320"/>
-          <a:ext cx="9191626" cy="7828916"/>
+          <a:off x="-50165" y="1755140"/>
+          <a:ext cx="9192261" cy="5109845"/>
         </p:xfrm>
         <a:graphic>
           <a:graphicData uri="http://schemas.openxmlformats.org/drawingml/2006/table">
@@ -7050,15 +7050,15 @@
               <a:tblGrid>
                 <a:gridCol w="4594860"/>
                 <a:gridCol w="635"/>
-                <a:gridCol w="4596130"/>
+                <a:gridCol w="4596765"/>
               </a:tblGrid>
-              <a:tr h="626110">
+              <a:tr h="501650">
                 <a:tc>
                   <a:txBody>
                     <a:bodyPr/>
                     <a:lstStyle/>
                     <a:p>
-                      <a:pPr marL="0" indent="0" algn="l" fontAlgn="auto" defTabSz="508000">
+                      <a:pPr marL="0" indent="0" algn="l" fontAlgn="auto" defTabSz="508000" eaLnBrk="0">
                         <a:lnSpc>
                           <a:spcPct val="100000"/>
                         </a:lnSpc>
@@ -7097,7 +7097,7 @@
                     <a:bodyPr/>
                     <a:lstStyle/>
                     <a:p>
-                      <a:pPr marL="0" indent="0" algn="l" fontAlgn="auto" defTabSz="508000">
+                      <a:pPr marL="0" indent="0" algn="l" fontAlgn="auto" defTabSz="508000" eaLnBrk="0">
                         <a:lnSpc>
                           <a:spcPct val="100000"/>
                         </a:lnSpc>
@@ -7145,13 +7145,13 @@
                   </a:txBody>
                 </a:tc>
               </a:tr>
-              <a:tr h="626110">
+              <a:tr h="501650">
                 <a:tc>
                   <a:txBody>
                     <a:bodyPr/>
                     <a:lstStyle/>
                     <a:p>
-                      <a:pPr marL="0" indent="0" algn="l" fontAlgn="auto" defTabSz="508000">
+                      <a:pPr marL="0" indent="0" algn="l" fontAlgn="auto" defTabSz="508000" eaLnBrk="0">
                         <a:lnSpc>
                           <a:spcPct val="100000"/>
                         </a:lnSpc>
@@ -7190,7 +7190,7 @@
                     <a:bodyPr/>
                     <a:lstStyle/>
                     <a:p>
-                      <a:pPr marL="0" indent="0" algn="l" fontAlgn="auto" defTabSz="508000">
+                      <a:pPr marL="0" indent="0" algn="l" fontAlgn="auto" defTabSz="508000" eaLnBrk="0">
                         <a:lnSpc>
                           <a:spcPct val="100000"/>
                         </a:lnSpc>
@@ -7238,13 +7238,13 @@
                   </a:txBody>
                 </a:tc>
               </a:tr>
-              <a:tr h="626110">
+              <a:tr h="501650">
                 <a:tc>
                   <a:txBody>
                     <a:bodyPr/>
                     <a:lstStyle/>
                     <a:p>
-                      <a:pPr marL="0" indent="0" algn="l" fontAlgn="auto" defTabSz="508000">
+                      <a:pPr marL="0" indent="0" algn="l" fontAlgn="auto" defTabSz="508000" eaLnBrk="0">
                         <a:lnSpc>
                           <a:spcPct val="100000"/>
                         </a:lnSpc>
@@ -7283,7 +7283,7 @@
                     <a:bodyPr/>
                     <a:lstStyle/>
                     <a:p>
-                      <a:pPr marL="0" indent="0" algn="l" fontAlgn="auto" defTabSz="508000">
+                      <a:pPr marL="0" indent="0" algn="l" fontAlgn="auto" defTabSz="508000" eaLnBrk="0">
                         <a:lnSpc>
                           <a:spcPct val="100000"/>
                         </a:lnSpc>
@@ -7331,13 +7331,13 @@
                   </a:txBody>
                 </a:tc>
               </a:tr>
-              <a:tr h="626110">
+              <a:tr h="501650">
                 <a:tc>
                   <a:txBody>
                     <a:bodyPr/>
                     <a:lstStyle/>
                     <a:p>
-                      <a:pPr marL="0" indent="0" algn="l" fontAlgn="auto" defTabSz="508000">
+                      <a:pPr marL="0" indent="0" algn="l" fontAlgn="auto" defTabSz="508000" eaLnBrk="0">
                         <a:lnSpc>
                           <a:spcPct val="100000"/>
                         </a:lnSpc>
@@ -7376,7 +7376,7 @@
                     <a:bodyPr/>
                     <a:lstStyle/>
                     <a:p>
-                      <a:pPr marL="0" indent="0" algn="l" fontAlgn="auto" defTabSz="508000">
+                      <a:pPr marL="0" indent="0" algn="l" fontAlgn="auto" defTabSz="508000" eaLnBrk="0">
                         <a:lnSpc>
                           <a:spcPct val="100000"/>
                         </a:lnSpc>
@@ -7424,13 +7424,13 @@
                   </a:txBody>
                 </a:tc>
               </a:tr>
-              <a:tr h="626110">
+              <a:tr h="501650">
                 <a:tc>
                   <a:txBody>
                     <a:bodyPr/>
                     <a:lstStyle/>
                     <a:p>
-                      <a:pPr marL="0" indent="0" algn="l" fontAlgn="auto" defTabSz="508000">
+                      <a:pPr marL="0" indent="0" algn="l" fontAlgn="auto" defTabSz="508000" eaLnBrk="0">
                         <a:lnSpc>
                           <a:spcPct val="100000"/>
                         </a:lnSpc>
@@ -7469,7 +7469,7 @@
                     <a:bodyPr/>
                     <a:lstStyle/>
                     <a:p>
-                      <a:pPr marL="0" indent="0" algn="l" fontAlgn="auto" defTabSz="508000">
+                      <a:pPr marL="0" indent="0" algn="l" fontAlgn="auto" defTabSz="508000" eaLnBrk="0">
                         <a:lnSpc>
                           <a:spcPct val="100000"/>
                         </a:lnSpc>
@@ -7517,13 +7517,13 @@
                   </a:txBody>
                 </a:tc>
               </a:tr>
-              <a:tr h="854710">
+              <a:tr h="684530">
                 <a:tc>
                   <a:txBody>
                     <a:bodyPr/>
                     <a:lstStyle/>
                     <a:p>
-                      <a:pPr marL="0" indent="0" algn="l" fontAlgn="auto" defTabSz="508000">
+                      <a:pPr marL="0" indent="0" algn="l" fontAlgn="auto" defTabSz="508000" eaLnBrk="0">
                         <a:lnSpc>
                           <a:spcPct val="100000"/>
                         </a:lnSpc>
@@ -7562,7 +7562,7 @@
                     <a:bodyPr/>
                     <a:lstStyle/>
                     <a:p>
-                      <a:pPr marL="0" indent="0" algn="l" fontAlgn="auto" defTabSz="508000">
+                      <a:pPr marL="0" indent="0" algn="l" fontAlgn="auto" defTabSz="508000" eaLnBrk="0">
                         <a:lnSpc>
                           <a:spcPct val="100000"/>
                         </a:lnSpc>
@@ -7610,13 +7610,13 @@
                   </a:txBody>
                 </a:tc>
               </a:tr>
-              <a:tr h="880110">
+              <a:tr h="704850">
                 <a:tc>
                   <a:txBody>
                     <a:bodyPr/>
                     <a:lstStyle/>
                     <a:p>
-                      <a:pPr marL="0" indent="0" algn="l" fontAlgn="auto" defTabSz="508000">
+                      <a:pPr marL="0" indent="0" algn="l" fontAlgn="auto" defTabSz="508000" eaLnBrk="0">
                         <a:lnSpc>
                           <a:spcPct val="100000"/>
                         </a:lnSpc>
@@ -7655,7 +7655,7 @@
                     <a:bodyPr/>
                     <a:lstStyle/>
                     <a:p>
-                      <a:pPr marL="0" indent="0" algn="l" fontAlgn="auto" defTabSz="508000">
+                      <a:pPr marL="0" indent="0" algn="l" fontAlgn="auto" defTabSz="508000" eaLnBrk="0">
                         <a:lnSpc>
                           <a:spcPct val="100000"/>
                         </a:lnSpc>
@@ -7703,13 +7703,13 @@
                   </a:txBody>
                 </a:tc>
               </a:tr>
-              <a:tr h="786765">
+              <a:tr h="629920">
                 <a:tc>
                   <a:txBody>
                     <a:bodyPr/>
                     <a:lstStyle/>
                     <a:p>
-                      <a:pPr marL="0" indent="0" algn="l" fontAlgn="auto" defTabSz="508000">
+                      <a:pPr marL="0" indent="0" algn="l" fontAlgn="auto" defTabSz="508000" eaLnBrk="0">
                         <a:lnSpc>
                           <a:spcPct val="100000"/>
                         </a:lnSpc>
@@ -7748,7 +7748,7 @@
                     <a:bodyPr/>
                     <a:lstStyle/>
                     <a:p>
-                      <a:pPr marL="0" indent="0" algn="l" fontAlgn="auto" defTabSz="508000">
+                      <a:pPr marL="0" indent="0" algn="l" fontAlgn="auto" defTabSz="508000" eaLnBrk="0">
                         <a:lnSpc>
                           <a:spcPct val="100000"/>
                         </a:lnSpc>
@@ -7796,13 +7796,226 @@
                   </a:txBody>
                 </a:tc>
               </a:tr>
-              <a:tr h="811530">
+              <a:tr h="582295">
+                <a:tc gridSpan="2">
+                  <a:txBody>
+                    <a:bodyPr/>
+                    <a:lstStyle/>
+                    <a:p>
+                      <a:pPr marL="0" indent="0" algn="l" fontAlgn="auto" defTabSz="508000" eaLnBrk="0">
+                        <a:lnSpc>
+                          <a:spcPct val="100000"/>
+                        </a:lnSpc>
+                        <a:spcBef>
+                          <a:spcPts val="0"/>
+                        </a:spcBef>
+                        <a:spcAft>
+                          <a:spcPts val="0"/>
+                        </a:spcAft>
+                        <a:buFontTx/>
+                        <a:buNone/>
+                      </a:pPr>
+                      <a:r>
+                        <a:rPr lang="en-US" altLang="ko-KR" sz="3000" dirty="0" smtClean="0">
+                          <a:solidFill>
+                            <a:schemeClr val="dk1"/>
+                          </a:solidFill>
+                          <a:latin typeface="함초롬돋움" charset="0"/>
+                          <a:ea typeface="함초롬돋움" charset="0"/>
+                        </a:rPr>
+                        <a:t>평균</a:t>
+                      </a:r>
+                      <a:endParaRPr lang="ko-KR" altLang="en-US" sz="3000" dirty="0" smtClean="0">
+                        <a:solidFill>
+                          <a:schemeClr val="dk1"/>
+                        </a:solidFill>
+                        <a:latin typeface="함초롬돋움" charset="0"/>
+                        <a:ea typeface="함초롬돋움" charset="0"/>
+                      </a:endParaRPr>
+                    </a:p>
+                  </a:txBody>
+                  <a:tcPr marL="90170" marR="90170" marT="46990" marB="46990" anchor="t"/>
+                </a:tc>
+                <a:tc hMerge="1">
+                  <a:txBody>
+                    <a:bodyPr/>
+                    <a:lstStyle/>
+                    <a:p>
+                      <a:pPr>
+                        <a:buFontTx/>
+                        <a:buNone/>
+                      </a:pPr>
+                      <a:endParaRPr lang="ko-KR" altLang="en-US" dirty="0" smtClean="0"/>
+                    </a:p>
+                  </a:txBody>
+                </a:tc>
                 <a:tc>
                   <a:txBody>
                     <a:bodyPr/>
                     <a:lstStyle/>
                     <a:p>
-                      <a:pPr marL="0" indent="0" algn="l" fontAlgn="auto" defTabSz="508000">
+                      <a:pPr marL="0" indent="0" algn="l" fontAlgn="auto" defTabSz="508000" eaLnBrk="0">
+                        <a:lnSpc>
+                          <a:spcPct val="100000"/>
+                        </a:lnSpc>
+                        <a:spcBef>
+                          <a:spcPts val="0"/>
+                        </a:spcBef>
+                        <a:spcAft>
+                          <a:spcPts val="0"/>
+                        </a:spcAft>
+                        <a:buFontTx/>
+                        <a:buNone/>
+                      </a:pPr>
+                      <a:r>
+                        <a:rPr lang="en-US" altLang="ko-KR" sz="3000" dirty="0" smtClean="0">
+                          <a:solidFill>
+                            <a:schemeClr val="dk1"/>
+                          </a:solidFill>
+                          <a:latin typeface="함초롬돋움" charset="0"/>
+                          <a:ea typeface="함초롬돋움" charset="0"/>
+                        </a:rPr>
+                        <a:t>6.6회</a:t>
+                      </a:r>
+                      <a:endParaRPr lang="ko-KR" altLang="en-US" sz="3000" dirty="0" smtClean="0">
+                        <a:solidFill>
+                          <a:schemeClr val="dk1"/>
+                        </a:solidFill>
+                        <a:latin typeface="함초롬돋움" charset="0"/>
+                        <a:ea typeface="함초롬돋움" charset="0"/>
+                      </a:endParaRPr>
+                    </a:p>
+                  </a:txBody>
+                  <a:tcPr marL="90170" marR="90170" marT="46990" marB="46990" anchor="t"/>
+                </a:tc>
+              </a:tr>
+            </a:tbl>
+          </a:graphicData>
+        </a:graphic>
+      </p:graphicFrame>
+      <p:graphicFrame>
+        <p:nvGraphicFramePr>
+          <p:cNvPr id="2" name="표 1"/>
+          <p:cNvGraphicFramePr>
+            <a:graphicFrameLocks noGrp="1"/>
+          </p:cNvGraphicFramePr>
+          <p:nvPr/>
+        </p:nvGraphicFramePr>
+        <p:xfrm>
+          <a:off x="-50165" y="1755140"/>
+          <a:ext cx="9192261" cy="5109845"/>
+        </p:xfrm>
+        <a:graphic>
+          <a:graphicData uri="http://schemas.openxmlformats.org/drawingml/2006/table">
+            <a:tbl>
+              <a:tblPr firstRow="1" bandRow="1">
+                <a:tableStyleId>{7DF18680-E054-41AD-8BC1-D1AEF772440D}</a:tableStyleId>
+              </a:tblPr>
+              <a:tblGrid>
+                <a:gridCol w="4594860"/>
+                <a:gridCol w="635"/>
+                <a:gridCol w="4596765"/>
+              </a:tblGrid>
+              <a:tr h="501650">
+                <a:tc>
+                  <a:txBody>
+                    <a:bodyPr/>
+                    <a:lstStyle/>
+                    <a:p>
+                      <a:pPr marL="0" indent="0" algn="l" fontAlgn="auto" defTabSz="508000" eaLnBrk="0">
+                        <a:lnSpc>
+                          <a:spcPct val="100000"/>
+                        </a:lnSpc>
+                        <a:spcBef>
+                          <a:spcPts val="0"/>
+                        </a:spcBef>
+                        <a:spcAft>
+                          <a:spcPts val="0"/>
+                        </a:spcAft>
+                        <a:buFontTx/>
+                        <a:buNone/>
+                      </a:pPr>
+                      <a:r>
+                        <a:rPr lang="en-US" altLang="ko-KR" sz="1800" dirty="0" smtClean="0" b="1">
+                          <a:solidFill>
+                            <a:schemeClr val="lt1"/>
+                          </a:solidFill>
+                          <a:latin typeface="맑은 고딕" charset="0"/>
+                          <a:ea typeface="맑은 고딕" charset="0"/>
+                        </a:rPr>
+                        <a:t>주</a:t>
+                      </a:r>
+                      <a:endParaRPr lang="ko-KR" altLang="en-US" sz="1800" dirty="0" smtClean="0" b="1">
+                        <a:solidFill>
+                          <a:schemeClr val="lt1"/>
+                        </a:solidFill>
+                        <a:latin typeface="맑은 고딕" charset="0"/>
+                        <a:ea typeface="맑은 고딕" charset="0"/>
+                      </a:endParaRPr>
+                    </a:p>
+                  </a:txBody>
+                  <a:tcPr marL="90170" marR="90170" marT="46990" marB="46990" anchor="t"/>
+                </a:tc>
+                <a:tc gridSpan="2">
+                  <a:txBody>
+                    <a:bodyPr/>
+                    <a:lstStyle/>
+                    <a:p>
+                      <a:pPr marL="0" indent="0" algn="l" fontAlgn="auto" defTabSz="508000" eaLnBrk="0">
+                        <a:lnSpc>
+                          <a:spcPct val="100000"/>
+                        </a:lnSpc>
+                        <a:spcBef>
+                          <a:spcPts val="0"/>
+                        </a:spcBef>
+                        <a:spcAft>
+                          <a:spcPts val="0"/>
+                        </a:spcAft>
+                        <a:buFontTx/>
+                        <a:buNone/>
+                      </a:pPr>
+                      <a:r>
+                        <a:rPr lang="en-US" altLang="ko-KR" sz="1800" dirty="0" smtClean="0" b="1">
+                          <a:solidFill>
+                            <a:schemeClr val="lt1"/>
+                          </a:solidFill>
+                          <a:latin typeface="맑은 고딕" charset="0"/>
+                          <a:ea typeface="맑은 고딕" charset="0"/>
+                        </a:rPr>
+                        <a:t>커밋 횟수</a:t>
+                      </a:r>
+                      <a:endParaRPr lang="ko-KR" altLang="en-US" sz="1800" dirty="0" smtClean="0" b="1">
+                        <a:solidFill>
+                          <a:schemeClr val="lt1"/>
+                        </a:solidFill>
+                        <a:latin typeface="맑은 고딕" charset="0"/>
+                        <a:ea typeface="맑은 고딕" charset="0"/>
+                      </a:endParaRPr>
+                    </a:p>
+                  </a:txBody>
+                  <a:tcPr marL="90170" marR="90170" marT="46990" marB="46990" anchor="t"/>
+                </a:tc>
+                <a:tc hMerge="1">
+                  <a:txBody>
+                    <a:bodyPr/>
+                    <a:lstStyle/>
+                    <a:p>
+                      <a:pPr>
+                        <a:buFontTx/>
+                        <a:buNone/>
+                      </a:pPr>
+                      <a:endParaRPr lang="ko-KR" altLang="en-US" dirty="0" smtClean="0"/>
+                    </a:p>
+                  </a:txBody>
+                </a:tc>
+              </a:tr>
+              <a:tr h="501650">
+                <a:tc>
+                  <a:txBody>
+                    <a:bodyPr/>
+                    <a:lstStyle/>
+                    <a:p>
+                      <a:pPr marL="0" indent="0" algn="l" fontAlgn="auto" defTabSz="508000" eaLnBrk="0">
                         <a:lnSpc>
                           <a:spcPct val="100000"/>
                         </a:lnSpc>
@@ -7823,7 +8036,7 @@
                           <a:latin typeface="맑은 고딕" charset="0"/>
                           <a:ea typeface="맑은 고딕" charset="0"/>
                         </a:rPr>
-                        <a:t>8주차</a:t>
+                        <a:t>1주차</a:t>
                       </a:r>
                       <a:endParaRPr lang="ko-KR" altLang="en-US" sz="1800" dirty="0" smtClean="0">
                         <a:solidFill>
@@ -7841,7 +8054,7 @@
                     <a:bodyPr/>
                     <a:lstStyle/>
                     <a:p>
-                      <a:pPr marL="0" indent="0" algn="l" fontAlgn="auto" defTabSz="508000">
+                      <a:pPr marL="0" indent="0" algn="l" fontAlgn="auto" defTabSz="508000" eaLnBrk="0">
                         <a:lnSpc>
                           <a:spcPct val="100000"/>
                         </a:lnSpc>
@@ -7889,13 +8102,52 @@
                   </a:txBody>
                 </a:tc>
               </a:tr>
-              <a:tr h="1365250">
+              <a:tr h="501650">
+                <a:tc>
+                  <a:txBody>
+                    <a:bodyPr/>
+                    <a:lstStyle/>
+                    <a:p>
+                      <a:pPr marL="0" indent="0" algn="l" fontAlgn="auto" defTabSz="508000" eaLnBrk="0">
+                        <a:lnSpc>
+                          <a:spcPct val="100000"/>
+                        </a:lnSpc>
+                        <a:spcBef>
+                          <a:spcPts val="0"/>
+                        </a:spcBef>
+                        <a:spcAft>
+                          <a:spcPts val="0"/>
+                        </a:spcAft>
+                        <a:buFontTx/>
+                        <a:buNone/>
+                      </a:pPr>
+                      <a:r>
+                        <a:rPr lang="en-US" altLang="ko-KR" sz="1800" dirty="0" smtClean="0">
+                          <a:solidFill>
+                            <a:schemeClr val="dk1"/>
+                          </a:solidFill>
+                          <a:latin typeface="맑은 고딕" charset="0"/>
+                          <a:ea typeface="맑은 고딕" charset="0"/>
+                        </a:rPr>
+                        <a:t>2주차</a:t>
+                      </a:r>
+                      <a:endParaRPr lang="ko-KR" altLang="en-US" sz="1800" dirty="0" smtClean="0">
+                        <a:solidFill>
+                          <a:schemeClr val="dk1"/>
+                        </a:solidFill>
+                        <a:latin typeface="맑은 고딕" charset="0"/>
+                        <a:ea typeface="맑은 고딕" charset="0"/>
+                      </a:endParaRPr>
+                    </a:p>
+                  </a:txBody>
+                  <a:tcPr marL="90170" marR="90170" marT="46990" marB="46990" anchor="t"/>
+                </a:tc>
                 <a:tc gridSpan="2">
                   <a:txBody>
                     <a:bodyPr/>
                     <a:lstStyle/>
                     <a:p>
-                      <a:pPr marL="0" indent="0" algn="l" fontAlgn="auto" defTabSz="508000">
+                      <a:pPr marL="0" indent="0" algn="l" fontAlgn="auto" defTabSz="508000" eaLnBrk="0">
                         <a:lnSpc>
                           <a:spcPct val="100000"/>
                         </a:lnSpc>
@@ -7909,9 +8161,528 @@
                         <a:buNone/>
                       </a:pPr>
                       <a:r>
+                        <a:rPr lang="en-US" altLang="ko-KR" sz="1800" dirty="0" smtClean="0">
+                          <a:solidFill>
+                            <a:schemeClr val="dk1"/>
+                          </a:solidFill>
+                          <a:latin typeface="맑은 고딕" charset="0"/>
+                          <a:ea typeface="맑은 고딕" charset="0"/>
+                        </a:rPr>
+                        <a:t>5회</a:t>
+                      </a:r>
+                      <a:endParaRPr lang="ko-KR" altLang="en-US" sz="1800" dirty="0" smtClean="0">
+                        <a:solidFill>
+                          <a:schemeClr val="dk1"/>
+                        </a:solidFill>
+                        <a:latin typeface="맑은 고딕" charset="0"/>
+                        <a:ea typeface="맑은 고딕" charset="0"/>
+                      </a:endParaRPr>
+                    </a:p>
+                  </a:txBody>
+                  <a:tcPr marL="90170" marR="90170" marT="46990" marB="46990" anchor="t"/>
+                </a:tc>
+                <a:tc hMerge="1">
+                  <a:txBody>
+                    <a:bodyPr/>
+                    <a:lstStyle/>
+                    <a:p>
+                      <a:pPr>
+                        <a:buFontTx/>
+                        <a:buNone/>
+                      </a:pPr>
+                      <a:endParaRPr lang="ko-KR" altLang="en-US" dirty="0" smtClean="0"/>
+                    </a:p>
+                  </a:txBody>
+                </a:tc>
+              </a:tr>
+              <a:tr h="501650">
+                <a:tc>
+                  <a:txBody>
+                    <a:bodyPr/>
+                    <a:lstStyle/>
+                    <a:p>
+                      <a:pPr marL="0" indent="0" algn="l" fontAlgn="auto" defTabSz="508000" eaLnBrk="0">
+                        <a:lnSpc>
+                          <a:spcPct val="100000"/>
+                        </a:lnSpc>
+                        <a:spcBef>
+                          <a:spcPts val="0"/>
+                        </a:spcBef>
+                        <a:spcAft>
+                          <a:spcPts val="0"/>
+                        </a:spcAft>
+                        <a:buFontTx/>
+                        <a:buNone/>
+                      </a:pPr>
+                      <a:r>
+                        <a:rPr lang="en-US" altLang="ko-KR" sz="1800" dirty="0" smtClean="0">
+                          <a:solidFill>
+                            <a:schemeClr val="dk1"/>
+                          </a:solidFill>
+                          <a:latin typeface="맑은 고딕" charset="0"/>
+                          <a:ea typeface="맑은 고딕" charset="0"/>
+                        </a:rPr>
+                        <a:t>3주차</a:t>
+                      </a:r>
+                      <a:endParaRPr lang="ko-KR" altLang="en-US" sz="1800" dirty="0" smtClean="0">
+                        <a:solidFill>
+                          <a:schemeClr val="dk1"/>
+                        </a:solidFill>
+                        <a:latin typeface="맑은 고딕" charset="0"/>
+                        <a:ea typeface="맑은 고딕" charset="0"/>
+                      </a:endParaRPr>
+                    </a:p>
+                  </a:txBody>
+                  <a:tcPr marL="90170" marR="90170" marT="46990" marB="46990" anchor="t"/>
+                </a:tc>
+                <a:tc gridSpan="2">
+                  <a:txBody>
+                    <a:bodyPr/>
+                    <a:lstStyle/>
+                    <a:p>
+                      <a:pPr marL="0" indent="0" algn="l" fontAlgn="auto" defTabSz="508000" eaLnBrk="0">
+                        <a:lnSpc>
+                          <a:spcPct val="100000"/>
+                        </a:lnSpc>
+                        <a:spcBef>
+                          <a:spcPts val="0"/>
+                        </a:spcBef>
+                        <a:spcAft>
+                          <a:spcPts val="0"/>
+                        </a:spcAft>
+                        <a:buFontTx/>
+                        <a:buNone/>
+                      </a:pPr>
+                      <a:r>
+                        <a:rPr lang="en-US" altLang="ko-KR" sz="1800" dirty="0" smtClean="0">
+                          <a:solidFill>
+                            <a:schemeClr val="dk1"/>
+                          </a:solidFill>
+                          <a:latin typeface="맑은 고딕" charset="0"/>
+                          <a:ea typeface="맑은 고딕" charset="0"/>
+                        </a:rPr>
+                        <a:t>7회</a:t>
+                      </a:r>
+                      <a:endParaRPr lang="ko-KR" altLang="en-US" sz="1800" dirty="0" smtClean="0">
+                        <a:solidFill>
+                          <a:schemeClr val="dk1"/>
+                        </a:solidFill>
+                        <a:latin typeface="맑은 고딕" charset="0"/>
+                        <a:ea typeface="맑은 고딕" charset="0"/>
+                      </a:endParaRPr>
+                    </a:p>
+                  </a:txBody>
+                  <a:tcPr marL="90170" marR="90170" marT="46990" marB="46990" anchor="t"/>
+                </a:tc>
+                <a:tc hMerge="1">
+                  <a:txBody>
+                    <a:bodyPr/>
+                    <a:lstStyle/>
+                    <a:p>
+                      <a:pPr>
+                        <a:buFontTx/>
+                        <a:buNone/>
+                      </a:pPr>
+                      <a:endParaRPr lang="ko-KR" altLang="en-US" dirty="0" smtClean="0"/>
+                    </a:p>
+                  </a:txBody>
+                </a:tc>
+              </a:tr>
+              <a:tr h="501650">
+                <a:tc>
+                  <a:txBody>
+                    <a:bodyPr/>
+                    <a:lstStyle/>
+                    <a:p>
+                      <a:pPr marL="0" indent="0" algn="l" fontAlgn="auto" defTabSz="508000" eaLnBrk="0">
+                        <a:lnSpc>
+                          <a:spcPct val="100000"/>
+                        </a:lnSpc>
+                        <a:spcBef>
+                          <a:spcPts val="0"/>
+                        </a:spcBef>
+                        <a:spcAft>
+                          <a:spcPts val="0"/>
+                        </a:spcAft>
+                        <a:buFontTx/>
+                        <a:buNone/>
+                      </a:pPr>
+                      <a:r>
+                        <a:rPr lang="en-US" altLang="ko-KR" sz="1800" dirty="0" smtClean="0">
+                          <a:solidFill>
+                            <a:schemeClr val="dk1"/>
+                          </a:solidFill>
+                          <a:latin typeface="맑은 고딕" charset="0"/>
+                          <a:ea typeface="맑은 고딕" charset="0"/>
+                        </a:rPr>
+                        <a:t>4주차</a:t>
+                      </a:r>
+                      <a:endParaRPr lang="ko-KR" altLang="en-US" sz="1800" dirty="0" smtClean="0">
+                        <a:solidFill>
+                          <a:schemeClr val="dk1"/>
+                        </a:solidFill>
+                        <a:latin typeface="맑은 고딕" charset="0"/>
+                        <a:ea typeface="맑은 고딕" charset="0"/>
+                      </a:endParaRPr>
+                    </a:p>
+                  </a:txBody>
+                  <a:tcPr marL="90170" marR="90170" marT="46990" marB="46990" anchor="t"/>
+                </a:tc>
+                <a:tc gridSpan="2">
+                  <a:txBody>
+                    <a:bodyPr/>
+                    <a:lstStyle/>
+                    <a:p>
+                      <a:pPr marL="0" indent="0" algn="l" fontAlgn="auto" defTabSz="508000" eaLnBrk="0">
+                        <a:lnSpc>
+                          <a:spcPct val="100000"/>
+                        </a:lnSpc>
+                        <a:spcBef>
+                          <a:spcPts val="0"/>
+                        </a:spcBef>
+                        <a:spcAft>
+                          <a:spcPts val="0"/>
+                        </a:spcAft>
+                        <a:buFontTx/>
+                        <a:buNone/>
+                      </a:pPr>
+                      <a:r>
+                        <a:rPr lang="en-US" altLang="ko-KR" sz="1800" dirty="0" smtClean="0">
+                          <a:solidFill>
+                            <a:schemeClr val="dk1"/>
+                          </a:solidFill>
+                          <a:latin typeface="맑은 고딕" charset="0"/>
+                          <a:ea typeface="맑은 고딕" charset="0"/>
+                        </a:rPr>
+                        <a:t>5회</a:t>
+                      </a:r>
+                      <a:endParaRPr lang="ko-KR" altLang="en-US" sz="1800" dirty="0" smtClean="0">
+                        <a:solidFill>
+                          <a:schemeClr val="dk1"/>
+                        </a:solidFill>
+                        <a:latin typeface="맑은 고딕" charset="0"/>
+                        <a:ea typeface="맑은 고딕" charset="0"/>
+                      </a:endParaRPr>
+                    </a:p>
+                  </a:txBody>
+                  <a:tcPr marL="90170" marR="90170" marT="46990" marB="46990" anchor="t"/>
+                </a:tc>
+                <a:tc hMerge="1">
+                  <a:txBody>
+                    <a:bodyPr/>
+                    <a:lstStyle/>
+                    <a:p>
+                      <a:pPr>
+                        <a:buFontTx/>
+                        <a:buNone/>
+                      </a:pPr>
+                      <a:endParaRPr lang="ko-KR" altLang="en-US" dirty="0" smtClean="0"/>
+                    </a:p>
+                  </a:txBody>
+                </a:tc>
+              </a:tr>
+              <a:tr h="684530">
+                <a:tc>
+                  <a:txBody>
+                    <a:bodyPr/>
+                    <a:lstStyle/>
+                    <a:p>
+                      <a:pPr marL="0" indent="0" algn="l" fontAlgn="auto" defTabSz="508000" eaLnBrk="0">
+                        <a:lnSpc>
+                          <a:spcPct val="100000"/>
+                        </a:lnSpc>
+                        <a:spcBef>
+                          <a:spcPts val="0"/>
+                        </a:spcBef>
+                        <a:spcAft>
+                          <a:spcPts val="0"/>
+                        </a:spcAft>
+                        <a:buFontTx/>
+                        <a:buNone/>
+                      </a:pPr>
+                      <a:r>
+                        <a:rPr lang="en-US" altLang="ko-KR" sz="1800" dirty="0" smtClean="0">
+                          <a:solidFill>
+                            <a:schemeClr val="dk1"/>
+                          </a:solidFill>
+                          <a:latin typeface="맑은 고딕" charset="0"/>
+                          <a:ea typeface="맑은 고딕" charset="0"/>
+                        </a:rPr>
+                        <a:t>5주차</a:t>
+                      </a:r>
+                      <a:endParaRPr lang="ko-KR" altLang="en-US" sz="1800" dirty="0" smtClean="0">
+                        <a:solidFill>
+                          <a:schemeClr val="dk1"/>
+                        </a:solidFill>
+                        <a:latin typeface="맑은 고딕" charset="0"/>
+                        <a:ea typeface="맑은 고딕" charset="0"/>
+                      </a:endParaRPr>
+                    </a:p>
+                  </a:txBody>
+                  <a:tcPr marL="90170" marR="90170" marT="46990" marB="46990" anchor="t"/>
+                </a:tc>
+                <a:tc gridSpan="2">
+                  <a:txBody>
+                    <a:bodyPr/>
+                    <a:lstStyle/>
+                    <a:p>
+                      <a:pPr marL="0" indent="0" algn="l" fontAlgn="auto" defTabSz="508000" eaLnBrk="0">
+                        <a:lnSpc>
+                          <a:spcPct val="100000"/>
+                        </a:lnSpc>
+                        <a:spcBef>
+                          <a:spcPts val="0"/>
+                        </a:spcBef>
+                        <a:spcAft>
+                          <a:spcPts val="0"/>
+                        </a:spcAft>
+                        <a:buFontTx/>
+                        <a:buNone/>
+                      </a:pPr>
+                      <a:r>
+                        <a:rPr lang="en-US" altLang="ko-KR" sz="1800" dirty="0" smtClean="0">
+                          <a:solidFill>
+                            <a:schemeClr val="dk1"/>
+                          </a:solidFill>
+                          <a:latin typeface="맑은 고딕" charset="0"/>
+                          <a:ea typeface="맑은 고딕" charset="0"/>
+                        </a:rPr>
+                        <a:t>8회</a:t>
+                      </a:r>
+                      <a:endParaRPr lang="ko-KR" altLang="en-US" sz="1800" dirty="0" smtClean="0">
+                        <a:solidFill>
+                          <a:schemeClr val="dk1"/>
+                        </a:solidFill>
+                        <a:latin typeface="맑은 고딕" charset="0"/>
+                        <a:ea typeface="맑은 고딕" charset="0"/>
+                      </a:endParaRPr>
+                    </a:p>
+                  </a:txBody>
+                  <a:tcPr marL="90170" marR="90170" marT="46990" marB="46990" anchor="t"/>
+                </a:tc>
+                <a:tc hMerge="1">
+                  <a:txBody>
+                    <a:bodyPr/>
+                    <a:lstStyle/>
+                    <a:p>
+                      <a:pPr>
+                        <a:buFontTx/>
+                        <a:buNone/>
+                      </a:pPr>
+                      <a:endParaRPr lang="ko-KR" altLang="en-US" dirty="0" smtClean="0"/>
+                    </a:p>
+                  </a:txBody>
+                </a:tc>
+              </a:tr>
+              <a:tr h="704850">
+                <a:tc>
+                  <a:txBody>
+                    <a:bodyPr/>
+                    <a:lstStyle/>
+                    <a:p>
+                      <a:pPr marL="0" indent="0" algn="l" fontAlgn="auto" defTabSz="508000" eaLnBrk="0">
+                        <a:lnSpc>
+                          <a:spcPct val="100000"/>
+                        </a:lnSpc>
+                        <a:spcBef>
+                          <a:spcPts val="0"/>
+                        </a:spcBef>
+                        <a:spcAft>
+                          <a:spcPts val="0"/>
+                        </a:spcAft>
+                        <a:buFontTx/>
+                        <a:buNone/>
+                      </a:pPr>
+                      <a:r>
+                        <a:rPr lang="en-US" altLang="ko-KR" sz="1800" dirty="0" smtClean="0">
+                          <a:solidFill>
+                            <a:schemeClr val="dk1"/>
+                          </a:solidFill>
+                          <a:latin typeface="맑은 고딕" charset="0"/>
+                          <a:ea typeface="맑은 고딕" charset="0"/>
+                        </a:rPr>
+                        <a:t>6주차</a:t>
+                      </a:r>
+                      <a:endParaRPr lang="ko-KR" altLang="en-US" sz="1800" dirty="0" smtClean="0">
+                        <a:solidFill>
+                          <a:schemeClr val="dk1"/>
+                        </a:solidFill>
+                        <a:latin typeface="맑은 고딕" charset="0"/>
+                        <a:ea typeface="맑은 고딕" charset="0"/>
+                      </a:endParaRPr>
+                    </a:p>
+                  </a:txBody>
+                  <a:tcPr marL="90170" marR="90170" marT="46990" marB="46990" anchor="t"/>
+                </a:tc>
+                <a:tc gridSpan="2">
+                  <a:txBody>
+                    <a:bodyPr/>
+                    <a:lstStyle/>
+                    <a:p>
+                      <a:pPr marL="0" indent="0" algn="l" fontAlgn="auto" defTabSz="508000" eaLnBrk="0">
+                        <a:lnSpc>
+                          <a:spcPct val="100000"/>
+                        </a:lnSpc>
+                        <a:spcBef>
+                          <a:spcPts val="0"/>
+                        </a:spcBef>
+                        <a:spcAft>
+                          <a:spcPts val="0"/>
+                        </a:spcAft>
+                        <a:buFontTx/>
+                        <a:buNone/>
+                      </a:pPr>
+                      <a:r>
+                        <a:rPr lang="en-US" altLang="ko-KR" sz="1800" dirty="0" smtClean="0">
+                          <a:solidFill>
+                            <a:schemeClr val="dk1"/>
+                          </a:solidFill>
+                          <a:latin typeface="맑은 고딕" charset="0"/>
+                          <a:ea typeface="맑은 고딕" charset="0"/>
+                        </a:rPr>
+                        <a:t>7회</a:t>
+                      </a:r>
+                      <a:endParaRPr lang="ko-KR" altLang="en-US" sz="1800" dirty="0" smtClean="0">
+                        <a:solidFill>
+                          <a:schemeClr val="dk1"/>
+                        </a:solidFill>
+                        <a:latin typeface="맑은 고딕" charset="0"/>
+                        <a:ea typeface="맑은 고딕" charset="0"/>
+                      </a:endParaRPr>
+                    </a:p>
+                  </a:txBody>
+                  <a:tcPr marL="90170" marR="90170" marT="46990" marB="46990" anchor="t"/>
+                </a:tc>
+                <a:tc hMerge="1">
+                  <a:txBody>
+                    <a:bodyPr/>
+                    <a:lstStyle/>
+                    <a:p>
+                      <a:pPr>
+                        <a:buFontTx/>
+                        <a:buNone/>
+                      </a:pPr>
+                      <a:endParaRPr lang="ko-KR" altLang="en-US" dirty="0" smtClean="0"/>
+                    </a:p>
+                  </a:txBody>
+                </a:tc>
+              </a:tr>
+              <a:tr h="629920">
+                <a:tc>
+                  <a:txBody>
+                    <a:bodyPr/>
+                    <a:lstStyle/>
+                    <a:p>
+                      <a:pPr marL="0" indent="0" algn="l" fontAlgn="auto" defTabSz="508000" eaLnBrk="0">
+                        <a:lnSpc>
+                          <a:spcPct val="100000"/>
+                        </a:lnSpc>
+                        <a:spcBef>
+                          <a:spcPts val="0"/>
+                        </a:spcBef>
+                        <a:spcAft>
+                          <a:spcPts val="0"/>
+                        </a:spcAft>
+                        <a:buFontTx/>
+                        <a:buNone/>
+                      </a:pPr>
+                      <a:r>
+                        <a:rPr lang="en-US" altLang="ko-KR" sz="1800" dirty="0" smtClean="0">
+                          <a:solidFill>
+                            <a:schemeClr val="dk1"/>
+                          </a:solidFill>
+                          <a:latin typeface="맑은 고딕" charset="0"/>
+                          <a:ea typeface="맑은 고딕" charset="0"/>
+                        </a:rPr>
+                        <a:t>7주차</a:t>
+                      </a:r>
+                      <a:endParaRPr lang="ko-KR" altLang="en-US" sz="1800" dirty="0" smtClean="0">
+                        <a:solidFill>
+                          <a:schemeClr val="dk1"/>
+                        </a:solidFill>
+                        <a:latin typeface="맑은 고딕" charset="0"/>
+                        <a:ea typeface="맑은 고딕" charset="0"/>
+                      </a:endParaRPr>
+                    </a:p>
+                  </a:txBody>
+                  <a:tcPr marL="90170" marR="90170" marT="46990" marB="46990" anchor="t"/>
+                </a:tc>
+                <a:tc gridSpan="2">
+                  <a:txBody>
+                    <a:bodyPr/>
+                    <a:lstStyle/>
+                    <a:p>
+                      <a:pPr marL="0" indent="0" algn="l" fontAlgn="auto" defTabSz="508000" eaLnBrk="0">
+                        <a:lnSpc>
+                          <a:spcPct val="100000"/>
+                        </a:lnSpc>
+                        <a:spcBef>
+                          <a:spcPts val="0"/>
+                        </a:spcBef>
+                        <a:spcAft>
+                          <a:spcPts val="0"/>
+                        </a:spcAft>
+                        <a:buFontTx/>
+                        <a:buNone/>
+                      </a:pPr>
+                      <a:r>
+                        <a:rPr lang="en-US" altLang="ko-KR" sz="1800" dirty="0" smtClean="0">
+                          <a:solidFill>
+                            <a:schemeClr val="dk1"/>
+                          </a:solidFill>
+                          <a:latin typeface="맑은 고딕" charset="0"/>
+                          <a:ea typeface="맑은 고딕" charset="0"/>
+                        </a:rPr>
+                        <a:t>7회</a:t>
+                      </a:r>
+                      <a:endParaRPr lang="ko-KR" altLang="en-US" sz="1800" dirty="0" smtClean="0">
+                        <a:solidFill>
+                          <a:schemeClr val="dk1"/>
+                        </a:solidFill>
+                        <a:latin typeface="맑은 고딕" charset="0"/>
+                        <a:ea typeface="맑은 고딕" charset="0"/>
+                      </a:endParaRPr>
+                    </a:p>
+                  </a:txBody>
+                  <a:tcPr marL="90170" marR="90170" marT="46990" marB="46990" anchor="t"/>
+                </a:tc>
+                <a:tc hMerge="1">
+                  <a:txBody>
+                    <a:bodyPr/>
+                    <a:lstStyle/>
+                    <a:p>
+                      <a:pPr>
+                        <a:buFontTx/>
+                        <a:buNone/>
+                      </a:pPr>
+                      <a:endParaRPr lang="ko-KR" altLang="en-US" dirty="0" smtClean="0"/>
+                    </a:p>
+                  </a:txBody>
+                </a:tc>
+              </a:tr>
+              <a:tr h="582295">
+                <a:tc gridSpan="2">
+                  <a:txBody>
+                    <a:bodyPr/>
+                    <a:lstStyle/>
+                    <a:p>
+                      <a:pPr marL="0" indent="0" algn="l" fontAlgn="auto" defTabSz="508000" eaLnBrk="0">
+                        <a:lnSpc>
+                          <a:spcPct val="100000"/>
+                        </a:lnSpc>
+                        <a:spcBef>
+                          <a:spcPts val="0"/>
+                        </a:spcBef>
+                        <a:spcAft>
+                          <a:spcPts val="0"/>
+                        </a:spcAft>
+                        <a:buFontTx/>
+                        <a:buNone/>
+                      </a:pPr>
+                      <a:r>
                         <a:rPr lang="en-US" altLang="ko-KR" sz="3000" dirty="0" smtClean="0">
                           <a:solidFill>
-                            <a:srgbClr val="000000"/>
+                            <a:schemeClr val="dk1"/>
                           </a:solidFill>
                           <a:latin typeface="함초롬돋움" charset="0"/>
                           <a:ea typeface="함초롬돋움" charset="0"/>
@@ -7920,7 +8691,7 @@
                       </a:r>
                       <a:endParaRPr lang="ko-KR" altLang="en-US" sz="3000" dirty="0" smtClean="0">
                         <a:solidFill>
-                          <a:srgbClr val="000000"/>
+                          <a:schemeClr val="dk1"/>
                         </a:solidFill>
                         <a:latin typeface="함초롬돋움" charset="0"/>
                         <a:ea typeface="함초롬돋움" charset="0"/>
@@ -7947,7 +8718,7 @@
                     <a:bodyPr/>
                     <a:lstStyle/>
                     <a:p>
-                      <a:pPr marL="0" indent="0" algn="l" fontAlgn="auto" defTabSz="508000">
+                      <a:pPr marL="0" indent="0" algn="l" fontAlgn="auto" defTabSz="508000" eaLnBrk="0">
                         <a:lnSpc>
                           <a:spcPct val="100000"/>
                         </a:lnSpc>
@@ -7963,7 +8734,7 @@
                       <a:r>
                         <a:rPr lang="en-US" altLang="ko-KR" sz="3000" dirty="0" smtClean="0">
                           <a:solidFill>
-                            <a:srgbClr val="000000"/>
+                            <a:schemeClr val="dk1"/>
                           </a:solidFill>
                           <a:latin typeface="함초롬돋움" charset="0"/>
                           <a:ea typeface="함초롬돋움" charset="0"/>
@@ -7972,7 +8743,7 @@
                       </a:r>
                       <a:endParaRPr lang="ko-KR" altLang="en-US" sz="3000" dirty="0" smtClean="0">
                         <a:solidFill>
-                          <a:srgbClr val="000000"/>
+                          <a:schemeClr val="dk1"/>
                         </a:solidFill>
                         <a:latin typeface="함초롬돋움" charset="0"/>
                         <a:ea typeface="함초롬돋움" charset="0"/>
@@ -7986,6 +8757,35 @@
           </a:graphicData>
         </a:graphic>
       </p:graphicFrame>
+      <p:pic>
+        <p:nvPicPr>
+          <p:cNvPr id="3" name="그림 1" descr="C:/Users/ì¬ì¤/AppData/Roaming/PolarisOffice/ETemp/8820_16845440/fImage77697641.png"/>
+          <p:cNvPicPr>
+            <a:picLocks noChangeAspect="1"/>
+          </p:cNvPicPr>
+          <p:nvPr/>
+        </p:nvPicPr>
+        <p:blipFill rotWithShape="1">
+          <a:blip r:embed="rId1">
+            <a:extLst>
+              <a:ext uri="{28A0092B-C50C-407E-A947-70E740481C1C}">
+                <a14:useLocalDpi xmlns:a14="http://schemas.microsoft.com/office/drawing/2010/main" val="0"/>
+              </a:ext>
+            </a:extLst>
+          </a:blip>
+          <a:stretch>
+            <a:fillRect/>
+          </a:stretch>
+        </p:blipFill>
+        <p:spPr>
+          <a:xfrm rot="0">
+            <a:off x="-99060" y="-5715"/>
+            <a:ext cx="9235440" cy="1783080"/>
+          </a:xfrm>
+          <a:prstGeom prst="rect"/>
+          <a:noFill/>
+        </p:spPr>
+      </p:pic>
     </p:spTree>
   </p:cSld>
   <p:clrMapOvr>
@@ -7993,12 +8793,19 @@
   </p:clrMapOvr>
   <mc:AlternateContent xmlns:mc="http://schemas.openxmlformats.org/markup-compatibility/2006">
     <mc:Choice xmlns:p14="http://schemas.microsoft.com/office/powerpoint/2010/main" Requires="p14">
-      <p:transition spd="slow" p14:dur="0"/>
+      <p:transition spd="slow" p14:dur="1000"/>
     </mc:Choice>
     <mc:Fallback>
       <p:transition spd="slow"/>
     </mc:Fallback>
   </mc:AlternateContent>
+  <p:timing>
+    <p:tnLst>
+      <p:par>
+        <p:cTn id="1" dur="indefinite" restart="never" nodeType="tmRoot"/>
+      </p:par>
+    </p:tnLst>
+  </p:timing>
 </p:sld>
 </file>
 

--- a/projectPPT/3차 발표.pptx
+++ b/projectPPT/3차 발표.pptx
@@ -2,7 +2,7 @@
 <file path=ppt/presentation.xml><?xml version="1.0" encoding="utf-8"?>
 <p:presentation xmlns:a="http://schemas.openxmlformats.org/drawingml/2006/main" xmlns:r="http://schemas.openxmlformats.org/officeDocument/2006/relationships" xmlns:p="http://schemas.openxmlformats.org/presentationml/2006/main" saveSubsetFonts="1">
   <p:sldMasterIdLst>
-    <p:sldMasterId id="2147483665" r:id="rId13"/>
+    <p:sldMasterId id="2147483667" r:id="rId13"/>
   </p:sldMasterIdLst>
   <p:sldIdLst>
     <p:sldId id="256" r:id="rId15"/>
@@ -5368,7 +5368,7 @@
 </file>
 
 <file path=ppt/slides/slide1.xml><?xml version="1.0" encoding="utf-8"?>
-<p:sld xmlns:a="http://schemas.openxmlformats.org/drawingml/2006/main" xmlns:r="http://schemas.openxmlformats.org/officeDocument/2006/relationships" xmlns:p="http://schemas.openxmlformats.org/presentationml/2006/main" show="1">
+<p:sld xmlns:a="http://schemas.openxmlformats.org/drawingml/2006/main" xmlns:r="http://schemas.openxmlformats.org/officeDocument/2006/relationships" xmlns:p="http://schemas.openxmlformats.org/presentationml/2006/main">
   <p:cSld>
     <p:spTree>
       <p:nvGrpSpPr>
@@ -5393,8 +5393,8 @@
           <p:nvPr/>
         </p:nvGraphicFramePr>
         <p:xfrm>
-          <a:off x="-53975" y="-1905"/>
-          <a:ext cx="9191626" cy="6877051"/>
+          <a:off x="-54610" y="-1905"/>
+          <a:ext cx="9192261" cy="6887846"/>
         </p:xfrm>
         <a:graphic>
           <a:graphicData uri="http://schemas.openxmlformats.org/drawingml/2006/table">
@@ -5403,18 +5403,71 @@
                 <a:tableStyleId>{5C22544A-7EE6-4342-B048-85BDC9FD1C3A}</a:tableStyleId>
               </a:tblPr>
               <a:tblGrid>
-                <a:gridCol w="1395730"/>
+                <a:gridCol w="1391285"/>
+                <a:gridCol w="4445"/>
                 <a:gridCol w="3669030"/>
                 <a:gridCol w="3018790"/>
-                <a:gridCol w="1108075"/>
+                <a:gridCol w="1108710"/>
               </a:tblGrid>
-              <a:tr h="741045">
+              <a:tr h="782320">
+                <a:tc gridSpan="2">
+                  <a:txBody>
+                    <a:bodyPr/>
+                    <a:lstStyle/>
+                    <a:p>
+                      <a:pPr marL="0" indent="0" algn="l" fontAlgn="auto" defTabSz="508000" eaLnBrk="0">
+                        <a:lnSpc>
+                          <a:spcPct val="100000"/>
+                        </a:lnSpc>
+                        <a:spcBef>
+                          <a:spcPts val="0"/>
+                        </a:spcBef>
+                        <a:spcAft>
+                          <a:spcPts val="0"/>
+                        </a:spcAft>
+                        <a:buFontTx/>
+                        <a:buNone/>
+                      </a:pPr>
+                      <a:r>
+                        <a:rPr lang="en-US" altLang="ko-KR" sz="1800" dirty="0" smtClean="0" b="1">
+                          <a:solidFill>
+                            <a:schemeClr val="lt1"/>
+                          </a:solidFill>
+                          <a:latin typeface="맑은 고딕" charset="0"/>
+                          <a:ea typeface="맑은 고딕" charset="0"/>
+                        </a:rPr>
+                        <a:t>내용</a:t>
+                      </a:r>
+                      <a:endParaRPr lang="ko-KR" altLang="en-US" sz="1800" dirty="0" smtClean="0" b="1">
+                        <a:solidFill>
+                          <a:schemeClr val="lt1"/>
+                        </a:solidFill>
+                        <a:latin typeface="맑은 고딕" charset="0"/>
+                        <a:ea typeface="맑은 고딕" charset="0"/>
+                      </a:endParaRPr>
+                    </a:p>
+                  </a:txBody>
+                  <a:tcPr marL="90170" marR="90170" marT="46990" marB="46990" anchor="t"/>
+                </a:tc>
+                <a:tc hMerge="1">
+                  <a:txBody>
+                    <a:bodyPr/>
+                    <a:lstStyle/>
+                    <a:p>
+                      <a:pPr>
+                        <a:buFontTx/>
+                        <a:buNone/>
+                      </a:pPr>
+                      <a:endParaRPr lang="ko-KR" altLang="en-US" dirty="0" smtClean="0"/>
+                    </a:p>
+                  </a:txBody>
+                </a:tc>
                 <a:tc>
                   <a:txBody>
                     <a:bodyPr/>
                     <a:lstStyle/>
                     <a:p>
-                      <a:pPr marL="0" indent="0" algn="l" fontAlgn="auto" defTabSz="508000">
+                      <a:pPr marL="0" indent="0" algn="l" fontAlgn="auto" defTabSz="508000" eaLnBrk="0">
                         <a:lnSpc>
                           <a:spcPct val="100000"/>
                         </a:lnSpc>
@@ -5435,6 +5488,1790 @@
                           <a:latin typeface="맑은 고딕" charset="0"/>
                           <a:ea typeface="맑은 고딕" charset="0"/>
                         </a:rPr>
+                        <a:t>1,2차 발표 목표 범위</a:t>
+                      </a:r>
+                      <a:endParaRPr lang="ko-KR" altLang="en-US" sz="1800" dirty="0" smtClean="0" b="1">
+                        <a:solidFill>
+                          <a:schemeClr val="lt1"/>
+                        </a:solidFill>
+                        <a:latin typeface="맑은 고딕" charset="0"/>
+                        <a:ea typeface="맑은 고딕" charset="0"/>
+                      </a:endParaRPr>
+                    </a:p>
+                  </a:txBody>
+                  <a:tcPr marL="90170" marR="90170" marT="46990" marB="46990" anchor="t"/>
+                </a:tc>
+                <a:tc>
+                  <a:txBody>
+                    <a:bodyPr/>
+                    <a:lstStyle/>
+                    <a:p>
+                      <a:pPr marL="0" indent="0" algn="l" fontAlgn="auto" defTabSz="508000" eaLnBrk="0">
+                        <a:lnSpc>
+                          <a:spcPct val="100000"/>
+                        </a:lnSpc>
+                        <a:spcBef>
+                          <a:spcPts val="0"/>
+                        </a:spcBef>
+                        <a:spcAft>
+                          <a:spcPts val="0"/>
+                        </a:spcAft>
+                        <a:buFontTx/>
+                        <a:buNone/>
+                      </a:pPr>
+                      <a:r>
+                        <a:rPr lang="en-US" altLang="ko-KR" sz="1800" dirty="0" smtClean="0" b="1">
+                          <a:solidFill>
+                            <a:schemeClr val="lt1"/>
+                          </a:solidFill>
+                          <a:latin typeface="맑은 고딕" charset="0"/>
+                          <a:ea typeface="맑은 고딕" charset="0"/>
+                        </a:rPr>
+                        <a:t>실제 개발 완료 범위</a:t>
+                      </a:r>
+                      <a:endParaRPr lang="ko-KR" altLang="en-US" sz="1800" dirty="0" smtClean="0" b="1">
+                        <a:solidFill>
+                          <a:schemeClr val="lt1"/>
+                        </a:solidFill>
+                        <a:latin typeface="맑은 고딕" charset="0"/>
+                        <a:ea typeface="맑은 고딕" charset="0"/>
+                      </a:endParaRPr>
+                    </a:p>
+                  </a:txBody>
+                  <a:tcPr marL="90170" marR="90170" marT="46990" marB="46990" anchor="t"/>
+                </a:tc>
+                <a:tc>
+                  <a:txBody>
+                    <a:bodyPr/>
+                    <a:lstStyle/>
+                    <a:p>
+                      <a:pPr marL="0" indent="0" algn="l" fontAlgn="auto" defTabSz="508000" eaLnBrk="0">
+                        <a:lnSpc>
+                          <a:spcPct val="100000"/>
+                        </a:lnSpc>
+                        <a:spcBef>
+                          <a:spcPts val="0"/>
+                        </a:spcBef>
+                        <a:spcAft>
+                          <a:spcPts val="0"/>
+                        </a:spcAft>
+                        <a:buFontTx/>
+                        <a:buNone/>
+                      </a:pPr>
+                      <a:r>
+                        <a:rPr lang="en-US" altLang="ko-KR" sz="1800" dirty="0" smtClean="0" b="1">
+                          <a:solidFill>
+                            <a:schemeClr val="lt1"/>
+                          </a:solidFill>
+                          <a:latin typeface="맑은 고딕" charset="0"/>
+                          <a:ea typeface="맑은 고딕" charset="0"/>
+                        </a:rPr>
+                        <a:t>진척도</a:t>
+                      </a:r>
+                      <a:endParaRPr lang="ko-KR" altLang="en-US" sz="1800" dirty="0" smtClean="0" b="1">
+                        <a:solidFill>
+                          <a:schemeClr val="lt1"/>
+                        </a:solidFill>
+                        <a:latin typeface="맑은 고딕" charset="0"/>
+                        <a:ea typeface="맑은 고딕" charset="0"/>
+                      </a:endParaRPr>
+                    </a:p>
+                  </a:txBody>
+                  <a:tcPr marL="90170" marR="90170" marT="46990" marB="46990" anchor="t"/>
+                </a:tc>
+              </a:tr>
+              <a:tr h="447675">
+                <a:tc gridSpan="2">
+                  <a:txBody>
+                    <a:bodyPr/>
+                    <a:lstStyle/>
+                    <a:p>
+                      <a:pPr marL="0" indent="0" algn="l" fontAlgn="auto" defTabSz="508000" eaLnBrk="0">
+                        <a:lnSpc>
+                          <a:spcPct val="100000"/>
+                        </a:lnSpc>
+                        <a:spcBef>
+                          <a:spcPts val="0"/>
+                        </a:spcBef>
+                        <a:spcAft>
+                          <a:spcPts val="0"/>
+                        </a:spcAft>
+                        <a:buFontTx/>
+                        <a:buNone/>
+                      </a:pPr>
+                      <a:r>
+                        <a:rPr lang="en-US" altLang="ko-KR" sz="1800" dirty="0" smtClean="0">
+                          <a:solidFill>
+                            <a:schemeClr val="dk1"/>
+                          </a:solidFill>
+                          <a:latin typeface="맑은 고딕" charset="0"/>
+                          <a:ea typeface="맑은 고딕" charset="0"/>
+                        </a:rPr>
+                        <a:t>유닛종류</a:t>
+                      </a:r>
+                      <a:endParaRPr lang="ko-KR" altLang="en-US" sz="1800" dirty="0" smtClean="0">
+                        <a:solidFill>
+                          <a:schemeClr val="dk1"/>
+                        </a:solidFill>
+                        <a:latin typeface="맑은 고딕" charset="0"/>
+                        <a:ea typeface="맑은 고딕" charset="0"/>
+                      </a:endParaRPr>
+                    </a:p>
+                  </a:txBody>
+                  <a:tcPr marL="90170" marR="90170" marT="46990" marB="46990" anchor="t"/>
+                </a:tc>
+                <a:tc hMerge="1">
+                  <a:txBody>
+                    <a:bodyPr/>
+                    <a:lstStyle/>
+                    <a:p>
+                      <a:pPr>
+                        <a:buFontTx/>
+                        <a:buNone/>
+                      </a:pPr>
+                      <a:endParaRPr lang="ko-KR" altLang="en-US" dirty="0" smtClean="0"/>
+                    </a:p>
+                  </a:txBody>
+                </a:tc>
+                <a:tc>
+                  <a:txBody>
+                    <a:bodyPr/>
+                    <a:lstStyle/>
+                    <a:p>
+                      <a:pPr marL="0" indent="0" algn="l" fontAlgn="auto" defTabSz="508000" eaLnBrk="0">
+                        <a:lnSpc>
+                          <a:spcPct val="100000"/>
+                        </a:lnSpc>
+                        <a:spcBef>
+                          <a:spcPts val="0"/>
+                        </a:spcBef>
+                        <a:spcAft>
+                          <a:spcPts val="0"/>
+                        </a:spcAft>
+                        <a:buFontTx/>
+                        <a:buNone/>
+                      </a:pPr>
+                      <a:r>
+                        <a:rPr lang="en-US" altLang="ko-KR" sz="1800" dirty="0" smtClean="0">
+                          <a:solidFill>
+                            <a:schemeClr val="dk1"/>
+                          </a:solidFill>
+                          <a:latin typeface="맑은 고딕" charset="0"/>
+                          <a:ea typeface="맑은 고딕" charset="0"/>
+                        </a:rPr>
+                        <a:t>근접 유닛</a:t>
+                      </a:r>
+                      <a:endParaRPr lang="ko-KR" altLang="en-US" sz="1800" dirty="0" smtClean="0">
+                        <a:solidFill>
+                          <a:schemeClr val="dk1"/>
+                        </a:solidFill>
+                        <a:latin typeface="맑은 고딕" charset="0"/>
+                        <a:ea typeface="맑은 고딕" charset="0"/>
+                      </a:endParaRPr>
+                    </a:p>
+                  </a:txBody>
+                  <a:tcPr marL="90170" marR="90170" marT="46990" marB="46990" anchor="t"/>
+                </a:tc>
+                <a:tc>
+                  <a:txBody>
+                    <a:bodyPr/>
+                    <a:lstStyle/>
+                    <a:p>
+                      <a:pPr marL="0" indent="0" algn="l" fontAlgn="auto" defTabSz="508000" eaLnBrk="0">
+                        <a:lnSpc>
+                          <a:spcPct val="100000"/>
+                        </a:lnSpc>
+                        <a:spcBef>
+                          <a:spcPts val="0"/>
+                        </a:spcBef>
+                        <a:spcAft>
+                          <a:spcPts val="0"/>
+                        </a:spcAft>
+                        <a:buFontTx/>
+                        <a:buNone/>
+                      </a:pPr>
+                      <a:r>
+                        <a:rPr lang="en-US" altLang="ko-KR" sz="1800" dirty="0" smtClean="0">
+                          <a:solidFill>
+                            <a:schemeClr val="dk1"/>
+                          </a:solidFill>
+                          <a:latin typeface="맑은 고딕" charset="0"/>
+                          <a:ea typeface="맑은 고딕" charset="0"/>
+                        </a:rPr>
+                        <a:t>근접 유닛</a:t>
+                      </a:r>
+                      <a:endParaRPr lang="ko-KR" altLang="en-US" sz="1800" dirty="0" smtClean="0">
+                        <a:solidFill>
+                          <a:schemeClr val="dk1"/>
+                        </a:solidFill>
+                        <a:latin typeface="맑은 고딕" charset="0"/>
+                        <a:ea typeface="맑은 고딕" charset="0"/>
+                      </a:endParaRPr>
+                    </a:p>
+                  </a:txBody>
+                  <a:tcPr marL="90170" marR="90170" marT="46990" marB="46990" anchor="t"/>
+                </a:tc>
+                <a:tc>
+                  <a:txBody>
+                    <a:bodyPr/>
+                    <a:lstStyle/>
+                    <a:p>
+                      <a:pPr marL="0" indent="0" algn="l" fontAlgn="auto" defTabSz="508000" eaLnBrk="0">
+                        <a:lnSpc>
+                          <a:spcPct val="100000"/>
+                        </a:lnSpc>
+                        <a:spcBef>
+                          <a:spcPts val="0"/>
+                        </a:spcBef>
+                        <a:spcAft>
+                          <a:spcPts val="0"/>
+                        </a:spcAft>
+                        <a:buFontTx/>
+                        <a:buNone/>
+                      </a:pPr>
+                      <a:r>
+                        <a:rPr lang="en-US" altLang="ko-KR" sz="1800" dirty="0" smtClean="0">
+                          <a:solidFill>
+                            <a:schemeClr val="dk1"/>
+                          </a:solidFill>
+                          <a:latin typeface="맑은 고딕" charset="0"/>
+                          <a:ea typeface="맑은 고딕" charset="0"/>
+                        </a:rPr>
+                        <a:t>100%</a:t>
+                      </a:r>
+                      <a:endParaRPr lang="ko-KR" altLang="en-US" sz="1800" dirty="0" smtClean="0">
+                        <a:solidFill>
+                          <a:schemeClr val="dk1"/>
+                        </a:solidFill>
+                        <a:latin typeface="맑은 고딕" charset="0"/>
+                        <a:ea typeface="맑은 고딕" charset="0"/>
+                      </a:endParaRPr>
+                    </a:p>
+                  </a:txBody>
+                  <a:tcPr marL="90170" marR="90170" marT="46990" marB="46990" anchor="t"/>
+                </a:tc>
+              </a:tr>
+              <a:tr h="447675">
+                <a:tc gridSpan="2">
+                  <a:txBody>
+                    <a:bodyPr/>
+                    <a:lstStyle/>
+                    <a:p>
+                      <a:pPr marL="0" indent="0" algn="l" fontAlgn="auto" defTabSz="508000" eaLnBrk="0">
+                        <a:lnSpc>
+                          <a:spcPct val="100000"/>
+                        </a:lnSpc>
+                        <a:spcBef>
+                          <a:spcPts val="0"/>
+                        </a:spcBef>
+                        <a:spcAft>
+                          <a:spcPts val="0"/>
+                        </a:spcAft>
+                        <a:buFontTx/>
+                        <a:buNone/>
+                      </a:pPr>
+                      <a:r>
+                        <a:rPr lang="en-US" altLang="ko-KR" sz="1800" dirty="0" smtClean="0">
+                          <a:solidFill>
+                            <a:schemeClr val="dk1"/>
+                          </a:solidFill>
+                          <a:latin typeface="맑은 고딕" charset="0"/>
+                          <a:ea typeface="맑은 고딕" charset="0"/>
+                        </a:rPr>
+                        <a:t>특수능력</a:t>
+                      </a:r>
+                      <a:endParaRPr lang="ko-KR" altLang="en-US" sz="1800" dirty="0" smtClean="0">
+                        <a:solidFill>
+                          <a:schemeClr val="dk1"/>
+                        </a:solidFill>
+                        <a:latin typeface="맑은 고딕" charset="0"/>
+                        <a:ea typeface="맑은 고딕" charset="0"/>
+                      </a:endParaRPr>
+                    </a:p>
+                  </a:txBody>
+                  <a:tcPr marL="90170" marR="90170" marT="46990" marB="46990" anchor="t"/>
+                </a:tc>
+                <a:tc hMerge="1">
+                  <a:txBody>
+                    <a:bodyPr/>
+                    <a:lstStyle/>
+                    <a:p>
+                      <a:pPr>
+                        <a:buFontTx/>
+                        <a:buNone/>
+                      </a:pPr>
+                      <a:endParaRPr lang="ko-KR" altLang="en-US" dirty="0" smtClean="0"/>
+                    </a:p>
+                  </a:txBody>
+                </a:tc>
+                <a:tc>
+                  <a:txBody>
+                    <a:bodyPr/>
+                    <a:lstStyle/>
+                    <a:p>
+                      <a:pPr marL="0" indent="0" algn="l" fontAlgn="auto" defTabSz="508000" eaLnBrk="0">
+                        <a:lnSpc>
+                          <a:spcPct val="100000"/>
+                        </a:lnSpc>
+                        <a:spcBef>
+                          <a:spcPts val="0"/>
+                        </a:spcBef>
+                        <a:spcAft>
+                          <a:spcPts val="0"/>
+                        </a:spcAft>
+                        <a:buFontTx/>
+                        <a:buNone/>
+                      </a:pPr>
+                      <a:r>
+                        <a:rPr lang="en-US" altLang="ko-KR" sz="1800" dirty="0" smtClean="0">
+                          <a:solidFill>
+                            <a:schemeClr val="dk1"/>
+                          </a:solidFill>
+                          <a:latin typeface="맑은 고딕" charset="0"/>
+                          <a:ea typeface="맑은 고딕" charset="0"/>
+                        </a:rPr>
+                        <a:t>대포</a:t>
+                      </a:r>
+                      <a:endParaRPr lang="ko-KR" altLang="en-US" sz="1800" dirty="0" smtClean="0">
+                        <a:solidFill>
+                          <a:schemeClr val="dk1"/>
+                        </a:solidFill>
+                        <a:latin typeface="맑은 고딕" charset="0"/>
+                        <a:ea typeface="맑은 고딕" charset="0"/>
+                      </a:endParaRPr>
+                    </a:p>
+                  </a:txBody>
+                  <a:tcPr marL="90170" marR="90170" marT="46990" marB="46990" anchor="t"/>
+                </a:tc>
+                <a:tc>
+                  <a:txBody>
+                    <a:bodyPr/>
+                    <a:lstStyle/>
+                    <a:p>
+                      <a:pPr marL="0" indent="0" algn="l" fontAlgn="auto" defTabSz="508000" eaLnBrk="0">
+                        <a:lnSpc>
+                          <a:spcPct val="100000"/>
+                        </a:lnSpc>
+                        <a:spcBef>
+                          <a:spcPts val="0"/>
+                        </a:spcBef>
+                        <a:spcAft>
+                          <a:spcPts val="0"/>
+                        </a:spcAft>
+                        <a:buFontTx/>
+                        <a:buNone/>
+                      </a:pPr>
+                      <a:r>
+                        <a:rPr lang="en-US" altLang="ko-KR" sz="1800" dirty="0" smtClean="0">
+                          <a:solidFill>
+                            <a:schemeClr val="dk1"/>
+                          </a:solidFill>
+                          <a:latin typeface="맑은 고딕" charset="0"/>
+                          <a:ea typeface="맑은 고딕" charset="0"/>
+                        </a:rPr>
+                        <a:t>대포</a:t>
+                      </a:r>
+                      <a:endParaRPr lang="ko-KR" altLang="en-US" sz="1800" dirty="0" smtClean="0">
+                        <a:solidFill>
+                          <a:schemeClr val="dk1"/>
+                        </a:solidFill>
+                        <a:latin typeface="맑은 고딕" charset="0"/>
+                        <a:ea typeface="맑은 고딕" charset="0"/>
+                      </a:endParaRPr>
+                    </a:p>
+                  </a:txBody>
+                  <a:tcPr marL="90170" marR="90170" marT="46990" marB="46990" anchor="t"/>
+                </a:tc>
+                <a:tc>
+                  <a:txBody>
+                    <a:bodyPr/>
+                    <a:lstStyle/>
+                    <a:p>
+                      <a:pPr marL="0" indent="0" algn="l" fontAlgn="auto" defTabSz="508000" eaLnBrk="0">
+                        <a:lnSpc>
+                          <a:spcPct val="100000"/>
+                        </a:lnSpc>
+                        <a:spcBef>
+                          <a:spcPts val="0"/>
+                        </a:spcBef>
+                        <a:spcAft>
+                          <a:spcPts val="0"/>
+                        </a:spcAft>
+                        <a:buFontTx/>
+                        <a:buNone/>
+                      </a:pPr>
+                      <a:r>
+                        <a:rPr lang="en-US" altLang="ko-KR" sz="1800" dirty="0" smtClean="0">
+                          <a:solidFill>
+                            <a:schemeClr val="dk1"/>
+                          </a:solidFill>
+                          <a:latin typeface="맑은 고딕" charset="0"/>
+                          <a:ea typeface="맑은 고딕" charset="0"/>
+                        </a:rPr>
+                        <a:t>100%</a:t>
+                      </a:r>
+                      <a:endParaRPr lang="ko-KR" altLang="en-US" sz="1800" dirty="0" smtClean="0">
+                        <a:solidFill>
+                          <a:schemeClr val="dk1"/>
+                        </a:solidFill>
+                        <a:latin typeface="맑은 고딕" charset="0"/>
+                        <a:ea typeface="맑은 고딕" charset="0"/>
+                      </a:endParaRPr>
+                    </a:p>
+                  </a:txBody>
+                  <a:tcPr marL="90170" marR="90170" marT="46990" marB="46990" anchor="t"/>
+                </a:tc>
+              </a:tr>
+              <a:tr h="753110">
+                <a:tc gridSpan="2">
+                  <a:txBody>
+                    <a:bodyPr/>
+                    <a:lstStyle/>
+                    <a:p>
+                      <a:pPr marL="0" indent="0" algn="l" fontAlgn="auto" defTabSz="508000" eaLnBrk="0">
+                        <a:lnSpc>
+                          <a:spcPct val="100000"/>
+                        </a:lnSpc>
+                        <a:spcBef>
+                          <a:spcPts val="0"/>
+                        </a:spcBef>
+                        <a:spcAft>
+                          <a:spcPts val="0"/>
+                        </a:spcAft>
+                        <a:buFontTx/>
+                        <a:buNone/>
+                      </a:pPr>
+                      <a:r>
+                        <a:rPr lang="en-US" altLang="ko-KR" sz="1800" dirty="0" smtClean="0">
+                          <a:solidFill>
+                            <a:schemeClr val="dk1"/>
+                          </a:solidFill>
+                          <a:latin typeface="맑은 고딕" charset="0"/>
+                          <a:ea typeface="맑은 고딕" charset="0"/>
+                        </a:rPr>
+                        <a:t>이펙트</a:t>
+                      </a:r>
+                      <a:endParaRPr lang="ko-KR" altLang="en-US" sz="1800" dirty="0" smtClean="0">
+                        <a:solidFill>
+                          <a:schemeClr val="dk1"/>
+                        </a:solidFill>
+                        <a:latin typeface="맑은 고딕" charset="0"/>
+                        <a:ea typeface="맑은 고딕" charset="0"/>
+                      </a:endParaRPr>
+                    </a:p>
+                  </a:txBody>
+                  <a:tcPr marL="90170" marR="90170" marT="46990" marB="46990" anchor="t"/>
+                </a:tc>
+                <a:tc hMerge="1">
+                  <a:txBody>
+                    <a:bodyPr/>
+                    <a:lstStyle/>
+                    <a:p>
+                      <a:pPr>
+                        <a:buFontTx/>
+                        <a:buNone/>
+                      </a:pPr>
+                      <a:endParaRPr lang="ko-KR" altLang="en-US" dirty="0" smtClean="0"/>
+                    </a:p>
+                  </a:txBody>
+                </a:tc>
+                <a:tc>
+                  <a:txBody>
+                    <a:bodyPr/>
+                    <a:lstStyle/>
+                    <a:p>
+                      <a:pPr marL="0" indent="0" algn="l" fontAlgn="auto" defTabSz="508000" eaLnBrk="0">
+                        <a:lnSpc>
+                          <a:spcPct val="100000"/>
+                        </a:lnSpc>
+                        <a:spcBef>
+                          <a:spcPts val="0"/>
+                        </a:spcBef>
+                        <a:spcAft>
+                          <a:spcPts val="0"/>
+                        </a:spcAft>
+                        <a:buFontTx/>
+                        <a:buNone/>
+                      </a:pPr>
+                      <a:r>
+                        <a:rPr lang="en-US" altLang="ko-KR" sz="1800" dirty="0" smtClean="0">
+                          <a:solidFill>
+                            <a:schemeClr val="dk1"/>
+                          </a:solidFill>
+                          <a:latin typeface="맑은 고딕" charset="0"/>
+                          <a:ea typeface="맑은 고딕" charset="0"/>
+                        </a:rPr>
+                        <a:t>대포알의 폭발 이펙트</a:t>
+                      </a:r>
+                      <a:endParaRPr lang="ko-KR" altLang="en-US" sz="1800" dirty="0" smtClean="0">
+                        <a:solidFill>
+                          <a:schemeClr val="dk1"/>
+                        </a:solidFill>
+                        <a:latin typeface="맑은 고딕" charset="0"/>
+                        <a:ea typeface="맑은 고딕" charset="0"/>
+                      </a:endParaRPr>
+                    </a:p>
+                    <a:p>
+                      <a:pPr marL="0" indent="0" algn="l" fontAlgn="auto" defTabSz="508000" eaLnBrk="0">
+                        <a:lnSpc>
+                          <a:spcPct val="100000"/>
+                        </a:lnSpc>
+                        <a:spcBef>
+                          <a:spcPts val="0"/>
+                        </a:spcBef>
+                        <a:spcAft>
+                          <a:spcPts val="0"/>
+                        </a:spcAft>
+                        <a:buFontTx/>
+                        <a:buNone/>
+                      </a:pPr>
+                      <a:r>
+                        <a:rPr lang="en-US" altLang="ko-KR" sz="1800" dirty="0" smtClean="0">
+                          <a:solidFill>
+                            <a:schemeClr val="dk1"/>
+                          </a:solidFill>
+                          <a:latin typeface="맑은 고딕" charset="0"/>
+                          <a:ea typeface="맑은 고딕" charset="0"/>
+                        </a:rPr>
+                        <a:t>유닛끼리 싸울때 이펙트</a:t>
+                      </a:r>
+                      <a:endParaRPr lang="ko-KR" altLang="en-US" sz="1800" dirty="0" smtClean="0">
+                        <a:solidFill>
+                          <a:schemeClr val="dk1"/>
+                        </a:solidFill>
+                        <a:latin typeface="맑은 고딕" charset="0"/>
+                        <a:ea typeface="맑은 고딕" charset="0"/>
+                      </a:endParaRPr>
+                    </a:p>
+                  </a:txBody>
+                  <a:tcPr marL="90170" marR="90170" marT="46990" marB="46990" anchor="t"/>
+                </a:tc>
+                <a:tc>
+                  <a:txBody>
+                    <a:bodyPr/>
+                    <a:lstStyle/>
+                    <a:p>
+                      <a:pPr marL="0" indent="0" algn="l" fontAlgn="auto" defTabSz="508000" eaLnBrk="0">
+                        <a:lnSpc>
+                          <a:spcPct val="100000"/>
+                        </a:lnSpc>
+                        <a:spcBef>
+                          <a:spcPts val="0"/>
+                        </a:spcBef>
+                        <a:spcAft>
+                          <a:spcPts val="0"/>
+                        </a:spcAft>
+                        <a:buFontTx/>
+                        <a:buNone/>
+                      </a:pPr>
+                      <a:r>
+                        <a:rPr lang="en-US" altLang="ko-KR" sz="1800" dirty="0" smtClean="0">
+                          <a:solidFill>
+                            <a:schemeClr val="dk1"/>
+                          </a:solidFill>
+                          <a:latin typeface="맑은 고딕" charset="0"/>
+                          <a:ea typeface="맑은 고딕" charset="0"/>
+                        </a:rPr>
+                        <a:t>대포알의 폭발 이펙트</a:t>
+                      </a:r>
+                      <a:endParaRPr lang="ko-KR" altLang="en-US" sz="1800" dirty="0" smtClean="0">
+                        <a:solidFill>
+                          <a:schemeClr val="dk1"/>
+                        </a:solidFill>
+                        <a:latin typeface="맑은 고딕" charset="0"/>
+                        <a:ea typeface="맑은 고딕" charset="0"/>
+                      </a:endParaRPr>
+                    </a:p>
+                  </a:txBody>
+                  <a:tcPr marL="90170" marR="90170" marT="46990" marB="46990" anchor="t"/>
+                </a:tc>
+                <a:tc>
+                  <a:txBody>
+                    <a:bodyPr/>
+                    <a:lstStyle/>
+                    <a:p>
+                      <a:pPr marL="0" indent="0" algn="l" fontAlgn="auto" defTabSz="508000" eaLnBrk="0">
+                        <a:lnSpc>
+                          <a:spcPct val="100000"/>
+                        </a:lnSpc>
+                        <a:spcBef>
+                          <a:spcPts val="0"/>
+                        </a:spcBef>
+                        <a:spcAft>
+                          <a:spcPts val="0"/>
+                        </a:spcAft>
+                        <a:buFontTx/>
+                        <a:buNone/>
+                      </a:pPr>
+                      <a:r>
+                        <a:rPr lang="en-US" altLang="ko-KR" sz="1800" dirty="0" smtClean="0">
+                          <a:solidFill>
+                            <a:schemeClr val="dk1"/>
+                          </a:solidFill>
+                          <a:latin typeface="맑은 고딕" charset="0"/>
+                          <a:ea typeface="맑은 고딕" charset="0"/>
+                        </a:rPr>
+                        <a:t>50%</a:t>
+                      </a:r>
+                      <a:endParaRPr lang="ko-KR" altLang="en-US" sz="1800" dirty="0" smtClean="0">
+                        <a:solidFill>
+                          <a:schemeClr val="dk1"/>
+                        </a:solidFill>
+                        <a:latin typeface="맑은 고딕" charset="0"/>
+                        <a:ea typeface="맑은 고딕" charset="0"/>
+                      </a:endParaRPr>
+                    </a:p>
+                  </a:txBody>
+                  <a:tcPr marL="90170" marR="90170" marT="46990" marB="46990" anchor="t"/>
+                </a:tc>
+              </a:tr>
+              <a:tr h="561340">
+                <a:tc gridSpan="2">
+                  <a:txBody>
+                    <a:bodyPr/>
+                    <a:lstStyle/>
+                    <a:p>
+                      <a:pPr marL="0" indent="0" algn="l" fontAlgn="auto" defTabSz="508000" eaLnBrk="0">
+                        <a:lnSpc>
+                          <a:spcPct val="100000"/>
+                        </a:lnSpc>
+                        <a:spcBef>
+                          <a:spcPts val="0"/>
+                        </a:spcBef>
+                        <a:spcAft>
+                          <a:spcPts val="0"/>
+                        </a:spcAft>
+                        <a:buFontTx/>
+                        <a:buNone/>
+                      </a:pPr>
+                      <a:r>
+                        <a:rPr lang="en-US" altLang="ko-KR" sz="1800" dirty="0" smtClean="0">
+                          <a:solidFill>
+                            <a:schemeClr val="dk1"/>
+                          </a:solidFill>
+                          <a:latin typeface="맑은 고딕" charset="0"/>
+                          <a:ea typeface="맑은 고딕" charset="0"/>
+                        </a:rPr>
+                        <a:t>유닛 상태</a:t>
+                      </a:r>
+                      <a:endParaRPr lang="ko-KR" altLang="en-US" sz="1800" dirty="0" smtClean="0">
+                        <a:solidFill>
+                          <a:schemeClr val="dk1"/>
+                        </a:solidFill>
+                        <a:latin typeface="맑은 고딕" charset="0"/>
+                        <a:ea typeface="맑은 고딕" charset="0"/>
+                      </a:endParaRPr>
+                    </a:p>
+                  </a:txBody>
+                  <a:tcPr marL="90170" marR="90170" marT="46990" marB="46990" anchor="t"/>
+                </a:tc>
+                <a:tc hMerge="1">
+                  <a:txBody>
+                    <a:bodyPr/>
+                    <a:lstStyle/>
+                    <a:p>
+                      <a:pPr>
+                        <a:buFontTx/>
+                        <a:buNone/>
+                      </a:pPr>
+                      <a:endParaRPr lang="ko-KR" altLang="en-US" dirty="0" smtClean="0"/>
+                    </a:p>
+                  </a:txBody>
+                </a:tc>
+                <a:tc>
+                  <a:txBody>
+                    <a:bodyPr/>
+                    <a:lstStyle/>
+                    <a:p>
+                      <a:pPr marL="0" indent="0" algn="l" fontAlgn="auto" defTabSz="508000" eaLnBrk="0">
+                        <a:lnSpc>
+                          <a:spcPct val="100000"/>
+                        </a:lnSpc>
+                        <a:spcBef>
+                          <a:spcPts val="0"/>
+                        </a:spcBef>
+                        <a:spcAft>
+                          <a:spcPts val="0"/>
+                        </a:spcAft>
+                        <a:buFontTx/>
+                        <a:buNone/>
+                      </a:pPr>
+                      <a:r>
+                        <a:rPr lang="en-US" altLang="ko-KR" sz="1800" dirty="0" smtClean="0">
+                          <a:solidFill>
+                            <a:schemeClr val="dk1"/>
+                          </a:solidFill>
+                          <a:latin typeface="맑은 고딕" charset="0"/>
+                          <a:ea typeface="맑은 고딕" charset="0"/>
+                        </a:rPr>
+                        <a:t>전투,이동,죽음,IDLE</a:t>
+                      </a:r>
+                      <a:endParaRPr lang="ko-KR" altLang="en-US" sz="1800" dirty="0" smtClean="0">
+                        <a:solidFill>
+                          <a:schemeClr val="dk1"/>
+                        </a:solidFill>
+                        <a:latin typeface="맑은 고딕" charset="0"/>
+                        <a:ea typeface="맑은 고딕" charset="0"/>
+                      </a:endParaRPr>
+                    </a:p>
+                  </a:txBody>
+                  <a:tcPr marL="90170" marR="90170" marT="46990" marB="46990" anchor="t"/>
+                </a:tc>
+                <a:tc>
+                  <a:txBody>
+                    <a:bodyPr/>
+                    <a:lstStyle/>
+                    <a:p>
+                      <a:pPr marL="0" indent="0" algn="l" fontAlgn="auto" defTabSz="508000" eaLnBrk="0">
+                        <a:lnSpc>
+                          <a:spcPct val="100000"/>
+                        </a:lnSpc>
+                        <a:spcBef>
+                          <a:spcPts val="0"/>
+                        </a:spcBef>
+                        <a:spcAft>
+                          <a:spcPts val="0"/>
+                        </a:spcAft>
+                        <a:buFontTx/>
+                        <a:buNone/>
+                      </a:pPr>
+                      <a:r>
+                        <a:rPr lang="en-US" altLang="ko-KR" sz="1800" dirty="0" smtClean="0">
+                          <a:solidFill>
+                            <a:schemeClr val="dk1"/>
+                          </a:solidFill>
+                          <a:latin typeface="맑은 고딕" charset="0"/>
+                          <a:ea typeface="맑은 고딕" charset="0"/>
+                        </a:rPr>
+                        <a:t>전투,이동,죽음,IDLE</a:t>
+                      </a:r>
+                      <a:endParaRPr lang="ko-KR" altLang="en-US" sz="1800" dirty="0" smtClean="0">
+                        <a:solidFill>
+                          <a:schemeClr val="dk1"/>
+                        </a:solidFill>
+                        <a:latin typeface="맑은 고딕" charset="0"/>
+                        <a:ea typeface="맑은 고딕" charset="0"/>
+                      </a:endParaRPr>
+                    </a:p>
+                  </a:txBody>
+                  <a:tcPr marL="90170" marR="90170" marT="46990" marB="46990" anchor="t"/>
+                </a:tc>
+                <a:tc>
+                  <a:txBody>
+                    <a:bodyPr/>
+                    <a:lstStyle/>
+                    <a:p>
+                      <a:pPr marL="0" indent="0" algn="l" fontAlgn="auto" defTabSz="508000" eaLnBrk="0">
+                        <a:lnSpc>
+                          <a:spcPct val="100000"/>
+                        </a:lnSpc>
+                        <a:spcBef>
+                          <a:spcPts val="0"/>
+                        </a:spcBef>
+                        <a:spcAft>
+                          <a:spcPts val="0"/>
+                        </a:spcAft>
+                        <a:buFontTx/>
+                        <a:buNone/>
+                      </a:pPr>
+                      <a:r>
+                        <a:rPr lang="en-US" altLang="ko-KR" sz="1800" dirty="0" smtClean="0">
+                          <a:solidFill>
+                            <a:schemeClr val="dk1"/>
+                          </a:solidFill>
+                          <a:latin typeface="맑은 고딕" charset="0"/>
+                          <a:ea typeface="맑은 고딕" charset="0"/>
+                        </a:rPr>
+                        <a:t>100%</a:t>
+                      </a:r>
+                      <a:endParaRPr lang="ko-KR" altLang="en-US" sz="1800" dirty="0" smtClean="0">
+                        <a:solidFill>
+                          <a:schemeClr val="dk1"/>
+                        </a:solidFill>
+                        <a:latin typeface="맑은 고딕" charset="0"/>
+                        <a:ea typeface="맑은 고딕" charset="0"/>
+                      </a:endParaRPr>
+                    </a:p>
+                  </a:txBody>
+                  <a:tcPr marL="90170" marR="90170" marT="46990" marB="46990" anchor="t"/>
+                </a:tc>
+              </a:tr>
+              <a:tr h="1267460">
+                <a:tc gridSpan="2">
+                  <a:txBody>
+                    <a:bodyPr/>
+                    <a:lstStyle/>
+                    <a:p>
+                      <a:pPr marL="0" indent="0" algn="l" fontAlgn="auto" defTabSz="508000" eaLnBrk="0">
+                        <a:lnSpc>
+                          <a:spcPct val="100000"/>
+                        </a:lnSpc>
+                        <a:spcBef>
+                          <a:spcPts val="0"/>
+                        </a:spcBef>
+                        <a:spcAft>
+                          <a:spcPts val="0"/>
+                        </a:spcAft>
+                        <a:buFontTx/>
+                        <a:buNone/>
+                      </a:pPr>
+                      <a:r>
+                        <a:rPr lang="en-US" altLang="ko-KR" sz="1800" dirty="0" smtClean="0">
+                          <a:solidFill>
+                            <a:schemeClr val="dk1"/>
+                          </a:solidFill>
+                          <a:latin typeface="맑은 고딕" charset="0"/>
+                          <a:ea typeface="맑은 고딕" charset="0"/>
+                        </a:rPr>
+                        <a:t>게임기능</a:t>
+                      </a:r>
+                      <a:endParaRPr lang="ko-KR" altLang="en-US" sz="1800" dirty="0" smtClean="0">
+                        <a:solidFill>
+                          <a:schemeClr val="dk1"/>
+                        </a:solidFill>
+                        <a:latin typeface="맑은 고딕" charset="0"/>
+                        <a:ea typeface="맑은 고딕" charset="0"/>
+                      </a:endParaRPr>
+                    </a:p>
+                  </a:txBody>
+                  <a:tcPr marL="90170" marR="90170" marT="46990" marB="46990" anchor="t"/>
+                </a:tc>
+                <a:tc hMerge="1">
+                  <a:txBody>
+                    <a:bodyPr/>
+                    <a:lstStyle/>
+                    <a:p>
+                      <a:pPr>
+                        <a:buFontTx/>
+                        <a:buNone/>
+                      </a:pPr>
+                      <a:endParaRPr lang="ko-KR" altLang="en-US" dirty="0" smtClean="0"/>
+                    </a:p>
+                  </a:txBody>
+                </a:tc>
+                <a:tc>
+                  <a:txBody>
+                    <a:bodyPr/>
+                    <a:lstStyle/>
+                    <a:p>
+                      <a:pPr marL="0" indent="0" algn="l" fontAlgn="auto" defTabSz="508000" eaLnBrk="0">
+                        <a:lnSpc>
+                          <a:spcPct val="100000"/>
+                        </a:lnSpc>
+                        <a:spcBef>
+                          <a:spcPts val="0"/>
+                        </a:spcBef>
+                        <a:spcAft>
+                          <a:spcPts val="0"/>
+                        </a:spcAft>
+                        <a:buFontTx/>
+                        <a:buNone/>
+                      </a:pPr>
+                      <a:r>
+                        <a:rPr lang="en-US" altLang="ko-KR" sz="1800" dirty="0" smtClean="0">
+                          <a:solidFill>
+                            <a:schemeClr val="dk1"/>
+                          </a:solidFill>
+                          <a:latin typeface="맑은 고딕" charset="0"/>
+                          <a:ea typeface="맑은 고딕" charset="0"/>
+                        </a:rPr>
+                        <a:t>HPbar</a:t>
+                      </a:r>
+                      <a:endParaRPr lang="ko-KR" altLang="en-US" sz="1800" dirty="0" smtClean="0">
+                        <a:solidFill>
+                          <a:schemeClr val="dk1"/>
+                        </a:solidFill>
+                        <a:latin typeface="맑은 고딕" charset="0"/>
+                        <a:ea typeface="맑은 고딕" charset="0"/>
+                      </a:endParaRPr>
+                    </a:p>
+                    <a:p>
+                      <a:pPr marL="0" indent="0" algn="l" fontAlgn="auto" defTabSz="508000" eaLnBrk="0">
+                        <a:lnSpc>
+                          <a:spcPct val="100000"/>
+                        </a:lnSpc>
+                        <a:spcBef>
+                          <a:spcPts val="0"/>
+                        </a:spcBef>
+                        <a:spcAft>
+                          <a:spcPts val="0"/>
+                        </a:spcAft>
+                        <a:buFontTx/>
+                        <a:buNone/>
+                      </a:pPr>
+                      <a:r>
+                        <a:rPr lang="en-US" altLang="ko-KR" sz="1800" dirty="0" smtClean="0">
+                          <a:solidFill>
+                            <a:schemeClr val="dk1"/>
+                          </a:solidFill>
+                          <a:latin typeface="맑은 고딕" charset="0"/>
+                          <a:ea typeface="맑은 고딕" charset="0"/>
+                        </a:rPr>
+                        <a:t>충돌처리</a:t>
+                      </a:r>
+                      <a:endParaRPr lang="ko-KR" altLang="en-US" sz="1800" dirty="0" smtClean="0">
+                        <a:solidFill>
+                          <a:schemeClr val="dk1"/>
+                        </a:solidFill>
+                        <a:latin typeface="맑은 고딕" charset="0"/>
+                        <a:ea typeface="맑은 고딕" charset="0"/>
+                      </a:endParaRPr>
+                    </a:p>
+                    <a:p>
+                      <a:pPr marL="0" indent="0" algn="l" fontAlgn="auto" defTabSz="508000" eaLnBrk="0">
+                        <a:lnSpc>
+                          <a:spcPct val="100000"/>
+                        </a:lnSpc>
+                        <a:spcBef>
+                          <a:spcPts val="0"/>
+                        </a:spcBef>
+                        <a:spcAft>
+                          <a:spcPts val="0"/>
+                        </a:spcAft>
+                        <a:buFontTx/>
+                        <a:buNone/>
+                      </a:pPr>
+                      <a:r>
+                        <a:rPr lang="en-US" altLang="ko-KR" sz="1800" dirty="0" smtClean="0">
+                          <a:solidFill>
+                            <a:schemeClr val="dk1"/>
+                          </a:solidFill>
+                          <a:latin typeface="맑은 고딕" charset="0"/>
+                          <a:ea typeface="맑은 고딕" charset="0"/>
+                        </a:rPr>
+                        <a:t>게임내 재화</a:t>
+                      </a:r>
+                      <a:endParaRPr lang="ko-KR" altLang="en-US" sz="1800" dirty="0" smtClean="0">
+                        <a:solidFill>
+                          <a:schemeClr val="dk1"/>
+                        </a:solidFill>
+                        <a:latin typeface="맑은 고딕" charset="0"/>
+                        <a:ea typeface="맑은 고딕" charset="0"/>
+                      </a:endParaRPr>
+                    </a:p>
+                    <a:p>
+                      <a:pPr marL="0" indent="0" algn="l" fontAlgn="auto" defTabSz="508000" eaLnBrk="0">
+                        <a:lnSpc>
+                          <a:spcPct val="100000"/>
+                        </a:lnSpc>
+                        <a:spcBef>
+                          <a:spcPts val="0"/>
+                        </a:spcBef>
+                        <a:spcAft>
+                          <a:spcPts val="0"/>
+                        </a:spcAft>
+                        <a:buFontTx/>
+                        <a:buNone/>
+                      </a:pPr>
+                      <a:r>
+                        <a:rPr lang="en-US" altLang="ko-KR" sz="1800" dirty="0" smtClean="0">
+                          <a:solidFill>
+                            <a:schemeClr val="dk1"/>
+                          </a:solidFill>
+                          <a:latin typeface="맑은 고딕" charset="0"/>
+                          <a:ea typeface="맑은 고딕" charset="0"/>
+                        </a:rPr>
+                        <a:t>맵 스크롤링</a:t>
+                      </a:r>
+                      <a:endParaRPr lang="ko-KR" altLang="en-US" sz="1800" dirty="0" smtClean="0">
+                        <a:solidFill>
+                          <a:schemeClr val="dk1"/>
+                        </a:solidFill>
+                        <a:latin typeface="맑은 고딕" charset="0"/>
+                        <a:ea typeface="맑은 고딕" charset="0"/>
+                      </a:endParaRPr>
+                    </a:p>
+                  </a:txBody>
+                  <a:tcPr marL="90170" marR="90170" marT="46990" marB="46990" anchor="t"/>
+                </a:tc>
+                <a:tc>
+                  <a:txBody>
+                    <a:bodyPr/>
+                    <a:lstStyle/>
+                    <a:p>
+                      <a:pPr marL="0" indent="0" algn="l" fontAlgn="auto" defTabSz="508000" eaLnBrk="0">
+                        <a:lnSpc>
+                          <a:spcPct val="100000"/>
+                        </a:lnSpc>
+                        <a:spcBef>
+                          <a:spcPts val="0"/>
+                        </a:spcBef>
+                        <a:spcAft>
+                          <a:spcPts val="0"/>
+                        </a:spcAft>
+                        <a:buFontTx/>
+                        <a:buNone/>
+                      </a:pPr>
+                      <a:r>
+                        <a:rPr lang="en-US" altLang="ko-KR" sz="1800" dirty="0" smtClean="0">
+                          <a:solidFill>
+                            <a:schemeClr val="dk1"/>
+                          </a:solidFill>
+                          <a:latin typeface="맑은 고딕" charset="0"/>
+                          <a:ea typeface="맑은 고딕" charset="0"/>
+                        </a:rPr>
+                        <a:t>HPbar</a:t>
+                      </a:r>
+                      <a:endParaRPr lang="ko-KR" altLang="en-US" sz="1800" dirty="0" smtClean="0">
+                        <a:solidFill>
+                          <a:schemeClr val="dk1"/>
+                        </a:solidFill>
+                        <a:latin typeface="맑은 고딕" charset="0"/>
+                        <a:ea typeface="맑은 고딕" charset="0"/>
+                      </a:endParaRPr>
+                    </a:p>
+                    <a:p>
+                      <a:pPr marL="0" indent="0" algn="l" fontAlgn="auto" defTabSz="508000" eaLnBrk="0">
+                        <a:lnSpc>
+                          <a:spcPct val="100000"/>
+                        </a:lnSpc>
+                        <a:spcBef>
+                          <a:spcPts val="0"/>
+                        </a:spcBef>
+                        <a:spcAft>
+                          <a:spcPts val="0"/>
+                        </a:spcAft>
+                        <a:buFontTx/>
+                        <a:buNone/>
+                      </a:pPr>
+                      <a:r>
+                        <a:rPr lang="en-US" altLang="ko-KR" sz="1800" dirty="0" smtClean="0">
+                          <a:solidFill>
+                            <a:schemeClr val="dk1"/>
+                          </a:solidFill>
+                          <a:latin typeface="맑은 고딕" charset="0"/>
+                          <a:ea typeface="맑은 고딕" charset="0"/>
+                        </a:rPr>
+                        <a:t>충돌처리</a:t>
+                      </a:r>
+                      <a:endParaRPr lang="ko-KR" altLang="en-US" sz="1800" dirty="0" smtClean="0">
+                        <a:solidFill>
+                          <a:schemeClr val="dk1"/>
+                        </a:solidFill>
+                        <a:latin typeface="맑은 고딕" charset="0"/>
+                        <a:ea typeface="맑은 고딕" charset="0"/>
+                      </a:endParaRPr>
+                    </a:p>
+                    <a:p>
+                      <a:pPr marL="0" indent="0" algn="l" fontAlgn="auto" defTabSz="508000" eaLnBrk="0">
+                        <a:lnSpc>
+                          <a:spcPct val="100000"/>
+                        </a:lnSpc>
+                        <a:spcBef>
+                          <a:spcPts val="0"/>
+                        </a:spcBef>
+                        <a:spcAft>
+                          <a:spcPts val="0"/>
+                        </a:spcAft>
+                        <a:buFontTx/>
+                        <a:buNone/>
+                      </a:pPr>
+                      <a:r>
+                        <a:rPr lang="en-US" altLang="ko-KR" sz="1800" dirty="0" smtClean="0">
+                          <a:solidFill>
+                            <a:schemeClr val="dk1"/>
+                          </a:solidFill>
+                          <a:latin typeface="맑은 고딕" charset="0"/>
+                          <a:ea typeface="맑은 고딕" charset="0"/>
+                        </a:rPr>
+                        <a:t>게임내 재화</a:t>
+                      </a:r>
+                      <a:endParaRPr lang="ko-KR" altLang="en-US" sz="1800" dirty="0" smtClean="0">
+                        <a:solidFill>
+                          <a:schemeClr val="dk1"/>
+                        </a:solidFill>
+                        <a:latin typeface="맑은 고딕" charset="0"/>
+                        <a:ea typeface="맑은 고딕" charset="0"/>
+                      </a:endParaRPr>
+                    </a:p>
+                    <a:p>
+                      <a:pPr marL="0" indent="0" algn="l" fontAlgn="auto" defTabSz="508000" eaLnBrk="0">
+                        <a:lnSpc>
+                          <a:spcPct val="100000"/>
+                        </a:lnSpc>
+                        <a:spcBef>
+                          <a:spcPts val="0"/>
+                        </a:spcBef>
+                        <a:spcAft>
+                          <a:spcPts val="0"/>
+                        </a:spcAft>
+                        <a:buFontTx/>
+                        <a:buNone/>
+                      </a:pPr>
+                      <a:r>
+                        <a:rPr lang="en-US" altLang="ko-KR" sz="1800" dirty="0" smtClean="0">
+                          <a:solidFill>
+                            <a:schemeClr val="dk1"/>
+                          </a:solidFill>
+                          <a:latin typeface="맑은 고딕" charset="0"/>
+                          <a:ea typeface="맑은 고딕" charset="0"/>
+                        </a:rPr>
+                        <a:t>맵 스크롤링</a:t>
+                      </a:r>
+                      <a:endParaRPr lang="ko-KR" altLang="en-US" sz="1800" dirty="0" smtClean="0">
+                        <a:solidFill>
+                          <a:schemeClr val="dk1"/>
+                        </a:solidFill>
+                        <a:latin typeface="맑은 고딕" charset="0"/>
+                        <a:ea typeface="맑은 고딕" charset="0"/>
+                      </a:endParaRPr>
+                    </a:p>
+                  </a:txBody>
+                  <a:tcPr marL="90170" marR="90170" marT="46990" marB="46990" anchor="t"/>
+                </a:tc>
+                <a:tc>
+                  <a:txBody>
+                    <a:bodyPr/>
+                    <a:lstStyle/>
+                    <a:p>
+                      <a:pPr marL="0" indent="0" algn="l" fontAlgn="auto" defTabSz="508000" eaLnBrk="0">
+                        <a:lnSpc>
+                          <a:spcPct val="100000"/>
+                        </a:lnSpc>
+                        <a:spcBef>
+                          <a:spcPts val="0"/>
+                        </a:spcBef>
+                        <a:spcAft>
+                          <a:spcPts val="0"/>
+                        </a:spcAft>
+                        <a:buFontTx/>
+                        <a:buNone/>
+                      </a:pPr>
+                      <a:r>
+                        <a:rPr lang="en-US" altLang="ko-KR" sz="1800" dirty="0" smtClean="0">
+                          <a:solidFill>
+                            <a:schemeClr val="dk1"/>
+                          </a:solidFill>
+                          <a:latin typeface="맑은 고딕" charset="0"/>
+                          <a:ea typeface="맑은 고딕" charset="0"/>
+                        </a:rPr>
+                        <a:t>100%</a:t>
+                      </a:r>
+                      <a:endParaRPr lang="ko-KR" altLang="en-US" sz="1800" dirty="0" smtClean="0">
+                        <a:solidFill>
+                          <a:schemeClr val="dk1"/>
+                        </a:solidFill>
+                        <a:latin typeface="맑은 고딕" charset="0"/>
+                        <a:ea typeface="맑은 고딕" charset="0"/>
+                      </a:endParaRPr>
+                    </a:p>
+                  </a:txBody>
+                  <a:tcPr marL="90170" marR="90170" marT="46990" marB="46990" anchor="t"/>
+                </a:tc>
+              </a:tr>
+              <a:tr h="1266190">
+                <a:tc gridSpan="2">
+                  <a:txBody>
+                    <a:bodyPr/>
+                    <a:lstStyle/>
+                    <a:p>
+                      <a:pPr marL="0" indent="0" algn="l" fontAlgn="auto" defTabSz="508000" eaLnBrk="0">
+                        <a:lnSpc>
+                          <a:spcPct val="100000"/>
+                        </a:lnSpc>
+                        <a:spcBef>
+                          <a:spcPts val="0"/>
+                        </a:spcBef>
+                        <a:spcAft>
+                          <a:spcPts val="0"/>
+                        </a:spcAft>
+                        <a:buFontTx/>
+                        <a:buNone/>
+                      </a:pPr>
+                      <a:r>
+                        <a:rPr lang="en-US" altLang="ko-KR" sz="1800" dirty="0" smtClean="0">
+                          <a:solidFill>
+                            <a:schemeClr val="dk1"/>
+                          </a:solidFill>
+                          <a:latin typeface="맑은 고딕" charset="0"/>
+                          <a:ea typeface="맑은 고딕" charset="0"/>
+                        </a:rPr>
+                        <a:t>사운드</a:t>
+                      </a:r>
+                      <a:endParaRPr lang="ko-KR" altLang="en-US" sz="1800" dirty="0" smtClean="0">
+                        <a:solidFill>
+                          <a:schemeClr val="dk1"/>
+                        </a:solidFill>
+                        <a:latin typeface="맑은 고딕" charset="0"/>
+                        <a:ea typeface="맑은 고딕" charset="0"/>
+                      </a:endParaRPr>
+                    </a:p>
+                  </a:txBody>
+                  <a:tcPr marL="90170" marR="90170" marT="46990" marB="46990" anchor="t"/>
+                </a:tc>
+                <a:tc hMerge="1">
+                  <a:txBody>
+                    <a:bodyPr/>
+                    <a:lstStyle/>
+                    <a:p>
+                      <a:pPr>
+                        <a:buFontTx/>
+                        <a:buNone/>
+                      </a:pPr>
+                      <a:endParaRPr lang="ko-KR" altLang="en-US" dirty="0" smtClean="0"/>
+                    </a:p>
+                  </a:txBody>
+                </a:tc>
+                <a:tc>
+                  <a:txBody>
+                    <a:bodyPr/>
+                    <a:lstStyle/>
+                    <a:p>
+                      <a:pPr marL="0" indent="0" algn="l" fontAlgn="auto" defTabSz="508000" eaLnBrk="0">
+                        <a:lnSpc>
+                          <a:spcPct val="100000"/>
+                        </a:lnSpc>
+                        <a:spcBef>
+                          <a:spcPts val="0"/>
+                        </a:spcBef>
+                        <a:spcAft>
+                          <a:spcPts val="0"/>
+                        </a:spcAft>
+                        <a:buFontTx/>
+                        <a:buNone/>
+                      </a:pPr>
+                      <a:r>
+                        <a:rPr lang="en-US" altLang="ko-KR" sz="1800" dirty="0" smtClean="0">
+                          <a:solidFill>
+                            <a:schemeClr val="dk1"/>
+                          </a:solidFill>
+                          <a:latin typeface="맑은 고딕" charset="0"/>
+                          <a:ea typeface="맑은 고딕" charset="0"/>
+                        </a:rPr>
+                        <a:t>배경음악</a:t>
+                      </a:r>
+                      <a:endParaRPr lang="ko-KR" altLang="en-US" sz="1800" dirty="0" smtClean="0">
+                        <a:solidFill>
+                          <a:schemeClr val="dk1"/>
+                        </a:solidFill>
+                        <a:latin typeface="맑은 고딕" charset="0"/>
+                        <a:ea typeface="맑은 고딕" charset="0"/>
+                      </a:endParaRPr>
+                    </a:p>
+                    <a:p>
+                      <a:pPr marL="0" indent="0" algn="l" fontAlgn="auto" defTabSz="508000" eaLnBrk="0">
+                        <a:lnSpc>
+                          <a:spcPct val="100000"/>
+                        </a:lnSpc>
+                        <a:spcBef>
+                          <a:spcPts val="0"/>
+                        </a:spcBef>
+                        <a:spcAft>
+                          <a:spcPts val="0"/>
+                        </a:spcAft>
+                        <a:buFontTx/>
+                        <a:buNone/>
+                      </a:pPr>
+                      <a:r>
+                        <a:rPr lang="en-US" altLang="ko-KR" sz="1800" dirty="0" smtClean="0">
+                          <a:solidFill>
+                            <a:schemeClr val="dk1"/>
+                          </a:solidFill>
+                          <a:latin typeface="맑은 고딕" charset="0"/>
+                          <a:ea typeface="맑은 고딕" charset="0"/>
+                        </a:rPr>
+                        <a:t>무기휘두르는 소리</a:t>
+                      </a:r>
+                      <a:endParaRPr lang="ko-KR" altLang="en-US" sz="1800" dirty="0" smtClean="0">
+                        <a:solidFill>
+                          <a:schemeClr val="dk1"/>
+                        </a:solidFill>
+                        <a:latin typeface="맑은 고딕" charset="0"/>
+                        <a:ea typeface="맑은 고딕" charset="0"/>
+                      </a:endParaRPr>
+                    </a:p>
+                    <a:p>
+                      <a:pPr marL="0" indent="0" algn="l" fontAlgn="auto" defTabSz="508000" eaLnBrk="0">
+                        <a:lnSpc>
+                          <a:spcPct val="100000"/>
+                        </a:lnSpc>
+                        <a:spcBef>
+                          <a:spcPts val="0"/>
+                        </a:spcBef>
+                        <a:spcAft>
+                          <a:spcPts val="0"/>
+                        </a:spcAft>
+                        <a:buFontTx/>
+                        <a:buNone/>
+                      </a:pPr>
+                      <a:r>
+                        <a:rPr lang="en-US" altLang="ko-KR" sz="1800" dirty="0" smtClean="0">
+                          <a:solidFill>
+                            <a:schemeClr val="dk1"/>
+                          </a:solidFill>
+                          <a:latin typeface="맑은 고딕" charset="0"/>
+                          <a:ea typeface="맑은 고딕" charset="0"/>
+                        </a:rPr>
+                        <a:t>유닛 죽는소리</a:t>
+                      </a:r>
+                      <a:endParaRPr lang="ko-KR" altLang="en-US" sz="1800" dirty="0" smtClean="0">
+                        <a:solidFill>
+                          <a:schemeClr val="dk1"/>
+                        </a:solidFill>
+                        <a:latin typeface="맑은 고딕" charset="0"/>
+                        <a:ea typeface="맑은 고딕" charset="0"/>
+                      </a:endParaRPr>
+                    </a:p>
+                    <a:p>
+                      <a:pPr marL="0" indent="0" algn="l" fontAlgn="auto" defTabSz="508000" eaLnBrk="0">
+                        <a:lnSpc>
+                          <a:spcPct val="100000"/>
+                        </a:lnSpc>
+                        <a:spcBef>
+                          <a:spcPts val="0"/>
+                        </a:spcBef>
+                        <a:spcAft>
+                          <a:spcPts val="0"/>
+                        </a:spcAft>
+                        <a:buFontTx/>
+                        <a:buNone/>
+                      </a:pPr>
+                      <a:r>
+                        <a:rPr lang="en-US" altLang="ko-KR" sz="1800" dirty="0" smtClean="0">
+                          <a:solidFill>
+                            <a:schemeClr val="dk1"/>
+                          </a:solidFill>
+                          <a:latin typeface="맑은 고딕" charset="0"/>
+                          <a:ea typeface="맑은 고딕" charset="0"/>
+                        </a:rPr>
+                        <a:t>게임 승리 또는 패배시 나는 소리</a:t>
+                      </a:r>
+                      <a:endParaRPr lang="ko-KR" altLang="en-US" sz="1800" dirty="0" smtClean="0">
+                        <a:solidFill>
+                          <a:schemeClr val="dk1"/>
+                        </a:solidFill>
+                        <a:latin typeface="맑은 고딕" charset="0"/>
+                        <a:ea typeface="맑은 고딕" charset="0"/>
+                      </a:endParaRPr>
+                    </a:p>
+                  </a:txBody>
+                  <a:tcPr marL="90170" marR="90170" marT="46990" marB="46990" anchor="t"/>
+                </a:tc>
+                <a:tc>
+                  <a:txBody>
+                    <a:bodyPr/>
+                    <a:lstStyle/>
+                    <a:p>
+                      <a:pPr marL="0" indent="0" algn="l" fontAlgn="auto" defTabSz="508000" eaLnBrk="0">
+                        <a:lnSpc>
+                          <a:spcPct val="100000"/>
+                        </a:lnSpc>
+                        <a:spcBef>
+                          <a:spcPts val="0"/>
+                        </a:spcBef>
+                        <a:spcAft>
+                          <a:spcPts val="0"/>
+                        </a:spcAft>
+                        <a:buFontTx/>
+                        <a:buNone/>
+                      </a:pPr>
+                      <a:r>
+                        <a:rPr lang="en-US" altLang="ko-KR" sz="1800" dirty="0" smtClean="0">
+                          <a:solidFill>
+                            <a:schemeClr val="dk1"/>
+                          </a:solidFill>
+                          <a:latin typeface="맑은 고딕" charset="0"/>
+                          <a:ea typeface="맑은 고딕" charset="0"/>
+                        </a:rPr>
+                        <a:t>리소스 수집만 완료</a:t>
+                      </a:r>
+                      <a:endParaRPr lang="ko-KR" altLang="en-US" sz="1800" dirty="0" smtClean="0">
+                        <a:solidFill>
+                          <a:schemeClr val="dk1"/>
+                        </a:solidFill>
+                        <a:latin typeface="맑은 고딕" charset="0"/>
+                        <a:ea typeface="맑은 고딕" charset="0"/>
+                      </a:endParaRPr>
+                    </a:p>
+                  </a:txBody>
+                  <a:tcPr marL="90170" marR="90170" marT="46990" marB="46990" anchor="t"/>
+                </a:tc>
+                <a:tc>
+                  <a:txBody>
+                    <a:bodyPr/>
+                    <a:lstStyle/>
+                    <a:p>
+                      <a:pPr marL="0" indent="0" algn="l" fontAlgn="auto" defTabSz="508000" eaLnBrk="0">
+                        <a:lnSpc>
+                          <a:spcPct val="100000"/>
+                        </a:lnSpc>
+                        <a:spcBef>
+                          <a:spcPts val="0"/>
+                        </a:spcBef>
+                        <a:spcAft>
+                          <a:spcPts val="0"/>
+                        </a:spcAft>
+                        <a:buFontTx/>
+                        <a:buNone/>
+                      </a:pPr>
+                      <a:r>
+                        <a:rPr lang="en-US" altLang="ko-KR" sz="1800" dirty="0" smtClean="0">
+                          <a:solidFill>
+                            <a:schemeClr val="dk1"/>
+                          </a:solidFill>
+                          <a:latin typeface="맑은 고딕" charset="0"/>
+                          <a:ea typeface="맑은 고딕" charset="0"/>
+                        </a:rPr>
+                        <a:t>50%</a:t>
+                      </a:r>
+                      <a:endParaRPr lang="ko-KR" altLang="en-US" sz="1800" dirty="0" smtClean="0">
+                        <a:solidFill>
+                          <a:schemeClr val="dk1"/>
+                        </a:solidFill>
+                        <a:latin typeface="맑은 고딕" charset="0"/>
+                        <a:ea typeface="맑은 고딕" charset="0"/>
+                      </a:endParaRPr>
+                    </a:p>
+                  </a:txBody>
+                  <a:tcPr marL="90170" marR="90170" marT="46990" marB="46990" anchor="t"/>
+                </a:tc>
+              </a:tr>
+              <a:tr h="485775">
+                <a:tc gridSpan="2">
+                  <a:txBody>
+                    <a:bodyPr/>
+                    <a:lstStyle/>
+                    <a:p>
+                      <a:pPr marL="0" indent="0" algn="l" fontAlgn="auto" defTabSz="508000" eaLnBrk="0">
+                        <a:lnSpc>
+                          <a:spcPct val="100000"/>
+                        </a:lnSpc>
+                        <a:spcBef>
+                          <a:spcPts val="0"/>
+                        </a:spcBef>
+                        <a:spcAft>
+                          <a:spcPts val="0"/>
+                        </a:spcAft>
+                        <a:buFontTx/>
+                        <a:buNone/>
+                      </a:pPr>
+                      <a:r>
+                        <a:rPr lang="en-US" altLang="ko-KR" sz="1800" dirty="0" smtClean="0">
+                          <a:solidFill>
+                            <a:schemeClr val="dk1"/>
+                          </a:solidFill>
+                          <a:latin typeface="맑은 고딕" charset="0"/>
+                          <a:ea typeface="맑은 고딕" charset="0"/>
+                        </a:rPr>
+                        <a:t>애니메이션</a:t>
+                      </a:r>
+                      <a:endParaRPr lang="ko-KR" altLang="en-US" sz="1800" dirty="0" smtClean="0">
+                        <a:solidFill>
+                          <a:schemeClr val="dk1"/>
+                        </a:solidFill>
+                        <a:latin typeface="맑은 고딕" charset="0"/>
+                        <a:ea typeface="맑은 고딕" charset="0"/>
+                      </a:endParaRPr>
+                    </a:p>
+                  </a:txBody>
+                  <a:tcPr marL="90170" marR="90170" marT="46990" marB="46990" anchor="t"/>
+                </a:tc>
+                <a:tc hMerge="1">
+                  <a:txBody>
+                    <a:bodyPr/>
+                    <a:lstStyle/>
+                    <a:p>
+                      <a:pPr>
+                        <a:buFontTx/>
+                        <a:buNone/>
+                      </a:pPr>
+                      <a:endParaRPr lang="ko-KR" altLang="en-US" dirty="0" smtClean="0"/>
+                    </a:p>
+                  </a:txBody>
+                </a:tc>
+                <a:tc>
+                  <a:txBody>
+                    <a:bodyPr/>
+                    <a:lstStyle/>
+                    <a:p>
+                      <a:pPr marL="0" indent="0" algn="l" fontAlgn="auto" defTabSz="508000" eaLnBrk="0">
+                        <a:lnSpc>
+                          <a:spcPct val="100000"/>
+                        </a:lnSpc>
+                        <a:spcBef>
+                          <a:spcPts val="0"/>
+                        </a:spcBef>
+                        <a:spcAft>
+                          <a:spcPts val="0"/>
+                        </a:spcAft>
+                        <a:buFontTx/>
+                        <a:buNone/>
+                      </a:pPr>
+                      <a:r>
+                        <a:rPr lang="en-US" altLang="ko-KR" sz="1800" dirty="0" smtClean="0">
+                          <a:solidFill>
+                            <a:schemeClr val="dk1"/>
+                          </a:solidFill>
+                          <a:latin typeface="맑은 고딕" charset="0"/>
+                          <a:ea typeface="맑은 고딕" charset="0"/>
+                        </a:rPr>
+                        <a:t>각 상태에 따른 애니메이션</a:t>
+                      </a:r>
+                      <a:endParaRPr lang="ko-KR" altLang="en-US" sz="1800" dirty="0" smtClean="0">
+                        <a:solidFill>
+                          <a:schemeClr val="dk1"/>
+                        </a:solidFill>
+                        <a:latin typeface="맑은 고딕" charset="0"/>
+                        <a:ea typeface="맑은 고딕" charset="0"/>
+                      </a:endParaRPr>
+                    </a:p>
+                  </a:txBody>
+                  <a:tcPr marL="90170" marR="90170" marT="46990" marB="46990" anchor="t"/>
+                </a:tc>
+                <a:tc>
+                  <a:txBody>
+                    <a:bodyPr/>
+                    <a:lstStyle/>
+                    <a:p>
+                      <a:pPr marL="0" indent="0" algn="l" fontAlgn="auto" defTabSz="508000" eaLnBrk="0">
+                        <a:lnSpc>
+                          <a:spcPct val="100000"/>
+                        </a:lnSpc>
+                        <a:spcBef>
+                          <a:spcPts val="0"/>
+                        </a:spcBef>
+                        <a:spcAft>
+                          <a:spcPts val="0"/>
+                        </a:spcAft>
+                        <a:buFontTx/>
+                        <a:buNone/>
+                      </a:pPr>
+                      <a:r>
+                        <a:rPr lang="en-US" altLang="ko-KR" sz="1800" dirty="0" smtClean="0">
+                          <a:solidFill>
+                            <a:schemeClr val="dk1"/>
+                          </a:solidFill>
+                          <a:latin typeface="맑은 고딕" charset="0"/>
+                          <a:ea typeface="맑은 고딕" charset="0"/>
+                        </a:rPr>
+                        <a:t>각 상태에 따른 애니메이션</a:t>
+                      </a:r>
+                      <a:endParaRPr lang="ko-KR" altLang="en-US" sz="1800" dirty="0" smtClean="0">
+                        <a:solidFill>
+                          <a:schemeClr val="dk1"/>
+                        </a:solidFill>
+                        <a:latin typeface="맑은 고딕" charset="0"/>
+                        <a:ea typeface="맑은 고딕" charset="0"/>
+                      </a:endParaRPr>
+                    </a:p>
+                  </a:txBody>
+                  <a:tcPr marL="90170" marR="90170" marT="46990" marB="46990" anchor="t"/>
+                </a:tc>
+                <a:tc>
+                  <a:txBody>
+                    <a:bodyPr/>
+                    <a:lstStyle/>
+                    <a:p>
+                      <a:pPr marL="0" indent="0" algn="l" fontAlgn="auto" defTabSz="508000" eaLnBrk="0">
+                        <a:lnSpc>
+                          <a:spcPct val="100000"/>
+                        </a:lnSpc>
+                        <a:spcBef>
+                          <a:spcPts val="0"/>
+                        </a:spcBef>
+                        <a:spcAft>
+                          <a:spcPts val="0"/>
+                        </a:spcAft>
+                        <a:buFontTx/>
+                        <a:buNone/>
+                      </a:pPr>
+                      <a:r>
+                        <a:rPr lang="en-US" altLang="ko-KR" sz="1800" dirty="0" smtClean="0">
+                          <a:solidFill>
+                            <a:schemeClr val="dk1"/>
+                          </a:solidFill>
+                          <a:latin typeface="맑은 고딕" charset="0"/>
+                          <a:ea typeface="맑은 고딕" charset="0"/>
+                        </a:rPr>
+                        <a:t>100%</a:t>
+                      </a:r>
+                      <a:endParaRPr lang="ko-KR" altLang="en-US" sz="1800" dirty="0" smtClean="0">
+                        <a:solidFill>
+                          <a:schemeClr val="dk1"/>
+                        </a:solidFill>
+                        <a:latin typeface="맑은 고딕" charset="0"/>
+                        <a:ea typeface="맑은 고딕" charset="0"/>
+                      </a:endParaRPr>
+                    </a:p>
+                  </a:txBody>
+                  <a:tcPr marL="90170" marR="90170" marT="46990" marB="46990" anchor="t"/>
+                </a:tc>
+              </a:tr>
+              <a:tr h="876300">
+                <a:tc>
+                  <a:txBody>
+                    <a:bodyPr/>
+                    <a:lstStyle/>
+                    <a:p>
+                      <a:pPr marL="0" indent="0" algn="l" fontAlgn="auto" defTabSz="508000" eaLnBrk="0">
+                        <a:lnSpc>
+                          <a:spcPct val="100000"/>
+                        </a:lnSpc>
+                        <a:spcBef>
+                          <a:spcPts val="0"/>
+                        </a:spcBef>
+                        <a:spcAft>
+                          <a:spcPts val="0"/>
+                        </a:spcAft>
+                        <a:buFontTx/>
+                        <a:buNone/>
+                      </a:pPr>
+                      <a:r>
+                        <a:rPr lang="en-US" altLang="ko-KR" sz="1800" dirty="0" smtClean="0">
+                          <a:solidFill>
+                            <a:schemeClr val="dk1"/>
+                          </a:solidFill>
+                          <a:latin typeface="맑은 고딕" charset="0"/>
+                          <a:ea typeface="맑은 고딕" charset="0"/>
+                        </a:rPr>
+                        <a:t>추가구현</a:t>
+                      </a:r>
+                      <a:endParaRPr lang="ko-KR" altLang="en-US" sz="1800" dirty="0" smtClean="0">
+                        <a:solidFill>
+                          <a:schemeClr val="dk1"/>
+                        </a:solidFill>
+                        <a:latin typeface="맑은 고딕" charset="0"/>
+                        <a:ea typeface="맑은 고딕" charset="0"/>
+                      </a:endParaRPr>
+                    </a:p>
+                  </a:txBody>
+                  <a:tcPr marL="90170" marR="90170" marT="46990" marB="46990" anchor="t"/>
+                </a:tc>
+                <a:tc gridSpan="4">
+                  <a:txBody>
+                    <a:bodyPr/>
+                    <a:lstStyle/>
+                    <a:p>
+                      <a:pPr marL="0" indent="0" algn="l" fontAlgn="auto" defTabSz="508000" eaLnBrk="0">
+                        <a:lnSpc>
+                          <a:spcPct val="100000"/>
+                        </a:lnSpc>
+                        <a:spcBef>
+                          <a:spcPts val="0"/>
+                        </a:spcBef>
+                        <a:spcAft>
+                          <a:spcPts val="0"/>
+                        </a:spcAft>
+                        <a:buFontTx/>
+                        <a:buNone/>
+                      </a:pPr>
+                      <a:r>
+                        <a:rPr lang="en-US" altLang="ko-KR" sz="1800" dirty="0" smtClean="0">
+                          <a:solidFill>
+                            <a:schemeClr val="dk1"/>
+                          </a:solidFill>
+                          <a:latin typeface="맑은 고딕" charset="0"/>
+                          <a:ea typeface="맑은 고딕" charset="0"/>
+                        </a:rPr>
+                        <a:t>캐릭터 생성GUI</a:t>
+                      </a:r>
+                      <a:endParaRPr lang="ko-KR" altLang="en-US" sz="1800" dirty="0" smtClean="0">
+                        <a:solidFill>
+                          <a:schemeClr val="dk1"/>
+                        </a:solidFill>
+                        <a:latin typeface="맑은 고딕" charset="0"/>
+                        <a:ea typeface="맑은 고딕" charset="0"/>
+                      </a:endParaRPr>
+                    </a:p>
+                  </a:txBody>
+                  <a:tcPr marL="90170" marR="90170" marT="46990" marB="46990" anchor="t"/>
+                </a:tc>
+                <a:tc hMerge="1">
+                  <a:txBody>
+                    <a:bodyPr/>
+                    <a:lstStyle/>
+                    <a:p>
+                      <a:pPr>
+                        <a:buFontTx/>
+                        <a:buNone/>
+                      </a:pPr>
+                      <a:endParaRPr lang="ko-KR" altLang="en-US" dirty="0" smtClean="0"/>
+                    </a:p>
+                  </a:txBody>
+                </a:tc>
+                <a:tc hMerge="1">
+                  <a:txBody>
+                    <a:bodyPr/>
+                    <a:lstStyle/>
+                    <a:p>
+                      <a:pPr>
+                        <a:buFontTx/>
+                        <a:buNone/>
+                      </a:pPr>
+                      <a:endParaRPr lang="ko-KR" altLang="en-US" dirty="0" smtClean="0"/>
+                    </a:p>
+                  </a:txBody>
+                </a:tc>
+                <a:tc hMerge="1">
+                  <a:txBody>
+                    <a:bodyPr/>
+                    <a:lstStyle/>
+                    <a:p>
+                      <a:pPr>
+                        <a:buFontTx/>
+                        <a:buNone/>
+                      </a:pPr>
+                      <a:endParaRPr lang="ko-KR" altLang="en-US" dirty="0" smtClean="0"/>
+                    </a:p>
+                  </a:txBody>
+                </a:tc>
+              </a:tr>
+            </a:tbl>
+          </a:graphicData>
+        </a:graphic>
+      </p:graphicFrame>
+      <p:graphicFrame>
+        <p:nvGraphicFramePr>
+          <p:cNvPr id="2" name="표 1"/>
+          <p:cNvGraphicFramePr>
+            <a:graphicFrameLocks noGrp="1"/>
+          </p:cNvGraphicFramePr>
+          <p:nvPr/>
+        </p:nvGraphicFramePr>
+        <p:xfrm>
+          <a:off x="-54610" y="-1905"/>
+          <a:ext cx="9192261" cy="6887846"/>
+        </p:xfrm>
+        <a:graphic>
+          <a:graphicData uri="http://schemas.openxmlformats.org/drawingml/2006/table">
+            <a:tbl>
+              <a:tblPr firstRow="1" bandRow="1">
+                <a:tableStyleId>{5C22544A-7EE6-4342-B048-85BDC9FD1C3A}</a:tableStyleId>
+              </a:tblPr>
+              <a:tblGrid>
+                <a:gridCol w="1391285"/>
+                <a:gridCol w="4445"/>
+                <a:gridCol w="3669030"/>
+                <a:gridCol w="3018790"/>
+                <a:gridCol w="1108710"/>
+              </a:tblGrid>
+              <a:tr h="782320">
+                <a:tc gridSpan="2">
+                  <a:txBody>
+                    <a:bodyPr/>
+                    <a:lstStyle/>
+                    <a:p>
+                      <a:pPr marL="0" indent="0" algn="l" fontAlgn="auto" defTabSz="508000" eaLnBrk="0">
+                        <a:lnSpc>
+                          <a:spcPct val="100000"/>
+                        </a:lnSpc>
+                        <a:spcBef>
+                          <a:spcPts val="0"/>
+                        </a:spcBef>
+                        <a:spcAft>
+                          <a:spcPts val="0"/>
+                        </a:spcAft>
+                        <a:buFontTx/>
+                        <a:buNone/>
+                      </a:pPr>
+                      <a:r>
+                        <a:rPr lang="en-US" altLang="ko-KR" sz="1800" dirty="0" smtClean="0" b="1">
+                          <a:solidFill>
+                            <a:schemeClr val="lt1"/>
+                          </a:solidFill>
+                          <a:latin typeface="맑은 고딕" charset="0"/>
+                          <a:ea typeface="맑은 고딕" charset="0"/>
+                        </a:rPr>
                         <a:t>내용</a:t>
                       </a:r>
                       <a:endParaRPr lang="ko-KR" altLang="en-US" sz="1800" dirty="0" smtClean="0" b="1">
@@ -5448,12 +7285,25 @@
                   </a:txBody>
                   <a:tcPr marL="90170" marR="90170" marT="46990" marB="46990" anchor="t"/>
                 </a:tc>
+                <a:tc hMerge="1">
+                  <a:txBody>
+                    <a:bodyPr/>
+                    <a:lstStyle/>
+                    <a:p>
+                      <a:pPr>
+                        <a:buFontTx/>
+                        <a:buNone/>
+                      </a:pPr>
+                      <a:endParaRPr lang="ko-KR" altLang="en-US" dirty="0" smtClean="0"/>
+                    </a:p>
+                  </a:txBody>
+                </a:tc>
                 <a:tc>
                   <a:txBody>
                     <a:bodyPr/>
                     <a:lstStyle/>
                     <a:p>
-                      <a:pPr marL="0" indent="0" algn="l" fontAlgn="auto" defTabSz="508000">
+                      <a:pPr marL="0" indent="0" algn="l" fontAlgn="auto" defTabSz="508000" eaLnBrk="0">
                         <a:lnSpc>
                           <a:spcPct val="100000"/>
                         </a:lnSpc>
@@ -5492,7 +7342,7 @@
                     <a:bodyPr/>
                     <a:lstStyle/>
                     <a:p>
-                      <a:pPr marL="0" indent="0" algn="l" fontAlgn="auto" defTabSz="508000">
+                      <a:pPr marL="0" indent="0" algn="l" fontAlgn="auto" defTabSz="508000" eaLnBrk="0">
                         <a:lnSpc>
                           <a:spcPct val="100000"/>
                         </a:lnSpc>
@@ -5531,7 +7381,7 @@
                     <a:bodyPr/>
                     <a:lstStyle/>
                     <a:p>
-                      <a:pPr marL="0" indent="0" algn="l" fontAlgn="auto" defTabSz="508000">
+                      <a:pPr marL="0" indent="0" algn="l" fontAlgn="auto" defTabSz="508000" eaLnBrk="0">
                         <a:lnSpc>
                           <a:spcPct val="100000"/>
                         </a:lnSpc>
@@ -5566,13 +7416,65 @@
                   <a:tcPr marL="90170" marR="90170" marT="46990" marB="46990" anchor="t"/>
                 </a:tc>
               </a:tr>
-              <a:tr h="424180">
+              <a:tr h="447675">
+                <a:tc gridSpan="2">
+                  <a:txBody>
+                    <a:bodyPr/>
+                    <a:lstStyle/>
+                    <a:p>
+                      <a:pPr marL="0" indent="0" algn="l" fontAlgn="auto" defTabSz="508000" eaLnBrk="0">
+                        <a:lnSpc>
+                          <a:spcPct val="100000"/>
+                        </a:lnSpc>
+                        <a:spcBef>
+                          <a:spcPts val="0"/>
+                        </a:spcBef>
+                        <a:spcAft>
+                          <a:spcPts val="0"/>
+                        </a:spcAft>
+                        <a:buFontTx/>
+                        <a:buNone/>
+                      </a:pPr>
+                      <a:r>
+                        <a:rPr lang="en-US" altLang="ko-KR" sz="1800" dirty="0" smtClean="0">
+                          <a:solidFill>
+                            <a:schemeClr val="dk1"/>
+                          </a:solidFill>
+                          <a:latin typeface="맑은 고딕" charset="0"/>
+                          <a:ea typeface="맑은 고딕" charset="0"/>
+                        </a:rPr>
+                        <a:t>유닛종류</a:t>
+                      </a:r>
+                      <a:endParaRPr lang="ko-KR" altLang="en-US" sz="1800" dirty="0" smtClean="0">
+                        <a:solidFill>
+                          <a:schemeClr val="dk1"/>
+                        </a:solidFill>
+                        <a:latin typeface="맑은 고딕" charset="0"/>
+                        <a:ea typeface="맑은 고딕" charset="0"/>
+                      </a:endParaRPr>
+                    </a:p>
+                  </a:txBody>
+                  <a:tcPr marL="90170" marR="90170" marT="46990" marB="46990" anchor="t"/>
+                </a:tc>
+                <a:tc hMerge="1">
+                  <a:txBody>
+                    <a:bodyPr/>
+                    <a:lstStyle/>
+                    <a:p>
+                      <a:pPr>
+                        <a:buFontTx/>
+                        <a:buNone/>
+                      </a:pPr>
+                      <a:endParaRPr lang="ko-KR" altLang="en-US" dirty="0" smtClean="0"/>
+                    </a:p>
+                  </a:txBody>
+                </a:tc>
                 <a:tc>
                   <a:txBody>
                     <a:bodyPr/>
                     <a:lstStyle/>
                     <a:p>
-                      <a:pPr marL="0" indent="0" algn="l" fontAlgn="auto" defTabSz="508000">
+                      <a:pPr marL="0" indent="0" algn="l" fontAlgn="auto" defTabSz="508000" eaLnBrk="0">
                         <a:lnSpc>
                           <a:spcPct val="100000"/>
                         </a:lnSpc>
@@ -5593,7 +7495,7 @@
                           <a:latin typeface="맑은 고딕" charset="0"/>
                           <a:ea typeface="맑은 고딕" charset="0"/>
                         </a:rPr>
-                        <a:t>유닛종류</a:t>
+                        <a:t>근접 유닛</a:t>
                       </a:r>
                       <a:endParaRPr lang="ko-KR" altLang="en-US" sz="1800" dirty="0" smtClean="0">
                         <a:solidFill>
@@ -5611,7 +7513,7 @@
                     <a:bodyPr/>
                     <a:lstStyle/>
                     <a:p>
-                      <a:pPr marL="0" indent="0" algn="l" fontAlgn="auto" defTabSz="508000">
+                      <a:pPr marL="0" indent="0" algn="l" fontAlgn="auto" defTabSz="508000" eaLnBrk="0">
                         <a:lnSpc>
                           <a:spcPct val="100000"/>
                         </a:lnSpc>
@@ -5650,7 +7552,7 @@
                     <a:bodyPr/>
                     <a:lstStyle/>
                     <a:p>
-                      <a:pPr marL="0" indent="0" algn="l" fontAlgn="auto" defTabSz="508000">
+                      <a:pPr marL="0" indent="0" algn="l" fontAlgn="auto" defTabSz="508000" eaLnBrk="0">
                         <a:lnSpc>
                           <a:spcPct val="100000"/>
                         </a:lnSpc>
@@ -5671,7 +7573,7 @@
                           <a:latin typeface="맑은 고딕" charset="0"/>
                           <a:ea typeface="맑은 고딕" charset="0"/>
                         </a:rPr>
-                        <a:t>근접 유닛</a:t>
+                        <a:t>100%</a:t>
                       </a:r>
                       <a:endParaRPr lang="ko-KR" altLang="en-US" sz="1800" dirty="0" smtClean="0">
                         <a:solidFill>
@@ -5684,12 +7586,66 @@
                   </a:txBody>
                   <a:tcPr marL="90170" marR="90170" marT="46990" marB="46990" anchor="t"/>
                 </a:tc>
+              </a:tr>
+              <a:tr h="447675">
+                <a:tc gridSpan="2">
+                  <a:txBody>
+                    <a:bodyPr/>
+                    <a:lstStyle/>
+                    <a:p>
+                      <a:pPr marL="0" indent="0" algn="l" fontAlgn="auto" defTabSz="508000" eaLnBrk="0">
+                        <a:lnSpc>
+                          <a:spcPct val="100000"/>
+                        </a:lnSpc>
+                        <a:spcBef>
+                          <a:spcPts val="0"/>
+                        </a:spcBef>
+                        <a:spcAft>
+                          <a:spcPts val="0"/>
+                        </a:spcAft>
+                        <a:buFontTx/>
+                        <a:buNone/>
+                      </a:pPr>
+                      <a:r>
+                        <a:rPr lang="en-US" altLang="ko-KR" sz="1800" dirty="0" smtClean="0">
+                          <a:solidFill>
+                            <a:schemeClr val="dk1"/>
+                          </a:solidFill>
+                          <a:latin typeface="맑은 고딕" charset="0"/>
+                          <a:ea typeface="맑은 고딕" charset="0"/>
+                        </a:rPr>
+                        <a:t>특수능력</a:t>
+                      </a:r>
+                      <a:endParaRPr lang="ko-KR" altLang="en-US" sz="1800" dirty="0" smtClean="0">
+                        <a:solidFill>
+                          <a:schemeClr val="dk1"/>
+                        </a:solidFill>
+                        <a:latin typeface="맑은 고딕" charset="0"/>
+                        <a:ea typeface="맑은 고딕" charset="0"/>
+                      </a:endParaRPr>
+                    </a:p>
+                  </a:txBody>
+                  <a:tcPr marL="90170" marR="90170" marT="46990" marB="46990" anchor="t"/>
+                </a:tc>
+                <a:tc hMerge="1">
+                  <a:txBody>
+                    <a:bodyPr/>
+                    <a:lstStyle/>
+                    <a:p>
+                      <a:pPr>
+                        <a:buFontTx/>
+                        <a:buNone/>
+                      </a:pPr>
+                      <a:endParaRPr lang="ko-KR" altLang="en-US" dirty="0" smtClean="0"/>
+                    </a:p>
+                  </a:txBody>
+                </a:tc>
                 <a:tc>
                   <a:txBody>
                     <a:bodyPr/>
                     <a:lstStyle/>
                     <a:p>
-                      <a:pPr marL="0" indent="0" algn="l" fontAlgn="auto" defTabSz="508000">
+                      <a:pPr marL="0" indent="0" algn="l" fontAlgn="auto" defTabSz="508000" eaLnBrk="0">
                         <a:lnSpc>
                           <a:spcPct val="100000"/>
                         </a:lnSpc>
@@ -5710,6 +7666,84 @@
                           <a:latin typeface="맑은 고딕" charset="0"/>
                           <a:ea typeface="맑은 고딕" charset="0"/>
                         </a:rPr>
+                        <a:t>대포</a:t>
+                      </a:r>
+                      <a:endParaRPr lang="ko-KR" altLang="en-US" sz="1800" dirty="0" smtClean="0">
+                        <a:solidFill>
+                          <a:schemeClr val="dk1"/>
+                        </a:solidFill>
+                        <a:latin typeface="맑은 고딕" charset="0"/>
+                        <a:ea typeface="맑은 고딕" charset="0"/>
+                      </a:endParaRPr>
+                    </a:p>
+                  </a:txBody>
+                  <a:tcPr marL="90170" marR="90170" marT="46990" marB="46990" anchor="t"/>
+                </a:tc>
+                <a:tc>
+                  <a:txBody>
+                    <a:bodyPr/>
+                    <a:lstStyle/>
+                    <a:p>
+                      <a:pPr marL="0" indent="0" algn="l" fontAlgn="auto" defTabSz="508000" eaLnBrk="0">
+                        <a:lnSpc>
+                          <a:spcPct val="100000"/>
+                        </a:lnSpc>
+                        <a:spcBef>
+                          <a:spcPts val="0"/>
+                        </a:spcBef>
+                        <a:spcAft>
+                          <a:spcPts val="0"/>
+                        </a:spcAft>
+                        <a:buFontTx/>
+                        <a:buNone/>
+                      </a:pPr>
+                      <a:r>
+                        <a:rPr lang="en-US" altLang="ko-KR" sz="1800" dirty="0" smtClean="0">
+                          <a:solidFill>
+                            <a:schemeClr val="dk1"/>
+                          </a:solidFill>
+                          <a:latin typeface="맑은 고딕" charset="0"/>
+                          <a:ea typeface="맑은 고딕" charset="0"/>
+                        </a:rPr>
+                        <a:t>대포</a:t>
+                      </a:r>
+                      <a:endParaRPr lang="ko-KR" altLang="en-US" sz="1800" dirty="0" smtClean="0">
+                        <a:solidFill>
+                          <a:schemeClr val="dk1"/>
+                        </a:solidFill>
+                        <a:latin typeface="맑은 고딕" charset="0"/>
+                        <a:ea typeface="맑은 고딕" charset="0"/>
+                      </a:endParaRPr>
+                    </a:p>
+                  </a:txBody>
+                  <a:tcPr marL="90170" marR="90170" marT="46990" marB="46990" anchor="t"/>
+                </a:tc>
+                <a:tc>
+                  <a:txBody>
+                    <a:bodyPr/>
+                    <a:lstStyle/>
+                    <a:p>
+                      <a:pPr marL="0" indent="0" algn="l" fontAlgn="auto" defTabSz="508000" eaLnBrk="0">
+                        <a:lnSpc>
+                          <a:spcPct val="100000"/>
+                        </a:lnSpc>
+                        <a:spcBef>
+                          <a:spcPts val="0"/>
+                        </a:spcBef>
+                        <a:spcAft>
+                          <a:spcPts val="0"/>
+                        </a:spcAft>
+                        <a:buFontTx/>
+                        <a:buNone/>
+                      </a:pPr>
+                      <a:r>
+                        <a:rPr lang="en-US" altLang="ko-KR" sz="1800" dirty="0" smtClean="0">
+                          <a:solidFill>
+                            <a:schemeClr val="dk1"/>
+                          </a:solidFill>
+                          <a:latin typeface="맑은 고딕" charset="0"/>
+                          <a:ea typeface="맑은 고딕" charset="0"/>
+                        </a:rPr>
                         <a:t>100%</a:t>
                       </a:r>
                       <a:endParaRPr lang="ko-KR" altLang="en-US" sz="1800" dirty="0" smtClean="0">
@@ -5724,13 +7758,65 @@
                   <a:tcPr marL="90170" marR="90170" marT="46990" marB="46990" anchor="t"/>
                 </a:tc>
               </a:tr>
-              <a:tr h="424180">
+              <a:tr h="753110">
+                <a:tc gridSpan="2">
+                  <a:txBody>
+                    <a:bodyPr/>
+                    <a:lstStyle/>
+                    <a:p>
+                      <a:pPr marL="0" indent="0" algn="l" fontAlgn="auto" defTabSz="508000" eaLnBrk="0">
+                        <a:lnSpc>
+                          <a:spcPct val="100000"/>
+                        </a:lnSpc>
+                        <a:spcBef>
+                          <a:spcPts val="0"/>
+                        </a:spcBef>
+                        <a:spcAft>
+                          <a:spcPts val="0"/>
+                        </a:spcAft>
+                        <a:buFontTx/>
+                        <a:buNone/>
+                      </a:pPr>
+                      <a:r>
+                        <a:rPr lang="en-US" altLang="ko-KR" sz="1800" dirty="0" smtClean="0">
+                          <a:solidFill>
+                            <a:schemeClr val="dk1"/>
+                          </a:solidFill>
+                          <a:latin typeface="맑은 고딕" charset="0"/>
+                          <a:ea typeface="맑은 고딕" charset="0"/>
+                        </a:rPr>
+                        <a:t>이펙트</a:t>
+                      </a:r>
+                      <a:endParaRPr lang="ko-KR" altLang="en-US" sz="1800" dirty="0" smtClean="0">
+                        <a:solidFill>
+                          <a:schemeClr val="dk1"/>
+                        </a:solidFill>
+                        <a:latin typeface="맑은 고딕" charset="0"/>
+                        <a:ea typeface="맑은 고딕" charset="0"/>
+                      </a:endParaRPr>
+                    </a:p>
+                  </a:txBody>
+                  <a:tcPr marL="90170" marR="90170" marT="46990" marB="46990" anchor="t"/>
+                </a:tc>
+                <a:tc hMerge="1">
+                  <a:txBody>
+                    <a:bodyPr/>
+                    <a:lstStyle/>
+                    <a:p>
+                      <a:pPr>
+                        <a:buFontTx/>
+                        <a:buNone/>
+                      </a:pPr>
+                      <a:endParaRPr lang="ko-KR" altLang="en-US" dirty="0" smtClean="0"/>
+                    </a:p>
+                  </a:txBody>
+                </a:tc>
                 <a:tc>
                   <a:txBody>
                     <a:bodyPr/>
                     <a:lstStyle/>
                     <a:p>
-                      <a:pPr marL="0" indent="0" algn="l" fontAlgn="auto" defTabSz="508000">
+                      <a:pPr marL="0" indent="0" algn="l" fontAlgn="auto" defTabSz="508000" eaLnBrk="0">
                         <a:lnSpc>
                           <a:spcPct val="100000"/>
                         </a:lnSpc>
@@ -5751,7 +7837,7 @@
                           <a:latin typeface="맑은 고딕" charset="0"/>
                           <a:ea typeface="맑은 고딕" charset="0"/>
                         </a:rPr>
-                        <a:t>특수능력</a:t>
+                        <a:t>대포알의 폭발 이펙트</a:t>
                       </a:r>
                       <a:endParaRPr lang="ko-KR" altLang="en-US" sz="1800" dirty="0" smtClean="0">
                         <a:solidFill>
@@ -5761,6 +7847,38 @@
                         <a:ea typeface="맑은 고딕" charset="0"/>
                       </a:endParaRPr>
                     </a:p>
+                    <a:p>
+                      <a:pPr marL="0" indent="0" algn="l" fontAlgn="auto" defTabSz="508000" eaLnBrk="0">
+                        <a:lnSpc>
+                          <a:spcPct val="100000"/>
+                        </a:lnSpc>
+                        <a:spcBef>
+                          <a:spcPts val="0"/>
+                        </a:spcBef>
+                        <a:spcAft>
+                          <a:spcPts val="0"/>
+                        </a:spcAft>
+                        <a:buFontTx/>
+                        <a:buNone/>
+                      </a:pPr>
+                      <a:r>
+                        <a:rPr lang="en-US" altLang="ko-KR" sz="1800" dirty="0" smtClean="0">
+                          <a:solidFill>
+                            <a:schemeClr val="dk1"/>
+                          </a:solidFill>
+                          <a:latin typeface="맑은 고딕" charset="0"/>
+                          <a:ea typeface="맑은 고딕" charset="0"/>
+                        </a:rPr>
+                        <a:t>유닛끼리 싸울때 이펙트</a:t>
+                      </a:r>
+                      <a:endParaRPr lang="ko-KR" altLang="en-US" sz="1800" dirty="0" smtClean="0">
+                        <a:solidFill>
+                          <a:schemeClr val="dk1"/>
+                        </a:solidFill>
+                        <a:latin typeface="맑은 고딕" charset="0"/>
+                        <a:ea typeface="맑은 고딕" charset="0"/>
+                      </a:endParaRPr>
+                    </a:p>
                   </a:txBody>
                   <a:tcPr marL="90170" marR="90170" marT="46990" marB="46990" anchor="t"/>
                 </a:tc>
@@ -5769,7 +7887,7 @@
                     <a:bodyPr/>
                     <a:lstStyle/>
                     <a:p>
-                      <a:pPr marL="0" indent="0" algn="l" fontAlgn="auto" defTabSz="508000">
+                      <a:pPr marL="0" indent="0" algn="l" fontAlgn="auto" defTabSz="508000" eaLnBrk="0">
                         <a:lnSpc>
                           <a:spcPct val="100000"/>
                         </a:lnSpc>
@@ -5790,7 +7908,7 @@
                           <a:latin typeface="맑은 고딕" charset="0"/>
                           <a:ea typeface="맑은 고딕" charset="0"/>
                         </a:rPr>
-                        <a:t>대포</a:t>
+                        <a:t>대포알의 폭발 이펙트</a:t>
                       </a:r>
                       <a:endParaRPr lang="ko-KR" altLang="en-US" sz="1800" dirty="0" smtClean="0">
                         <a:solidFill>
@@ -5808,7 +7926,7 @@
                     <a:bodyPr/>
                     <a:lstStyle/>
                     <a:p>
-                      <a:pPr marL="0" indent="0" algn="l" fontAlgn="auto" defTabSz="508000">
+                      <a:pPr marL="0" indent="0" algn="l" fontAlgn="auto" defTabSz="508000" eaLnBrk="0">
                         <a:lnSpc>
                           <a:spcPct val="100000"/>
                         </a:lnSpc>
@@ -5829,7 +7947,7 @@
                           <a:latin typeface="맑은 고딕" charset="0"/>
                           <a:ea typeface="맑은 고딕" charset="0"/>
                         </a:rPr>
-                        <a:t>대포</a:t>
+                        <a:t>50%</a:t>
                       </a:r>
                       <a:endParaRPr lang="ko-KR" altLang="en-US" sz="1800" dirty="0" smtClean="0">
                         <a:solidFill>
@@ -5842,12 +7960,66 @@
                   </a:txBody>
                   <a:tcPr marL="90170" marR="90170" marT="46990" marB="46990" anchor="t"/>
                 </a:tc>
+              </a:tr>
+              <a:tr h="561340">
+                <a:tc gridSpan="2">
+                  <a:txBody>
+                    <a:bodyPr/>
+                    <a:lstStyle/>
+                    <a:p>
+                      <a:pPr marL="0" indent="0" algn="l" fontAlgn="auto" defTabSz="508000" eaLnBrk="0">
+                        <a:lnSpc>
+                          <a:spcPct val="100000"/>
+                        </a:lnSpc>
+                        <a:spcBef>
+                          <a:spcPts val="0"/>
+                        </a:spcBef>
+                        <a:spcAft>
+                          <a:spcPts val="0"/>
+                        </a:spcAft>
+                        <a:buFontTx/>
+                        <a:buNone/>
+                      </a:pPr>
+                      <a:r>
+                        <a:rPr lang="en-US" altLang="ko-KR" sz="1800" dirty="0" smtClean="0">
+                          <a:solidFill>
+                            <a:schemeClr val="dk1"/>
+                          </a:solidFill>
+                          <a:latin typeface="맑은 고딕" charset="0"/>
+                          <a:ea typeface="맑은 고딕" charset="0"/>
+                        </a:rPr>
+                        <a:t>유닛 상태</a:t>
+                      </a:r>
+                      <a:endParaRPr lang="ko-KR" altLang="en-US" sz="1800" dirty="0" smtClean="0">
+                        <a:solidFill>
+                          <a:schemeClr val="dk1"/>
+                        </a:solidFill>
+                        <a:latin typeface="맑은 고딕" charset="0"/>
+                        <a:ea typeface="맑은 고딕" charset="0"/>
+                      </a:endParaRPr>
+                    </a:p>
+                  </a:txBody>
+                  <a:tcPr marL="90170" marR="90170" marT="46990" marB="46990" anchor="t"/>
+                </a:tc>
+                <a:tc hMerge="1">
+                  <a:txBody>
+                    <a:bodyPr/>
+                    <a:lstStyle/>
+                    <a:p>
+                      <a:pPr>
+                        <a:buFontTx/>
+                        <a:buNone/>
+                      </a:pPr>
+                      <a:endParaRPr lang="ko-KR" altLang="en-US" dirty="0" smtClean="0"/>
+                    </a:p>
+                  </a:txBody>
+                </a:tc>
                 <a:tc>
                   <a:txBody>
                     <a:bodyPr/>
                     <a:lstStyle/>
                     <a:p>
-                      <a:pPr marL="0" indent="0" algn="l" fontAlgn="auto" defTabSz="508000">
+                      <a:pPr marL="0" indent="0" algn="l" fontAlgn="auto" defTabSz="508000" eaLnBrk="0">
                         <a:lnSpc>
                           <a:spcPct val="100000"/>
                         </a:lnSpc>
@@ -5868,6 +8040,84 @@
                           <a:latin typeface="맑은 고딕" charset="0"/>
                           <a:ea typeface="맑은 고딕" charset="0"/>
                         </a:rPr>
+                        <a:t>전투,이동,죽음,IDLE</a:t>
+                      </a:r>
+                      <a:endParaRPr lang="ko-KR" altLang="en-US" sz="1800" dirty="0" smtClean="0">
+                        <a:solidFill>
+                          <a:schemeClr val="dk1"/>
+                        </a:solidFill>
+                        <a:latin typeface="맑은 고딕" charset="0"/>
+                        <a:ea typeface="맑은 고딕" charset="0"/>
+                      </a:endParaRPr>
+                    </a:p>
+                  </a:txBody>
+                  <a:tcPr marL="90170" marR="90170" marT="46990" marB="46990" anchor="t"/>
+                </a:tc>
+                <a:tc>
+                  <a:txBody>
+                    <a:bodyPr/>
+                    <a:lstStyle/>
+                    <a:p>
+                      <a:pPr marL="0" indent="0" algn="l" fontAlgn="auto" defTabSz="508000" eaLnBrk="0">
+                        <a:lnSpc>
+                          <a:spcPct val="100000"/>
+                        </a:lnSpc>
+                        <a:spcBef>
+                          <a:spcPts val="0"/>
+                        </a:spcBef>
+                        <a:spcAft>
+                          <a:spcPts val="0"/>
+                        </a:spcAft>
+                        <a:buFontTx/>
+                        <a:buNone/>
+                      </a:pPr>
+                      <a:r>
+                        <a:rPr lang="en-US" altLang="ko-KR" sz="1800" dirty="0" smtClean="0">
+                          <a:solidFill>
+                            <a:schemeClr val="dk1"/>
+                          </a:solidFill>
+                          <a:latin typeface="맑은 고딕" charset="0"/>
+                          <a:ea typeface="맑은 고딕" charset="0"/>
+                        </a:rPr>
+                        <a:t>전투,이동,죽음,IDLE</a:t>
+                      </a:r>
+                      <a:endParaRPr lang="ko-KR" altLang="en-US" sz="1800" dirty="0" smtClean="0">
+                        <a:solidFill>
+                          <a:schemeClr val="dk1"/>
+                        </a:solidFill>
+                        <a:latin typeface="맑은 고딕" charset="0"/>
+                        <a:ea typeface="맑은 고딕" charset="0"/>
+                      </a:endParaRPr>
+                    </a:p>
+                  </a:txBody>
+                  <a:tcPr marL="90170" marR="90170" marT="46990" marB="46990" anchor="t"/>
+                </a:tc>
+                <a:tc>
+                  <a:txBody>
+                    <a:bodyPr/>
+                    <a:lstStyle/>
+                    <a:p>
+                      <a:pPr marL="0" indent="0" algn="l" fontAlgn="auto" defTabSz="508000" eaLnBrk="0">
+                        <a:lnSpc>
+                          <a:spcPct val="100000"/>
+                        </a:lnSpc>
+                        <a:spcBef>
+                          <a:spcPts val="0"/>
+                        </a:spcBef>
+                        <a:spcAft>
+                          <a:spcPts val="0"/>
+                        </a:spcAft>
+                        <a:buFontTx/>
+                        <a:buNone/>
+                      </a:pPr>
+                      <a:r>
+                        <a:rPr lang="en-US" altLang="ko-KR" sz="1800" dirty="0" smtClean="0">
+                          <a:solidFill>
+                            <a:schemeClr val="dk1"/>
+                          </a:solidFill>
+                          <a:latin typeface="맑은 고딕" charset="0"/>
+                          <a:ea typeface="맑은 고딕" charset="0"/>
+                        </a:rPr>
                         <a:t>100%</a:t>
                       </a:r>
                       <a:endParaRPr lang="ko-KR" altLang="en-US" sz="1800" dirty="0" smtClean="0">
@@ -5882,13 +8132,65 @@
                   <a:tcPr marL="90170" marR="90170" marT="46990" marB="46990" anchor="t"/>
                 </a:tc>
               </a:tr>
-              <a:tr h="1374140">
+              <a:tr h="1267460">
+                <a:tc gridSpan="2">
+                  <a:txBody>
+                    <a:bodyPr/>
+                    <a:lstStyle/>
+                    <a:p>
+                      <a:pPr marL="0" indent="0" algn="l" fontAlgn="auto" defTabSz="508000" eaLnBrk="0">
+                        <a:lnSpc>
+                          <a:spcPct val="100000"/>
+                        </a:lnSpc>
+                        <a:spcBef>
+                          <a:spcPts val="0"/>
+                        </a:spcBef>
+                        <a:spcAft>
+                          <a:spcPts val="0"/>
+                        </a:spcAft>
+                        <a:buFontTx/>
+                        <a:buNone/>
+                      </a:pPr>
+                      <a:r>
+                        <a:rPr lang="en-US" altLang="ko-KR" sz="1800" dirty="0" smtClean="0">
+                          <a:solidFill>
+                            <a:schemeClr val="dk1"/>
+                          </a:solidFill>
+                          <a:latin typeface="맑은 고딕" charset="0"/>
+                          <a:ea typeface="맑은 고딕" charset="0"/>
+                        </a:rPr>
+                        <a:t>게임기능</a:t>
+                      </a:r>
+                      <a:endParaRPr lang="ko-KR" altLang="en-US" sz="1800" dirty="0" smtClean="0">
+                        <a:solidFill>
+                          <a:schemeClr val="dk1"/>
+                        </a:solidFill>
+                        <a:latin typeface="맑은 고딕" charset="0"/>
+                        <a:ea typeface="맑은 고딕" charset="0"/>
+                      </a:endParaRPr>
+                    </a:p>
+                  </a:txBody>
+                  <a:tcPr marL="90170" marR="90170" marT="46990" marB="46990" anchor="t"/>
+                </a:tc>
+                <a:tc hMerge="1">
+                  <a:txBody>
+                    <a:bodyPr/>
+                    <a:lstStyle/>
+                    <a:p>
+                      <a:pPr>
+                        <a:buFontTx/>
+                        <a:buNone/>
+                      </a:pPr>
+                      <a:endParaRPr lang="ko-KR" altLang="en-US" dirty="0" smtClean="0"/>
+                    </a:p>
+                  </a:txBody>
+                </a:tc>
                 <a:tc>
                   <a:txBody>
                     <a:bodyPr/>
                     <a:lstStyle/>
                     <a:p>
-                      <a:pPr marL="0" indent="0" algn="l" fontAlgn="auto" defTabSz="508000">
+                      <a:pPr marL="0" indent="0" algn="l" fontAlgn="auto" defTabSz="508000" eaLnBrk="0">
                         <a:lnSpc>
                           <a:spcPct val="100000"/>
                         </a:lnSpc>
@@ -5909,7 +8211,7 @@
                           <a:latin typeface="맑은 고딕" charset="0"/>
                           <a:ea typeface="맑은 고딕" charset="0"/>
                         </a:rPr>
-                        <a:t>이펙트</a:t>
+                        <a:t>HPbar</a:t>
                       </a:r>
                       <a:endParaRPr lang="ko-KR" altLang="en-US" sz="1800" dirty="0" smtClean="0">
                         <a:solidFill>
@@ -5919,6 +8221,102 @@
                         <a:ea typeface="맑은 고딕" charset="0"/>
                       </a:endParaRPr>
                     </a:p>
+                    <a:p>
+                      <a:pPr marL="0" indent="0" algn="l" fontAlgn="auto" defTabSz="508000" eaLnBrk="0">
+                        <a:lnSpc>
+                          <a:spcPct val="100000"/>
+                        </a:lnSpc>
+                        <a:spcBef>
+                          <a:spcPts val="0"/>
+                        </a:spcBef>
+                        <a:spcAft>
+                          <a:spcPts val="0"/>
+                        </a:spcAft>
+                        <a:buFontTx/>
+                        <a:buNone/>
+                      </a:pPr>
+                      <a:r>
+                        <a:rPr lang="en-US" altLang="ko-KR" sz="1800" dirty="0" smtClean="0">
+                          <a:solidFill>
+                            <a:schemeClr val="dk1"/>
+                          </a:solidFill>
+                          <a:latin typeface="맑은 고딕" charset="0"/>
+                          <a:ea typeface="맑은 고딕" charset="0"/>
+                        </a:rPr>
+                        <a:t>충돌처리</a:t>
+                      </a:r>
+                      <a:endParaRPr lang="ko-KR" altLang="en-US" sz="1800" dirty="0" smtClean="0">
+                        <a:solidFill>
+                          <a:schemeClr val="dk1"/>
+                        </a:solidFill>
+                        <a:latin typeface="맑은 고딕" charset="0"/>
+                        <a:ea typeface="맑은 고딕" charset="0"/>
+                      </a:endParaRPr>
+                    </a:p>
+                    <a:p>
+                      <a:pPr marL="0" indent="0" algn="l" fontAlgn="auto" defTabSz="508000" eaLnBrk="0">
+                        <a:lnSpc>
+                          <a:spcPct val="100000"/>
+                        </a:lnSpc>
+                        <a:spcBef>
+                          <a:spcPts val="0"/>
+                        </a:spcBef>
+                        <a:spcAft>
+                          <a:spcPts val="0"/>
+                        </a:spcAft>
+                        <a:buFontTx/>
+                        <a:buNone/>
+                      </a:pPr>
+                      <a:r>
+                        <a:rPr lang="en-US" altLang="ko-KR" sz="1800" dirty="0" smtClean="0">
+                          <a:solidFill>
+                            <a:schemeClr val="dk1"/>
+                          </a:solidFill>
+                          <a:latin typeface="맑은 고딕" charset="0"/>
+                          <a:ea typeface="맑은 고딕" charset="0"/>
+                        </a:rPr>
+                        <a:t>게임내 재화</a:t>
+                      </a:r>
+                      <a:endParaRPr lang="ko-KR" altLang="en-US" sz="1800" dirty="0" smtClean="0">
+                        <a:solidFill>
+                          <a:schemeClr val="dk1"/>
+                        </a:solidFill>
+                        <a:latin typeface="맑은 고딕" charset="0"/>
+                        <a:ea typeface="맑은 고딕" charset="0"/>
+                      </a:endParaRPr>
+                    </a:p>
+                    <a:p>
+                      <a:pPr marL="0" indent="0" algn="l" fontAlgn="auto" defTabSz="508000" eaLnBrk="0">
+                        <a:lnSpc>
+                          <a:spcPct val="100000"/>
+                        </a:lnSpc>
+                        <a:spcBef>
+                          <a:spcPts val="0"/>
+                        </a:spcBef>
+                        <a:spcAft>
+                          <a:spcPts val="0"/>
+                        </a:spcAft>
+                        <a:buFontTx/>
+                        <a:buNone/>
+                      </a:pPr>
+                      <a:r>
+                        <a:rPr lang="en-US" altLang="ko-KR" sz="1800" dirty="0" smtClean="0">
+                          <a:solidFill>
+                            <a:schemeClr val="dk1"/>
+                          </a:solidFill>
+                          <a:latin typeface="맑은 고딕" charset="0"/>
+                          <a:ea typeface="맑은 고딕" charset="0"/>
+                        </a:rPr>
+                        <a:t>맵 스크롤링</a:t>
+                      </a:r>
+                      <a:endParaRPr lang="ko-KR" altLang="en-US" sz="1800" dirty="0" smtClean="0">
+                        <a:solidFill>
+                          <a:schemeClr val="dk1"/>
+                        </a:solidFill>
+                        <a:latin typeface="맑은 고딕" charset="0"/>
+                        <a:ea typeface="맑은 고딕" charset="0"/>
+                      </a:endParaRPr>
+                    </a:p>
                   </a:txBody>
                   <a:tcPr marL="90170" marR="90170" marT="46990" marB="46990" anchor="t"/>
                 </a:tc>
@@ -5927,7 +8325,7 @@
                     <a:bodyPr/>
                     <a:lstStyle/>
                     <a:p>
-                      <a:pPr marL="0" indent="0" algn="l" fontAlgn="auto" defTabSz="508000">
+                      <a:pPr marL="0" indent="0" algn="l" fontAlgn="auto" defTabSz="508000" eaLnBrk="0">
                         <a:lnSpc>
                           <a:spcPct val="100000"/>
                         </a:lnSpc>
@@ -5948,7 +8346,7 @@
                           <a:latin typeface="맑은 고딕" charset="0"/>
                           <a:ea typeface="맑은 고딕" charset="0"/>
                         </a:rPr>
-                        <a:t>대포알의 폭발 이펙트</a:t>
+                        <a:t>HPbar</a:t>
                       </a:r>
                       <a:endParaRPr lang="ko-KR" altLang="en-US" sz="1800" dirty="0" smtClean="0">
                         <a:solidFill>
@@ -5959,7 +8357,7 @@
                       </a:endParaRPr>
                     </a:p>
                     <a:p>
-                      <a:pPr marL="0" indent="0" algn="l" fontAlgn="auto" defTabSz="508000">
+                      <a:pPr marL="0" indent="0" algn="l" fontAlgn="auto" defTabSz="508000" eaLnBrk="0">
                         <a:lnSpc>
                           <a:spcPct val="100000"/>
                         </a:lnSpc>
@@ -5980,7 +8378,7 @@
                           <a:latin typeface="맑은 고딕" charset="0"/>
                           <a:ea typeface="맑은 고딕" charset="0"/>
                         </a:rPr>
-                        <a:t>유닛끼리 싸울때 이펙트</a:t>
+                        <a:t>충돌처리</a:t>
                       </a:r>
                       <a:endParaRPr lang="ko-KR" altLang="en-US" sz="1800" dirty="0" smtClean="0">
                         <a:solidFill>
@@ -5990,6 +8388,70 @@
                         <a:ea typeface="맑은 고딕" charset="0"/>
                       </a:endParaRPr>
                     </a:p>
+                    <a:p>
+                      <a:pPr marL="0" indent="0" algn="l" fontAlgn="auto" defTabSz="508000" eaLnBrk="0">
+                        <a:lnSpc>
+                          <a:spcPct val="100000"/>
+                        </a:lnSpc>
+                        <a:spcBef>
+                          <a:spcPts val="0"/>
+                        </a:spcBef>
+                        <a:spcAft>
+                          <a:spcPts val="0"/>
+                        </a:spcAft>
+                        <a:buFontTx/>
+                        <a:buNone/>
+                      </a:pPr>
+                      <a:r>
+                        <a:rPr lang="en-US" altLang="ko-KR" sz="1800" dirty="0" smtClean="0">
+                          <a:solidFill>
+                            <a:schemeClr val="dk1"/>
+                          </a:solidFill>
+                          <a:latin typeface="맑은 고딕" charset="0"/>
+                          <a:ea typeface="맑은 고딕" charset="0"/>
+                        </a:rPr>
+                        <a:t>게임내 재화</a:t>
+                      </a:r>
+                      <a:endParaRPr lang="ko-KR" altLang="en-US" sz="1800" dirty="0" smtClean="0">
+                        <a:solidFill>
+                          <a:schemeClr val="dk1"/>
+                        </a:solidFill>
+                        <a:latin typeface="맑은 고딕" charset="0"/>
+                        <a:ea typeface="맑은 고딕" charset="0"/>
+                      </a:endParaRPr>
+                    </a:p>
+                    <a:p>
+                      <a:pPr marL="0" indent="0" algn="l" fontAlgn="auto" defTabSz="508000" eaLnBrk="0">
+                        <a:lnSpc>
+                          <a:spcPct val="100000"/>
+                        </a:lnSpc>
+                        <a:spcBef>
+                          <a:spcPts val="0"/>
+                        </a:spcBef>
+                        <a:spcAft>
+                          <a:spcPts val="0"/>
+                        </a:spcAft>
+                        <a:buFontTx/>
+                        <a:buNone/>
+                      </a:pPr>
+                      <a:r>
+                        <a:rPr lang="en-US" altLang="ko-KR" sz="1800" dirty="0" smtClean="0">
+                          <a:solidFill>
+                            <a:schemeClr val="dk1"/>
+                          </a:solidFill>
+                          <a:latin typeface="맑은 고딕" charset="0"/>
+                          <a:ea typeface="맑은 고딕" charset="0"/>
+                        </a:rPr>
+                        <a:t>맵 스크롤링</a:t>
+                      </a:r>
+                      <a:endParaRPr lang="ko-KR" altLang="en-US" sz="1800" dirty="0" smtClean="0">
+                        <a:solidFill>
+                          <a:schemeClr val="dk1"/>
+                        </a:solidFill>
+                        <a:latin typeface="맑은 고딕" charset="0"/>
+                        <a:ea typeface="맑은 고딕" charset="0"/>
+                      </a:endParaRPr>
+                    </a:p>
                   </a:txBody>
                   <a:tcPr marL="90170" marR="90170" marT="46990" marB="46990" anchor="t"/>
                 </a:tc>
@@ -5998,7 +8460,7 @@
                     <a:bodyPr/>
                     <a:lstStyle/>
                     <a:p>
-                      <a:pPr marL="0" indent="0" algn="l" fontAlgn="auto" defTabSz="508000">
+                      <a:pPr marL="0" indent="0" algn="l" fontAlgn="auto" defTabSz="508000" eaLnBrk="0">
                         <a:lnSpc>
                           <a:spcPct val="100000"/>
                         </a:lnSpc>
@@ -6019,7 +8481,7 @@
                           <a:latin typeface="맑은 고딕" charset="0"/>
                           <a:ea typeface="맑은 고딕" charset="0"/>
                         </a:rPr>
-                        <a:t>대포알의 폭발 이펙트</a:t>
+                        <a:t>100%</a:t>
                       </a:r>
                       <a:endParaRPr lang="ko-KR" altLang="en-US" sz="1800" dirty="0" smtClean="0">
                         <a:solidFill>
@@ -6032,12 +8494,66 @@
                   </a:txBody>
                   <a:tcPr marL="90170" marR="90170" marT="46990" marB="46990" anchor="t"/>
                 </a:tc>
+              </a:tr>
+              <a:tr h="1266190">
+                <a:tc gridSpan="2">
+                  <a:txBody>
+                    <a:bodyPr/>
+                    <a:lstStyle/>
+                    <a:p>
+                      <a:pPr marL="0" indent="0" algn="l" fontAlgn="auto" defTabSz="508000" eaLnBrk="0">
+                        <a:lnSpc>
+                          <a:spcPct val="100000"/>
+                        </a:lnSpc>
+                        <a:spcBef>
+                          <a:spcPts val="0"/>
+                        </a:spcBef>
+                        <a:spcAft>
+                          <a:spcPts val="0"/>
+                        </a:spcAft>
+                        <a:buFontTx/>
+                        <a:buNone/>
+                      </a:pPr>
+                      <a:r>
+                        <a:rPr lang="en-US" altLang="ko-KR" sz="1800" dirty="0" smtClean="0">
+                          <a:solidFill>
+                            <a:schemeClr val="dk1"/>
+                          </a:solidFill>
+                          <a:latin typeface="맑은 고딕" charset="0"/>
+                          <a:ea typeface="맑은 고딕" charset="0"/>
+                        </a:rPr>
+                        <a:t>사운드</a:t>
+                      </a:r>
+                      <a:endParaRPr lang="ko-KR" altLang="en-US" sz="1800" dirty="0" smtClean="0">
+                        <a:solidFill>
+                          <a:schemeClr val="dk1"/>
+                        </a:solidFill>
+                        <a:latin typeface="맑은 고딕" charset="0"/>
+                        <a:ea typeface="맑은 고딕" charset="0"/>
+                      </a:endParaRPr>
+                    </a:p>
+                  </a:txBody>
+                  <a:tcPr marL="90170" marR="90170" marT="46990" marB="46990" anchor="t"/>
+                </a:tc>
+                <a:tc hMerge="1">
+                  <a:txBody>
+                    <a:bodyPr/>
+                    <a:lstStyle/>
+                    <a:p>
+                      <a:pPr>
+                        <a:buFontTx/>
+                        <a:buNone/>
+                      </a:pPr>
+                      <a:endParaRPr lang="ko-KR" altLang="en-US" dirty="0" smtClean="0"/>
+                    </a:p>
+                  </a:txBody>
+                </a:tc>
                 <a:tc>
                   <a:txBody>
                     <a:bodyPr/>
                     <a:lstStyle/>
                     <a:p>
-                      <a:pPr marL="0" indent="0" algn="l" fontAlgn="auto" defTabSz="508000">
+                      <a:pPr marL="0" indent="0" algn="l" fontAlgn="auto" defTabSz="508000" eaLnBrk="0">
                         <a:lnSpc>
                           <a:spcPct val="100000"/>
                         </a:lnSpc>
@@ -6058,6 +8574,180 @@
                           <a:latin typeface="맑은 고딕" charset="0"/>
                           <a:ea typeface="맑은 고딕" charset="0"/>
                         </a:rPr>
+                        <a:t>배경음악</a:t>
+                      </a:r>
+                      <a:endParaRPr lang="ko-KR" altLang="en-US" sz="1800" dirty="0" smtClean="0">
+                        <a:solidFill>
+                          <a:schemeClr val="dk1"/>
+                        </a:solidFill>
+                        <a:latin typeface="맑은 고딕" charset="0"/>
+                        <a:ea typeface="맑은 고딕" charset="0"/>
+                      </a:endParaRPr>
+                    </a:p>
+                    <a:p>
+                      <a:pPr marL="0" indent="0" algn="l" fontAlgn="auto" defTabSz="508000" eaLnBrk="0">
+                        <a:lnSpc>
+                          <a:spcPct val="100000"/>
+                        </a:lnSpc>
+                        <a:spcBef>
+                          <a:spcPts val="0"/>
+                        </a:spcBef>
+                        <a:spcAft>
+                          <a:spcPts val="0"/>
+                        </a:spcAft>
+                        <a:buFontTx/>
+                        <a:buNone/>
+                      </a:pPr>
+                      <a:r>
+                        <a:rPr lang="en-US" altLang="ko-KR" sz="1800" dirty="0" smtClean="0">
+                          <a:solidFill>
+                            <a:schemeClr val="dk1"/>
+                          </a:solidFill>
+                          <a:latin typeface="맑은 고딕" charset="0"/>
+                          <a:ea typeface="맑은 고딕" charset="0"/>
+                        </a:rPr>
+                        <a:t>무기휘두르는 소리</a:t>
+                      </a:r>
+                      <a:endParaRPr lang="ko-KR" altLang="en-US" sz="1800" dirty="0" smtClean="0">
+                        <a:solidFill>
+                          <a:schemeClr val="dk1"/>
+                        </a:solidFill>
+                        <a:latin typeface="맑은 고딕" charset="0"/>
+                        <a:ea typeface="맑은 고딕" charset="0"/>
+                      </a:endParaRPr>
+                    </a:p>
+                    <a:p>
+                      <a:pPr marL="0" indent="0" algn="l" fontAlgn="auto" defTabSz="508000" eaLnBrk="0">
+                        <a:lnSpc>
+                          <a:spcPct val="100000"/>
+                        </a:lnSpc>
+                        <a:spcBef>
+                          <a:spcPts val="0"/>
+                        </a:spcBef>
+                        <a:spcAft>
+                          <a:spcPts val="0"/>
+                        </a:spcAft>
+                        <a:buFontTx/>
+                        <a:buNone/>
+                      </a:pPr>
+                      <a:r>
+                        <a:rPr lang="en-US" altLang="ko-KR" sz="1800" dirty="0" smtClean="0">
+                          <a:solidFill>
+                            <a:schemeClr val="dk1"/>
+                          </a:solidFill>
+                          <a:latin typeface="맑은 고딕" charset="0"/>
+                          <a:ea typeface="맑은 고딕" charset="0"/>
+                        </a:rPr>
+                        <a:t>유닛 죽는소리</a:t>
+                      </a:r>
+                      <a:endParaRPr lang="ko-KR" altLang="en-US" sz="1800" dirty="0" smtClean="0">
+                        <a:solidFill>
+                          <a:schemeClr val="dk1"/>
+                        </a:solidFill>
+                        <a:latin typeface="맑은 고딕" charset="0"/>
+                        <a:ea typeface="맑은 고딕" charset="0"/>
+                      </a:endParaRPr>
+                    </a:p>
+                    <a:p>
+                      <a:pPr marL="0" indent="0" algn="l" fontAlgn="auto" defTabSz="508000" eaLnBrk="0">
+                        <a:lnSpc>
+                          <a:spcPct val="100000"/>
+                        </a:lnSpc>
+                        <a:spcBef>
+                          <a:spcPts val="0"/>
+                        </a:spcBef>
+                        <a:spcAft>
+                          <a:spcPts val="0"/>
+                        </a:spcAft>
+                        <a:buFontTx/>
+                        <a:buNone/>
+                      </a:pPr>
+                      <a:r>
+                        <a:rPr lang="en-US" altLang="ko-KR" sz="1800" dirty="0" smtClean="0">
+                          <a:solidFill>
+                            <a:schemeClr val="dk1"/>
+                          </a:solidFill>
+                          <a:latin typeface="맑은 고딕" charset="0"/>
+                          <a:ea typeface="맑은 고딕" charset="0"/>
+                        </a:rPr>
+                        <a:t>게임 승리 또는 패배시 나는 소리</a:t>
+                      </a:r>
+                      <a:endParaRPr lang="ko-KR" altLang="en-US" sz="1800" dirty="0" smtClean="0">
+                        <a:solidFill>
+                          <a:schemeClr val="dk1"/>
+                        </a:solidFill>
+                        <a:latin typeface="맑은 고딕" charset="0"/>
+                        <a:ea typeface="맑은 고딕" charset="0"/>
+                      </a:endParaRPr>
+                    </a:p>
+                  </a:txBody>
+                  <a:tcPr marL="90170" marR="90170" marT="46990" marB="46990" anchor="t"/>
+                </a:tc>
+                <a:tc>
+                  <a:txBody>
+                    <a:bodyPr/>
+                    <a:lstStyle/>
+                    <a:p>
+                      <a:pPr marL="0" indent="0" algn="l" fontAlgn="auto" defTabSz="508000" eaLnBrk="0">
+                        <a:lnSpc>
+                          <a:spcPct val="100000"/>
+                        </a:lnSpc>
+                        <a:spcBef>
+                          <a:spcPts val="0"/>
+                        </a:spcBef>
+                        <a:spcAft>
+                          <a:spcPts val="0"/>
+                        </a:spcAft>
+                        <a:buFontTx/>
+                        <a:buNone/>
+                      </a:pPr>
+                      <a:r>
+                        <a:rPr lang="en-US" altLang="ko-KR" sz="1800" dirty="0" smtClean="0">
+                          <a:solidFill>
+                            <a:schemeClr val="dk1"/>
+                          </a:solidFill>
+                          <a:latin typeface="맑은 고딕" charset="0"/>
+                          <a:ea typeface="맑은 고딕" charset="0"/>
+                        </a:rPr>
+                        <a:t>리소스 수집만 완료</a:t>
+                      </a:r>
+                      <a:endParaRPr lang="ko-KR" altLang="en-US" sz="1800" dirty="0" smtClean="0">
+                        <a:solidFill>
+                          <a:schemeClr val="dk1"/>
+                        </a:solidFill>
+                        <a:latin typeface="맑은 고딕" charset="0"/>
+                        <a:ea typeface="맑은 고딕" charset="0"/>
+                      </a:endParaRPr>
+                    </a:p>
+                  </a:txBody>
+                  <a:tcPr marL="90170" marR="90170" marT="46990" marB="46990" anchor="t"/>
+                </a:tc>
+                <a:tc>
+                  <a:txBody>
+                    <a:bodyPr/>
+                    <a:lstStyle/>
+                    <a:p>
+                      <a:pPr marL="0" indent="0" algn="l" fontAlgn="auto" defTabSz="508000" eaLnBrk="0">
+                        <a:lnSpc>
+                          <a:spcPct val="100000"/>
+                        </a:lnSpc>
+                        <a:spcBef>
+                          <a:spcPts val="0"/>
+                        </a:spcBef>
+                        <a:spcAft>
+                          <a:spcPts val="0"/>
+                        </a:spcAft>
+                        <a:buFontTx/>
+                        <a:buNone/>
+                      </a:pPr>
+                      <a:r>
+                        <a:rPr lang="en-US" altLang="ko-KR" sz="1800" dirty="0" smtClean="0">
+                          <a:solidFill>
+                            <a:schemeClr val="dk1"/>
+                          </a:solidFill>
+                          <a:latin typeface="맑은 고딕" charset="0"/>
+                          <a:ea typeface="맑은 고딕" charset="0"/>
+                        </a:rPr>
                         <a:t>50%</a:t>
                       </a:r>
                       <a:endParaRPr lang="ko-KR" altLang="en-US" sz="1800" dirty="0" smtClean="0">
@@ -6072,13 +8762,65 @@
                   <a:tcPr marL="90170" marR="90170" marT="46990" marB="46990" anchor="t"/>
                 </a:tc>
               </a:tr>
-              <a:tr h="741045">
+              <a:tr h="485775">
+                <a:tc gridSpan="2">
+                  <a:txBody>
+                    <a:bodyPr/>
+                    <a:lstStyle/>
+                    <a:p>
+                      <a:pPr marL="0" indent="0" algn="l" fontAlgn="auto" defTabSz="508000" eaLnBrk="0">
+                        <a:lnSpc>
+                          <a:spcPct val="100000"/>
+                        </a:lnSpc>
+                        <a:spcBef>
+                          <a:spcPts val="0"/>
+                        </a:spcBef>
+                        <a:spcAft>
+                          <a:spcPts val="0"/>
+                        </a:spcAft>
+                        <a:buFontTx/>
+                        <a:buNone/>
+                      </a:pPr>
+                      <a:r>
+                        <a:rPr lang="en-US" altLang="ko-KR" sz="1800" dirty="0" smtClean="0">
+                          <a:solidFill>
+                            <a:schemeClr val="dk1"/>
+                          </a:solidFill>
+                          <a:latin typeface="맑은 고딕" charset="0"/>
+                          <a:ea typeface="맑은 고딕" charset="0"/>
+                        </a:rPr>
+                        <a:t>애니메이션</a:t>
+                      </a:r>
+                      <a:endParaRPr lang="ko-KR" altLang="en-US" sz="1800" dirty="0" smtClean="0">
+                        <a:solidFill>
+                          <a:schemeClr val="dk1"/>
+                        </a:solidFill>
+                        <a:latin typeface="맑은 고딕" charset="0"/>
+                        <a:ea typeface="맑은 고딕" charset="0"/>
+                      </a:endParaRPr>
+                    </a:p>
+                  </a:txBody>
+                  <a:tcPr marL="90170" marR="90170" marT="46990" marB="46990" anchor="t"/>
+                </a:tc>
+                <a:tc hMerge="1">
+                  <a:txBody>
+                    <a:bodyPr/>
+                    <a:lstStyle/>
+                    <a:p>
+                      <a:pPr>
+                        <a:buFontTx/>
+                        <a:buNone/>
+                      </a:pPr>
+                      <a:endParaRPr lang="ko-KR" altLang="en-US" dirty="0" smtClean="0"/>
+                    </a:p>
+                  </a:txBody>
+                </a:tc>
                 <a:tc>
                   <a:txBody>
                     <a:bodyPr/>
                     <a:lstStyle/>
                     <a:p>
-                      <a:pPr marL="0" indent="0" algn="l" fontAlgn="auto" defTabSz="508000">
+                      <a:pPr marL="0" indent="0" algn="l" fontAlgn="auto" defTabSz="508000" eaLnBrk="0">
                         <a:lnSpc>
                           <a:spcPct val="100000"/>
                         </a:lnSpc>
@@ -6099,7 +8841,7 @@
                           <a:latin typeface="맑은 고딕" charset="0"/>
                           <a:ea typeface="맑은 고딕" charset="0"/>
                         </a:rPr>
-                        <a:t>유닛 상태</a:t>
+                        <a:t>각 상태에 따른 애니메이션</a:t>
                       </a:r>
                       <a:endParaRPr lang="ko-KR" altLang="en-US" sz="1800" dirty="0" smtClean="0">
                         <a:solidFill>
@@ -6117,7 +8859,7 @@
                     <a:bodyPr/>
                     <a:lstStyle/>
                     <a:p>
-                      <a:pPr marL="0" indent="0" algn="l" fontAlgn="auto" defTabSz="508000">
+                      <a:pPr marL="0" indent="0" algn="l" fontAlgn="auto" defTabSz="508000" eaLnBrk="0">
                         <a:lnSpc>
                           <a:spcPct val="100000"/>
                         </a:lnSpc>
@@ -6138,7 +8880,7 @@
                           <a:latin typeface="맑은 고딕" charset="0"/>
                           <a:ea typeface="맑은 고딕" charset="0"/>
                         </a:rPr>
-                        <a:t>전투,이동,죽음,IDLE</a:t>
+                        <a:t>각 상태에 따른 애니메이션</a:t>
                       </a:r>
                       <a:endParaRPr lang="ko-KR" altLang="en-US" sz="1800" dirty="0" smtClean="0">
                         <a:solidFill>
@@ -6156,7 +8898,7 @@
                     <a:bodyPr/>
                     <a:lstStyle/>
                     <a:p>
-                      <a:pPr marL="0" indent="0" algn="l" fontAlgn="auto" defTabSz="508000">
+                      <a:pPr marL="0" indent="0" algn="l" fontAlgn="auto" defTabSz="508000" eaLnBrk="0">
                         <a:lnSpc>
                           <a:spcPct val="100000"/>
                         </a:lnSpc>
@@ -6177,7 +8919,7 @@
                           <a:latin typeface="맑은 고딕" charset="0"/>
                           <a:ea typeface="맑은 고딕" charset="0"/>
                         </a:rPr>
-                        <a:t>전투,이동,죽음,IDLE</a:t>
+                        <a:t>100%</a:t>
                       </a:r>
                       <a:endParaRPr lang="ko-KR" altLang="en-US" sz="1800" dirty="0" smtClean="0">
                         <a:solidFill>
@@ -6190,12 +8932,14 @@
                   </a:txBody>
                   <a:tcPr marL="90170" marR="90170" marT="46990" marB="46990" anchor="t"/>
                 </a:tc>
+              </a:tr>
+              <a:tr h="876300">
                 <a:tc>
                   <a:txBody>
                     <a:bodyPr/>
                     <a:lstStyle/>
                     <a:p>
-                      <a:pPr marL="0" indent="0" algn="l" fontAlgn="auto" defTabSz="508000">
+                      <a:pPr marL="0" indent="0" algn="l" fontAlgn="auto" defTabSz="508000" eaLnBrk="0">
                         <a:lnSpc>
                           <a:spcPct val="100000"/>
                         </a:lnSpc>
@@ -6216,7 +8960,7 @@
                           <a:latin typeface="맑은 고딕" charset="0"/>
                           <a:ea typeface="맑은 고딕" charset="0"/>
                         </a:rPr>
-                        <a:t>100%</a:t>
+                        <a:t>추가구현</a:t>
                       </a:r>
                       <a:endParaRPr lang="ko-KR" altLang="en-US" sz="1800" dirty="0" smtClean="0">
                         <a:solidFill>
@@ -6229,14 +8973,12 @@
                   </a:txBody>
                   <a:tcPr marL="90170" marR="90170" marT="46990" marB="46990" anchor="t"/>
                 </a:tc>
-              </a:tr>
-              <a:tr h="1374140">
-                <a:tc>
-                  <a:txBody>
-                    <a:bodyPr/>
-                    <a:lstStyle/>
-                    <a:p>
-                      <a:pPr marL="0" indent="0" algn="l" fontAlgn="auto" defTabSz="508000">
+                <a:tc gridSpan="4">
+                  <a:txBody>
+                    <a:bodyPr/>
+                    <a:lstStyle/>
+                    <a:p>
+                      <a:pPr marL="0" indent="0" algn="l" fontAlgn="auto" defTabSz="508000" eaLnBrk="0">
                         <a:lnSpc>
                           <a:spcPct val="100000"/>
                         </a:lnSpc>
@@ -6257,7 +8999,7 @@
                           <a:latin typeface="맑은 고딕" charset="0"/>
                           <a:ea typeface="맑은 고딕" charset="0"/>
                         </a:rPr>
-                        <a:t>게임기능</a:t>
+                        <a:t>캐릭터 생성GUI</a:t>
                       </a:r>
                       <a:endParaRPr lang="ko-KR" altLang="en-US" sz="1800" dirty="0" smtClean="0">
                         <a:solidFill>
@@ -6270,726 +9012,44 @@
                   </a:txBody>
                   <a:tcPr marL="90170" marR="90170" marT="46990" marB="46990" anchor="t"/>
                 </a:tc>
-                <a:tc>
-                  <a:txBody>
-                    <a:bodyPr/>
-                    <a:lstStyle/>
-                    <a:p>
-                      <a:pPr marL="0" indent="0" algn="l" fontAlgn="auto" defTabSz="508000">
-                        <a:lnSpc>
-                          <a:spcPct val="100000"/>
-                        </a:lnSpc>
-                        <a:spcBef>
-                          <a:spcPts val="0"/>
-                        </a:spcBef>
-                        <a:spcAft>
-                          <a:spcPts val="0"/>
-                        </a:spcAft>
-                        <a:buFontTx/>
-                        <a:buNone/>
-                      </a:pPr>
-                      <a:r>
-                        <a:rPr lang="en-US" altLang="ko-KR" sz="1800" dirty="0" smtClean="0">
-                          <a:solidFill>
-                            <a:schemeClr val="dk1"/>
-                          </a:solidFill>
-                          <a:latin typeface="맑은 고딕" charset="0"/>
-                          <a:ea typeface="맑은 고딕" charset="0"/>
-                        </a:rPr>
-                        <a:t>HPbar</a:t>
-                      </a:r>
-                      <a:endParaRPr lang="ko-KR" altLang="en-US" sz="1800" dirty="0" smtClean="0">
-                        <a:solidFill>
-                          <a:schemeClr val="dk1"/>
-                        </a:solidFill>
-                        <a:latin typeface="맑은 고딕" charset="0"/>
-                        <a:ea typeface="맑은 고딕" charset="0"/>
-                      </a:endParaRPr>
-                    </a:p>
-                    <a:p>
-                      <a:pPr marL="0" indent="0" algn="l" fontAlgn="auto" defTabSz="508000">
-                        <a:lnSpc>
-                          <a:spcPct val="100000"/>
-                        </a:lnSpc>
-                        <a:spcBef>
-                          <a:spcPts val="0"/>
-                        </a:spcBef>
-                        <a:spcAft>
-                          <a:spcPts val="0"/>
-                        </a:spcAft>
-                        <a:buFontTx/>
-                        <a:buNone/>
-                      </a:pPr>
-                      <a:r>
-                        <a:rPr lang="en-US" altLang="ko-KR" sz="1800" dirty="0" smtClean="0">
-                          <a:solidFill>
-                            <a:schemeClr val="dk1"/>
-                          </a:solidFill>
-                          <a:latin typeface="맑은 고딕" charset="0"/>
-                          <a:ea typeface="맑은 고딕" charset="0"/>
-                        </a:rPr>
-                        <a:t>충돌처리</a:t>
-                      </a:r>
-                      <a:endParaRPr lang="ko-KR" altLang="en-US" sz="1800" dirty="0" smtClean="0">
-                        <a:solidFill>
-                          <a:schemeClr val="dk1"/>
-                        </a:solidFill>
-                        <a:latin typeface="맑은 고딕" charset="0"/>
-                        <a:ea typeface="맑은 고딕" charset="0"/>
-                      </a:endParaRPr>
-                    </a:p>
-                    <a:p>
-                      <a:pPr marL="0" indent="0" algn="l" fontAlgn="auto" defTabSz="508000">
-                        <a:lnSpc>
-                          <a:spcPct val="100000"/>
-                        </a:lnSpc>
-                        <a:spcBef>
-                          <a:spcPts val="0"/>
-                        </a:spcBef>
-                        <a:spcAft>
-                          <a:spcPts val="0"/>
-                        </a:spcAft>
-                        <a:buFontTx/>
-                        <a:buNone/>
-                      </a:pPr>
-                      <a:r>
-                        <a:rPr lang="en-US" altLang="ko-KR" sz="1800" dirty="0" smtClean="0">
-                          <a:solidFill>
-                            <a:schemeClr val="dk1"/>
-                          </a:solidFill>
-                          <a:latin typeface="맑은 고딕" charset="0"/>
-                          <a:ea typeface="맑은 고딕" charset="0"/>
-                        </a:rPr>
-                        <a:t>게임내 재화</a:t>
-                      </a:r>
-                      <a:endParaRPr lang="ko-KR" altLang="en-US" sz="1800" dirty="0" smtClean="0">
-                        <a:solidFill>
-                          <a:schemeClr val="dk1"/>
-                        </a:solidFill>
-                        <a:latin typeface="맑은 고딕" charset="0"/>
-                        <a:ea typeface="맑은 고딕" charset="0"/>
-                      </a:endParaRPr>
-                    </a:p>
-                    <a:p>
-                      <a:pPr marL="0" indent="0" algn="l" fontAlgn="auto" defTabSz="508000">
-                        <a:lnSpc>
-                          <a:spcPct val="100000"/>
-                        </a:lnSpc>
-                        <a:spcBef>
-                          <a:spcPts val="0"/>
-                        </a:spcBef>
-                        <a:spcAft>
-                          <a:spcPts val="0"/>
-                        </a:spcAft>
-                        <a:buFontTx/>
-                        <a:buNone/>
-                      </a:pPr>
-                      <a:r>
-                        <a:rPr lang="en-US" altLang="ko-KR" sz="1800" dirty="0" smtClean="0">
-                          <a:solidFill>
-                            <a:schemeClr val="dk1"/>
-                          </a:solidFill>
-                          <a:latin typeface="맑은 고딕" charset="0"/>
-                          <a:ea typeface="맑은 고딕" charset="0"/>
-                        </a:rPr>
-                        <a:t>맵 스크롤링</a:t>
-                      </a:r>
-                      <a:endParaRPr lang="ko-KR" altLang="en-US" sz="1800" dirty="0" smtClean="0">
-                        <a:solidFill>
-                          <a:schemeClr val="dk1"/>
-                        </a:solidFill>
-                        <a:latin typeface="맑은 고딕" charset="0"/>
-                        <a:ea typeface="맑은 고딕" charset="0"/>
-                      </a:endParaRPr>
-                    </a:p>
-                  </a:txBody>
-                  <a:tcPr marL="90170" marR="90170" marT="46990" marB="46990" anchor="t"/>
-                </a:tc>
-                <a:tc>
-                  <a:txBody>
-                    <a:bodyPr/>
-                    <a:lstStyle/>
-                    <a:p>
-                      <a:pPr marL="0" indent="0" algn="l" fontAlgn="auto" defTabSz="508000">
-                        <a:lnSpc>
-                          <a:spcPct val="100000"/>
-                        </a:lnSpc>
-                        <a:spcBef>
-                          <a:spcPts val="0"/>
-                        </a:spcBef>
-                        <a:spcAft>
-                          <a:spcPts val="0"/>
-                        </a:spcAft>
-                        <a:buFontTx/>
-                        <a:buNone/>
-                      </a:pPr>
-                      <a:r>
-                        <a:rPr lang="en-US" altLang="ko-KR" sz="1800" dirty="0" smtClean="0">
-                          <a:solidFill>
-                            <a:schemeClr val="dk1"/>
-                          </a:solidFill>
-                          <a:latin typeface="맑은 고딕" charset="0"/>
-                          <a:ea typeface="맑은 고딕" charset="0"/>
-                        </a:rPr>
-                        <a:t>HPbar</a:t>
-                      </a:r>
-                      <a:endParaRPr lang="ko-KR" altLang="en-US" sz="1800" dirty="0" smtClean="0">
-                        <a:solidFill>
-                          <a:schemeClr val="dk1"/>
-                        </a:solidFill>
-                        <a:latin typeface="맑은 고딕" charset="0"/>
-                        <a:ea typeface="맑은 고딕" charset="0"/>
-                      </a:endParaRPr>
-                    </a:p>
-                    <a:p>
-                      <a:pPr marL="0" indent="0" algn="l" fontAlgn="auto" defTabSz="508000">
-                        <a:lnSpc>
-                          <a:spcPct val="100000"/>
-                        </a:lnSpc>
-                        <a:spcBef>
-                          <a:spcPts val="0"/>
-                        </a:spcBef>
-                        <a:spcAft>
-                          <a:spcPts val="0"/>
-                        </a:spcAft>
-                        <a:buFontTx/>
-                        <a:buNone/>
-                      </a:pPr>
-                      <a:r>
-                        <a:rPr lang="en-US" altLang="ko-KR" sz="1800" dirty="0" smtClean="0">
-                          <a:solidFill>
-                            <a:schemeClr val="dk1"/>
-                          </a:solidFill>
-                          <a:latin typeface="맑은 고딕" charset="0"/>
-                          <a:ea typeface="맑은 고딕" charset="0"/>
-                        </a:rPr>
-                        <a:t>충돌처리</a:t>
-                      </a:r>
-                      <a:endParaRPr lang="ko-KR" altLang="en-US" sz="1800" dirty="0" smtClean="0">
-                        <a:solidFill>
-                          <a:schemeClr val="dk1"/>
-                        </a:solidFill>
-                        <a:latin typeface="맑은 고딕" charset="0"/>
-                        <a:ea typeface="맑은 고딕" charset="0"/>
-                      </a:endParaRPr>
-                    </a:p>
-                    <a:p>
-                      <a:pPr marL="0" indent="0" algn="l" fontAlgn="auto" defTabSz="508000">
-                        <a:lnSpc>
-                          <a:spcPct val="100000"/>
-                        </a:lnSpc>
-                        <a:spcBef>
-                          <a:spcPts val="0"/>
-                        </a:spcBef>
-                        <a:spcAft>
-                          <a:spcPts val="0"/>
-                        </a:spcAft>
-                        <a:buFontTx/>
-                        <a:buNone/>
-                      </a:pPr>
-                      <a:r>
-                        <a:rPr lang="en-US" altLang="ko-KR" sz="1800" dirty="0" smtClean="0">
-                          <a:solidFill>
-                            <a:schemeClr val="dk1"/>
-                          </a:solidFill>
-                          <a:latin typeface="맑은 고딕" charset="0"/>
-                          <a:ea typeface="맑은 고딕" charset="0"/>
-                        </a:rPr>
-                        <a:t>게임내 재화</a:t>
-                      </a:r>
-                      <a:endParaRPr lang="ko-KR" altLang="en-US" sz="1800" dirty="0" smtClean="0">
-                        <a:solidFill>
-                          <a:schemeClr val="dk1"/>
-                        </a:solidFill>
-                        <a:latin typeface="맑은 고딕" charset="0"/>
-                        <a:ea typeface="맑은 고딕" charset="0"/>
-                      </a:endParaRPr>
-                    </a:p>
-                    <a:p>
-                      <a:pPr marL="0" indent="0" algn="l" fontAlgn="auto" defTabSz="508000">
-                        <a:lnSpc>
-                          <a:spcPct val="100000"/>
-                        </a:lnSpc>
-                        <a:spcBef>
-                          <a:spcPts val="0"/>
-                        </a:spcBef>
-                        <a:spcAft>
-                          <a:spcPts val="0"/>
-                        </a:spcAft>
-                        <a:buFontTx/>
-                        <a:buNone/>
-                      </a:pPr>
-                      <a:r>
-                        <a:rPr lang="en-US" altLang="ko-KR" sz="1800" dirty="0" smtClean="0">
-                          <a:solidFill>
-                            <a:schemeClr val="dk1"/>
-                          </a:solidFill>
-                          <a:latin typeface="맑은 고딕" charset="0"/>
-                          <a:ea typeface="맑은 고딕" charset="0"/>
-                        </a:rPr>
-                        <a:t>맵 스크롤링</a:t>
-                      </a:r>
-                      <a:endParaRPr lang="ko-KR" altLang="en-US" sz="1800" dirty="0" smtClean="0">
-                        <a:solidFill>
-                          <a:schemeClr val="dk1"/>
-                        </a:solidFill>
-                        <a:latin typeface="맑은 고딕" charset="0"/>
-                        <a:ea typeface="맑은 고딕" charset="0"/>
-                      </a:endParaRPr>
-                    </a:p>
-                  </a:txBody>
-                  <a:tcPr marL="90170" marR="90170" marT="46990" marB="46990" anchor="t"/>
-                </a:tc>
-                <a:tc>
-                  <a:txBody>
-                    <a:bodyPr/>
-                    <a:lstStyle/>
-                    <a:p>
-                      <a:pPr marL="0" indent="0" algn="l" fontAlgn="auto" defTabSz="508000">
-                        <a:lnSpc>
-                          <a:spcPct val="100000"/>
-                        </a:lnSpc>
-                        <a:spcBef>
-                          <a:spcPts val="0"/>
-                        </a:spcBef>
-                        <a:spcAft>
-                          <a:spcPts val="0"/>
-                        </a:spcAft>
-                        <a:buFontTx/>
-                        <a:buNone/>
-                      </a:pPr>
-                      <a:r>
-                        <a:rPr lang="en-US" altLang="ko-KR" sz="1800" dirty="0" smtClean="0">
-                          <a:solidFill>
-                            <a:schemeClr val="dk1"/>
-                          </a:solidFill>
-                          <a:latin typeface="맑은 고딕" charset="0"/>
-                          <a:ea typeface="맑은 고딕" charset="0"/>
-                        </a:rPr>
-                        <a:t>100%</a:t>
-                      </a:r>
-                      <a:endParaRPr lang="ko-KR" altLang="en-US" sz="1800" dirty="0" smtClean="0">
-                        <a:solidFill>
-                          <a:schemeClr val="dk1"/>
-                        </a:solidFill>
-                        <a:latin typeface="맑은 고딕" charset="0"/>
-                        <a:ea typeface="맑은 고딕" charset="0"/>
-                      </a:endParaRPr>
-                    </a:p>
-                  </a:txBody>
-                  <a:tcPr marL="90170" marR="90170" marT="46990" marB="46990" anchor="t"/>
-                </a:tc>
-              </a:tr>
-              <a:tr h="1374140">
-                <a:tc>
-                  <a:txBody>
-                    <a:bodyPr/>
-                    <a:lstStyle/>
-                    <a:p>
-                      <a:pPr marL="0" indent="0" algn="l" fontAlgn="auto" defTabSz="508000">
-                        <a:lnSpc>
-                          <a:spcPct val="100000"/>
-                        </a:lnSpc>
-                        <a:spcBef>
-                          <a:spcPts val="0"/>
-                        </a:spcBef>
-                        <a:spcAft>
-                          <a:spcPts val="0"/>
-                        </a:spcAft>
-                        <a:buFontTx/>
-                        <a:buNone/>
-                      </a:pPr>
-                      <a:r>
-                        <a:rPr lang="en-US" altLang="ko-KR" sz="1800" dirty="0" smtClean="0">
-                          <a:solidFill>
-                            <a:schemeClr val="dk1"/>
-                          </a:solidFill>
-                          <a:latin typeface="맑은 고딕" charset="0"/>
-                          <a:ea typeface="맑은 고딕" charset="0"/>
-                        </a:rPr>
-                        <a:t>사운드</a:t>
-                      </a:r>
-                      <a:endParaRPr lang="ko-KR" altLang="en-US" sz="1800" dirty="0" smtClean="0">
-                        <a:solidFill>
-                          <a:schemeClr val="dk1"/>
-                        </a:solidFill>
-                        <a:latin typeface="맑은 고딕" charset="0"/>
-                        <a:ea typeface="맑은 고딕" charset="0"/>
-                      </a:endParaRPr>
-                    </a:p>
-                  </a:txBody>
-                  <a:tcPr marL="90170" marR="90170" marT="46990" marB="46990" anchor="t"/>
-                </a:tc>
-                <a:tc>
-                  <a:txBody>
-                    <a:bodyPr/>
-                    <a:lstStyle/>
-                    <a:p>
-                      <a:pPr marL="0" indent="0" algn="l" fontAlgn="auto" defTabSz="508000">
-                        <a:lnSpc>
-                          <a:spcPct val="100000"/>
-                        </a:lnSpc>
-                        <a:spcBef>
-                          <a:spcPts val="0"/>
-                        </a:spcBef>
-                        <a:spcAft>
-                          <a:spcPts val="0"/>
-                        </a:spcAft>
-                        <a:buFontTx/>
-                        <a:buNone/>
-                      </a:pPr>
-                      <a:r>
-                        <a:rPr lang="en-US" altLang="ko-KR" sz="1800" dirty="0" smtClean="0">
-                          <a:solidFill>
-                            <a:schemeClr val="dk1"/>
-                          </a:solidFill>
-                          <a:latin typeface="맑은 고딕" charset="0"/>
-                          <a:ea typeface="맑은 고딕" charset="0"/>
-                        </a:rPr>
-                        <a:t>배경음악</a:t>
-                      </a:r>
-                      <a:endParaRPr lang="ko-KR" altLang="en-US" sz="1800" dirty="0" smtClean="0">
-                        <a:solidFill>
-                          <a:schemeClr val="dk1"/>
-                        </a:solidFill>
-                        <a:latin typeface="맑은 고딕" charset="0"/>
-                        <a:ea typeface="맑은 고딕" charset="0"/>
-                      </a:endParaRPr>
-                    </a:p>
-                    <a:p>
-                      <a:pPr marL="0" indent="0" algn="l" fontAlgn="auto" defTabSz="508000">
-                        <a:lnSpc>
-                          <a:spcPct val="100000"/>
-                        </a:lnSpc>
-                        <a:spcBef>
-                          <a:spcPts val="0"/>
-                        </a:spcBef>
-                        <a:spcAft>
-                          <a:spcPts val="0"/>
-                        </a:spcAft>
-                        <a:buFontTx/>
-                        <a:buNone/>
-                      </a:pPr>
-                      <a:r>
-                        <a:rPr lang="en-US" altLang="ko-KR" sz="1800" dirty="0" smtClean="0">
-                          <a:solidFill>
-                            <a:schemeClr val="dk1"/>
-                          </a:solidFill>
-                          <a:latin typeface="맑은 고딕" charset="0"/>
-                          <a:ea typeface="맑은 고딕" charset="0"/>
-                        </a:rPr>
-                        <a:t>무기휘두르는 소리</a:t>
-                      </a:r>
-                      <a:endParaRPr lang="ko-KR" altLang="en-US" sz="1800" dirty="0" smtClean="0">
-                        <a:solidFill>
-                          <a:schemeClr val="dk1"/>
-                        </a:solidFill>
-                        <a:latin typeface="맑은 고딕" charset="0"/>
-                        <a:ea typeface="맑은 고딕" charset="0"/>
-                      </a:endParaRPr>
-                    </a:p>
-                    <a:p>
-                      <a:pPr marL="0" indent="0" algn="l" fontAlgn="auto" defTabSz="508000">
-                        <a:lnSpc>
-                          <a:spcPct val="100000"/>
-                        </a:lnSpc>
-                        <a:spcBef>
-                          <a:spcPts val="0"/>
-                        </a:spcBef>
-                        <a:spcAft>
-                          <a:spcPts val="0"/>
-                        </a:spcAft>
-                        <a:buFontTx/>
-                        <a:buNone/>
-                      </a:pPr>
-                      <a:r>
-                        <a:rPr lang="en-US" altLang="ko-KR" sz="1800" dirty="0" smtClean="0">
-                          <a:solidFill>
-                            <a:schemeClr val="dk1"/>
-                          </a:solidFill>
-                          <a:latin typeface="맑은 고딕" charset="0"/>
-                          <a:ea typeface="맑은 고딕" charset="0"/>
-                        </a:rPr>
-                        <a:t>유닛 죽는소리</a:t>
-                      </a:r>
-                      <a:endParaRPr lang="ko-KR" altLang="en-US" sz="1800" dirty="0" smtClean="0">
-                        <a:solidFill>
-                          <a:schemeClr val="dk1"/>
-                        </a:solidFill>
-                        <a:latin typeface="맑은 고딕" charset="0"/>
-                        <a:ea typeface="맑은 고딕" charset="0"/>
-                      </a:endParaRPr>
-                    </a:p>
-                    <a:p>
-                      <a:pPr marL="0" indent="0" algn="l" fontAlgn="auto" defTabSz="508000">
-                        <a:lnSpc>
-                          <a:spcPct val="100000"/>
-                        </a:lnSpc>
-                        <a:spcBef>
-                          <a:spcPts val="0"/>
-                        </a:spcBef>
-                        <a:spcAft>
-                          <a:spcPts val="0"/>
-                        </a:spcAft>
-                        <a:buFontTx/>
-                        <a:buNone/>
-                      </a:pPr>
-                      <a:r>
-                        <a:rPr lang="en-US" altLang="ko-KR" sz="1800" dirty="0" smtClean="0">
-                          <a:solidFill>
-                            <a:schemeClr val="dk1"/>
-                          </a:solidFill>
-                          <a:latin typeface="맑은 고딕" charset="0"/>
-                          <a:ea typeface="맑은 고딕" charset="0"/>
-                        </a:rPr>
-                        <a:t>게임 승리 또는 패배시 나는 소리</a:t>
-                      </a:r>
-                      <a:endParaRPr lang="ko-KR" altLang="en-US" sz="1800" dirty="0" smtClean="0">
-                        <a:solidFill>
-                          <a:schemeClr val="dk1"/>
-                        </a:solidFill>
-                        <a:latin typeface="맑은 고딕" charset="0"/>
-                        <a:ea typeface="맑은 고딕" charset="0"/>
-                      </a:endParaRPr>
-                    </a:p>
-                  </a:txBody>
-                  <a:tcPr marL="90170" marR="90170" marT="46990" marB="46990" anchor="t"/>
-                </a:tc>
-                <a:tc>
-                  <a:txBody>
-                    <a:bodyPr/>
-                    <a:lstStyle/>
-                    <a:p>
-                      <a:pPr marL="0" indent="0" algn="l" fontAlgn="auto" defTabSz="508000">
-                        <a:lnSpc>
-                          <a:spcPct val="100000"/>
-                        </a:lnSpc>
-                        <a:spcBef>
-                          <a:spcPts val="0"/>
-                        </a:spcBef>
-                        <a:spcAft>
-                          <a:spcPts val="0"/>
-                        </a:spcAft>
-                        <a:buFontTx/>
-                        <a:buNone/>
-                      </a:pPr>
-                      <a:r>
-                        <a:rPr lang="en-US" altLang="ko-KR" sz="1800" dirty="0" smtClean="0">
-                          <a:solidFill>
-                            <a:schemeClr val="dk1"/>
-                          </a:solidFill>
-                          <a:latin typeface="맑은 고딕" charset="0"/>
-                          <a:ea typeface="맑은 고딕" charset="0"/>
-                        </a:rPr>
-                        <a:t>리소스 수집만 완료</a:t>
-                      </a:r>
-                      <a:endParaRPr lang="ko-KR" altLang="en-US" sz="1800" dirty="0" smtClean="0">
-                        <a:solidFill>
-                          <a:schemeClr val="dk1"/>
-                        </a:solidFill>
-                        <a:latin typeface="맑은 고딕" charset="0"/>
-                        <a:ea typeface="맑은 고딕" charset="0"/>
-                      </a:endParaRPr>
-                    </a:p>
-                  </a:txBody>
-                  <a:tcPr marL="90170" marR="90170" marT="46990" marB="46990" anchor="t"/>
-                </a:tc>
-                <a:tc>
-                  <a:txBody>
-                    <a:bodyPr/>
-                    <a:lstStyle/>
-                    <a:p>
-                      <a:pPr marL="0" indent="0" algn="l" fontAlgn="auto" defTabSz="508000">
-                        <a:lnSpc>
-                          <a:spcPct val="100000"/>
-                        </a:lnSpc>
-                        <a:spcBef>
-                          <a:spcPts val="0"/>
-                        </a:spcBef>
-                        <a:spcAft>
-                          <a:spcPts val="0"/>
-                        </a:spcAft>
-                        <a:buFontTx/>
-                        <a:buNone/>
-                      </a:pPr>
-                      <a:r>
-                        <a:rPr lang="en-US" altLang="ko-KR" sz="1800" dirty="0" smtClean="0">
-                          <a:solidFill>
-                            <a:schemeClr val="dk1"/>
-                          </a:solidFill>
-                          <a:latin typeface="맑은 고딕" charset="0"/>
-                          <a:ea typeface="맑은 고딕" charset="0"/>
-                        </a:rPr>
-                        <a:t>50%</a:t>
-                      </a:r>
-                      <a:endParaRPr lang="ko-KR" altLang="en-US" sz="1800" dirty="0" smtClean="0">
-                        <a:solidFill>
-                          <a:schemeClr val="dk1"/>
-                        </a:solidFill>
-                        <a:latin typeface="맑은 고딕" charset="0"/>
-                        <a:ea typeface="맑은 고딕" charset="0"/>
-                      </a:endParaRPr>
-                    </a:p>
-                  </a:txBody>
-                  <a:tcPr marL="90170" marR="90170" marT="46990" marB="46990" anchor="t"/>
-                </a:tc>
-              </a:tr>
-              <a:tr h="424180">
-                <a:tc>
-                  <a:txBody>
-                    <a:bodyPr/>
-                    <a:lstStyle/>
-                    <a:p>
-                      <a:pPr marL="0" indent="0" algn="l" fontAlgn="auto" defTabSz="508000">
-                        <a:lnSpc>
-                          <a:spcPct val="100000"/>
-                        </a:lnSpc>
-                        <a:spcBef>
-                          <a:spcPts val="0"/>
-                        </a:spcBef>
-                        <a:spcAft>
-                          <a:spcPts val="0"/>
-                        </a:spcAft>
-                        <a:buFontTx/>
-                        <a:buNone/>
-                      </a:pPr>
-                      <a:r>
-                        <a:rPr lang="en-US" altLang="ko-KR" sz="1800" dirty="0" smtClean="0">
-                          <a:solidFill>
-                            <a:schemeClr val="dk1"/>
-                          </a:solidFill>
-                          <a:latin typeface="맑은 고딕" charset="0"/>
-                          <a:ea typeface="맑은 고딕" charset="0"/>
-                        </a:rPr>
-                        <a:t>애니메이션</a:t>
-                      </a:r>
-                      <a:endParaRPr lang="ko-KR" altLang="en-US" sz="1800" dirty="0" smtClean="0">
-                        <a:solidFill>
-                          <a:schemeClr val="dk1"/>
-                        </a:solidFill>
-                        <a:latin typeface="맑은 고딕" charset="0"/>
-                        <a:ea typeface="맑은 고딕" charset="0"/>
-                      </a:endParaRPr>
-                    </a:p>
-                  </a:txBody>
-                  <a:tcPr marL="90170" marR="90170" marT="46990" marB="46990" anchor="t"/>
-                </a:tc>
-                <a:tc>
-                  <a:txBody>
-                    <a:bodyPr/>
-                    <a:lstStyle/>
-                    <a:p>
-                      <a:pPr marL="0" indent="0" algn="l" fontAlgn="auto" defTabSz="508000">
-                        <a:lnSpc>
-                          <a:spcPct val="100000"/>
-                        </a:lnSpc>
-                        <a:spcBef>
-                          <a:spcPts val="0"/>
-                        </a:spcBef>
-                        <a:spcAft>
-                          <a:spcPts val="0"/>
-                        </a:spcAft>
-                        <a:buFontTx/>
-                        <a:buNone/>
-                      </a:pPr>
-                      <a:r>
-                        <a:rPr lang="en-US" altLang="ko-KR" sz="1800" dirty="0" smtClean="0">
-                          <a:solidFill>
-                            <a:schemeClr val="dk1"/>
-                          </a:solidFill>
-                          <a:latin typeface="맑은 고딕" charset="0"/>
-                          <a:ea typeface="맑은 고딕" charset="0"/>
-                        </a:rPr>
-                        <a:t>각 상태에 따른 애니메이션</a:t>
-                      </a:r>
-                      <a:endParaRPr lang="ko-KR" altLang="en-US" sz="1800" dirty="0" smtClean="0">
-                        <a:solidFill>
-                          <a:schemeClr val="dk1"/>
-                        </a:solidFill>
-                        <a:latin typeface="맑은 고딕" charset="0"/>
-                        <a:ea typeface="맑은 고딕" charset="0"/>
-                      </a:endParaRPr>
-                    </a:p>
-                  </a:txBody>
-                  <a:tcPr marL="90170" marR="90170" marT="46990" marB="46990" anchor="t"/>
-                </a:tc>
-                <a:tc>
-                  <a:txBody>
-                    <a:bodyPr/>
-                    <a:lstStyle/>
-                    <a:p>
-                      <a:pPr marL="0" indent="0" algn="l" fontAlgn="auto" defTabSz="508000">
-                        <a:lnSpc>
-                          <a:spcPct val="100000"/>
-                        </a:lnSpc>
-                        <a:spcBef>
-                          <a:spcPts val="0"/>
-                        </a:spcBef>
-                        <a:spcAft>
-                          <a:spcPts val="0"/>
-                        </a:spcAft>
-                        <a:buFontTx/>
-                        <a:buNone/>
-                      </a:pPr>
-                      <a:r>
-                        <a:rPr lang="en-US" altLang="ko-KR" sz="1800" dirty="0" smtClean="0">
-                          <a:solidFill>
-                            <a:schemeClr val="dk1"/>
-                          </a:solidFill>
-                          <a:latin typeface="맑은 고딕" charset="0"/>
-                          <a:ea typeface="맑은 고딕" charset="0"/>
-                        </a:rPr>
-                        <a:t>각 상태에 따른 애니메이션</a:t>
-                      </a:r>
-                      <a:endParaRPr lang="ko-KR" altLang="en-US" sz="1800" dirty="0" smtClean="0">
-                        <a:solidFill>
-                          <a:schemeClr val="dk1"/>
-                        </a:solidFill>
-                        <a:latin typeface="맑은 고딕" charset="0"/>
-                        <a:ea typeface="맑은 고딕" charset="0"/>
-                      </a:endParaRPr>
-                    </a:p>
-                  </a:txBody>
-                  <a:tcPr marL="90170" marR="90170" marT="46990" marB="46990" anchor="t"/>
-                </a:tc>
-                <a:tc>
-                  <a:txBody>
-                    <a:bodyPr/>
-                    <a:lstStyle/>
-                    <a:p>
-                      <a:pPr marL="0" indent="0" algn="l" fontAlgn="auto" defTabSz="508000">
-                        <a:lnSpc>
-                          <a:spcPct val="100000"/>
-                        </a:lnSpc>
-                        <a:spcBef>
-                          <a:spcPts val="0"/>
-                        </a:spcBef>
-                        <a:spcAft>
-                          <a:spcPts val="0"/>
-                        </a:spcAft>
-                        <a:buFontTx/>
-                        <a:buNone/>
-                      </a:pPr>
-                      <a:r>
-                        <a:rPr lang="en-US" altLang="ko-KR" sz="1800" dirty="0" smtClean="0">
-                          <a:solidFill>
-                            <a:schemeClr val="dk1"/>
-                          </a:solidFill>
-                          <a:latin typeface="맑은 고딕" charset="0"/>
-                          <a:ea typeface="맑은 고딕" charset="0"/>
-                        </a:rPr>
-                        <a:t>100%</a:t>
-                      </a:r>
-                      <a:endParaRPr lang="ko-KR" altLang="en-US" sz="1800" dirty="0" smtClean="0">
-                        <a:solidFill>
-                          <a:schemeClr val="dk1"/>
-                        </a:solidFill>
-                        <a:latin typeface="맑은 고딕" charset="0"/>
-                        <a:ea typeface="맑은 고딕" charset="0"/>
-                      </a:endParaRPr>
-                    </a:p>
-                  </a:txBody>
-                  <a:tcPr marL="90170" marR="90170" marT="46990" marB="46990" anchor="t"/>
+                <a:tc hMerge="1">
+                  <a:txBody>
+                    <a:bodyPr/>
+                    <a:lstStyle/>
+                    <a:p>
+                      <a:pPr>
+                        <a:buFontTx/>
+                        <a:buNone/>
+                      </a:pPr>
+                      <a:endParaRPr lang="ko-KR" altLang="en-US" dirty="0" smtClean="0"/>
+                    </a:p>
+                  </a:txBody>
+                </a:tc>
+                <a:tc hMerge="1">
+                  <a:txBody>
+                    <a:bodyPr/>
+                    <a:lstStyle/>
+                    <a:p>
+                      <a:pPr>
+                        <a:buFontTx/>
+                        <a:buNone/>
+                      </a:pPr>
+                      <a:endParaRPr lang="ko-KR" altLang="en-US" dirty="0" smtClean="0"/>
+                    </a:p>
+                  </a:txBody>
+                </a:tc>
+                <a:tc hMerge="1">
+                  <a:txBody>
+                    <a:bodyPr/>
+                    <a:lstStyle/>
+                    <a:p>
+                      <a:pPr>
+                        <a:buFontTx/>
+                        <a:buNone/>
+                      </a:pPr>
+                      <a:endParaRPr lang="ko-KR" altLang="en-US" dirty="0" smtClean="0"/>
+                    </a:p>
+                  </a:txBody>
                 </a:tc>
               </a:tr>
             </a:tbl>
@@ -7003,12 +9063,19 @@
   </p:clrMapOvr>
   <mc:AlternateContent xmlns:mc="http://schemas.openxmlformats.org/markup-compatibility/2006">
     <mc:Choice xmlns:p14="http://schemas.microsoft.com/office/powerpoint/2010/main" Requires="p14">
-      <p:transition spd="slow" p14:dur="0"/>
+      <p:transition spd="slow" p14:dur="1000"/>
     </mc:Choice>
     <mc:Fallback>
       <p:transition spd="slow"/>
     </mc:Fallback>
   </mc:AlternateContent>
+  <p:timing>
+    <p:tnLst>
+      <p:par>
+        <p:cTn id="1" dur="indefinite" restart="never" nodeType="tmRoot"/>
+      </p:par>
+    </p:tnLst>
+  </p:timing>
 </p:sld>
 </file>
 
@@ -7875,7 +9942,7 @@
                           <a:latin typeface="함초롬돋움" charset="0"/>
                           <a:ea typeface="함초롬돋움" charset="0"/>
                         </a:rPr>
-                        <a:t>6.6회</a:t>
+                        <a:t>7회</a:t>
                       </a:r>
                       <a:endParaRPr lang="ko-KR" altLang="en-US" sz="3000" dirty="0" smtClean="0">
                         <a:solidFill>
@@ -8739,7 +10806,7 @@
                           <a:latin typeface="함초롬돋움" charset="0"/>
                           <a:ea typeface="함초롬돋움" charset="0"/>
                         </a:rPr>
-                        <a:t>6.6회</a:t>
+                        <a:t>7회</a:t>
                       </a:r>
                       <a:endParaRPr lang="ko-KR" altLang="en-US" sz="3000" dirty="0" smtClean="0">
                         <a:solidFill>
@@ -8759,7 +10826,7 @@
       </p:graphicFrame>
       <p:pic>
         <p:nvPicPr>
-          <p:cNvPr id="3" name="그림 1" descr="C:/Users/ì¬ì¤/AppData/Roaming/PolarisOffice/ETemp/8820_16845440/fImage77697641.png"/>
+          <p:cNvPr id="3" name="그림 1" descr="C:/Users/ì¬ì¤/AppData/Roaming/PolarisOffice/ETemp/8820_16845440/fImage7769766334.png"/>
           <p:cNvPicPr>
             <a:picLocks noChangeAspect="1"/>
           </p:cNvPicPr>
